--- a/Ozone Days Forecasting.pptx
+++ b/Ozone Days Forecasting.pptx
@@ -1,21 +1,24 @@
 
 <file path=ppt/presentation.xml><?xml version="1.0" encoding="utf-8"?>
-<p:presentation xmlns:a="http://schemas.openxmlformats.org/drawingml/2006/main" xmlns:r="http://schemas.openxmlformats.org/officeDocument/2006/relationships" xmlns:p="http://schemas.openxmlformats.org/presentationml/2006/main" strictFirstAndLastChars="0" saveSubsetFonts="1" autoCompressPictures="0">
+<p:presentation xmlns:a="http://schemas.openxmlformats.org/drawingml/2006/main" xmlns:r="http://schemas.openxmlformats.org/officeDocument/2006/relationships" xmlns:p="http://schemas.openxmlformats.org/presentationml/2006/main" strictFirstAndLastChars="0" autoCompressPictures="0">
   <p:sldMasterIdLst>
-    <p:sldMasterId id="2147483660" r:id="rId1"/>
+    <p:sldMasterId id="2147483648" r:id="rId1"/>
   </p:sldMasterIdLst>
   <p:notesMasterIdLst>
-    <p:notesMasterId r:id="rId10"/>
+    <p:notesMasterId r:id="rId4"/>
   </p:notesMasterIdLst>
   <p:sldIdLst>
-    <p:sldId id="256" r:id="rId2"/>
-    <p:sldId id="257" r:id="rId3"/>
-    <p:sldId id="258" r:id="rId4"/>
-    <p:sldId id="261" r:id="rId5"/>
-    <p:sldId id="262" r:id="rId6"/>
-    <p:sldId id="263" r:id="rId7"/>
-    <p:sldId id="259" r:id="rId8"/>
-    <p:sldId id="260" r:id="rId9"/>
+    <p:sldId id="256" r:id="rId3"/>
+    <p:sldId id="257" r:id="rId5"/>
+    <p:sldId id="258" r:id="rId6"/>
+    <p:sldId id="261" r:id="rId7"/>
+    <p:sldId id="266" r:id="rId8"/>
+    <p:sldId id="262" r:id="rId9"/>
+    <p:sldId id="267" r:id="rId10"/>
+    <p:sldId id="263" r:id="rId11"/>
+    <p:sldId id="268" r:id="rId12"/>
+    <p:sldId id="259" r:id="rId13"/>
+    <p:sldId id="260" r:id="rId14"/>
   </p:sldIdLst>
   <p:sldSz cx="12192000" cy="6858000"/>
   <p:notesSz cx="6858000" cy="9144000"/>
@@ -114,11 +117,6 @@
       </a:defRPr>
     </a:lvl9pPr>
   </p:defaultTextStyle>
-  <p:extLst>
-    <p:ext uri="{EFAFB233-063F-42B5-8137-9DF3F51BA10A}">
-      <p15:sldGuideLst xmlns:p15="http://schemas.microsoft.com/office/powerpoint/2012/main"/>
-    </p:ext>
-  </p:extLst>
 </p:presentation>
 </file>
 
@@ -188,10 +186,10 @@
                 <a:solidFill>
                   <a:schemeClr val="dk1"/>
                 </a:solidFill>
-                <a:latin typeface="Calibri"/>
-                <a:ea typeface="Calibri"/>
-                <a:cs typeface="Calibri"/>
-                <a:sym typeface="Calibri"/>
+                <a:latin typeface="Calibri" panose="020F0502020204030204"/>
+                <a:ea typeface="Calibri" panose="020F0502020204030204"/>
+                <a:cs typeface="Calibri" panose="020F0502020204030204"/>
+                <a:sym typeface="Calibri" panose="020F0502020204030204"/>
               </a:defRPr>
             </a:lvl1pPr>
             <a:lvl2pPr marR="0" lvl="1" algn="l" rtl="0">
@@ -207,10 +205,10 @@
                 <a:solidFill>
                   <a:schemeClr val="dk1"/>
                 </a:solidFill>
-                <a:latin typeface="Calibri"/>
-                <a:ea typeface="Calibri"/>
-                <a:cs typeface="Calibri"/>
-                <a:sym typeface="Calibri"/>
+                <a:latin typeface="Calibri" panose="020F0502020204030204"/>
+                <a:ea typeface="Calibri" panose="020F0502020204030204"/>
+                <a:cs typeface="Calibri" panose="020F0502020204030204"/>
+                <a:sym typeface="Calibri" panose="020F0502020204030204"/>
               </a:defRPr>
             </a:lvl2pPr>
             <a:lvl3pPr marR="0" lvl="2" algn="l" rtl="0">
@@ -226,10 +224,10 @@
                 <a:solidFill>
                   <a:schemeClr val="dk1"/>
                 </a:solidFill>
-                <a:latin typeface="Calibri"/>
-                <a:ea typeface="Calibri"/>
-                <a:cs typeface="Calibri"/>
-                <a:sym typeface="Calibri"/>
+                <a:latin typeface="Calibri" panose="020F0502020204030204"/>
+                <a:ea typeface="Calibri" panose="020F0502020204030204"/>
+                <a:cs typeface="Calibri" panose="020F0502020204030204"/>
+                <a:sym typeface="Calibri" panose="020F0502020204030204"/>
               </a:defRPr>
             </a:lvl3pPr>
             <a:lvl4pPr marR="0" lvl="3" algn="l" rtl="0">
@@ -245,10 +243,10 @@
                 <a:solidFill>
                   <a:schemeClr val="dk1"/>
                 </a:solidFill>
-                <a:latin typeface="Calibri"/>
-                <a:ea typeface="Calibri"/>
-                <a:cs typeface="Calibri"/>
-                <a:sym typeface="Calibri"/>
+                <a:latin typeface="Calibri" panose="020F0502020204030204"/>
+                <a:ea typeface="Calibri" panose="020F0502020204030204"/>
+                <a:cs typeface="Calibri" panose="020F0502020204030204"/>
+                <a:sym typeface="Calibri" panose="020F0502020204030204"/>
               </a:defRPr>
             </a:lvl4pPr>
             <a:lvl5pPr marR="0" lvl="4" algn="l" rtl="0">
@@ -264,10 +262,10 @@
                 <a:solidFill>
                   <a:schemeClr val="dk1"/>
                 </a:solidFill>
-                <a:latin typeface="Calibri"/>
-                <a:ea typeface="Calibri"/>
-                <a:cs typeface="Calibri"/>
-                <a:sym typeface="Calibri"/>
+                <a:latin typeface="Calibri" panose="020F0502020204030204"/>
+                <a:ea typeface="Calibri" panose="020F0502020204030204"/>
+                <a:cs typeface="Calibri" panose="020F0502020204030204"/>
+                <a:sym typeface="Calibri" panose="020F0502020204030204"/>
               </a:defRPr>
             </a:lvl5pPr>
             <a:lvl6pPr marR="0" lvl="5" algn="l" rtl="0">
@@ -283,10 +281,10 @@
                 <a:solidFill>
                   <a:schemeClr val="dk1"/>
                 </a:solidFill>
-                <a:latin typeface="Calibri"/>
-                <a:ea typeface="Calibri"/>
-                <a:cs typeface="Calibri"/>
-                <a:sym typeface="Calibri"/>
+                <a:latin typeface="Calibri" panose="020F0502020204030204"/>
+                <a:ea typeface="Calibri" panose="020F0502020204030204"/>
+                <a:cs typeface="Calibri" panose="020F0502020204030204"/>
+                <a:sym typeface="Calibri" panose="020F0502020204030204"/>
               </a:defRPr>
             </a:lvl6pPr>
             <a:lvl7pPr marR="0" lvl="6" algn="l" rtl="0">
@@ -302,10 +300,10 @@
                 <a:solidFill>
                   <a:schemeClr val="dk1"/>
                 </a:solidFill>
-                <a:latin typeface="Calibri"/>
-                <a:ea typeface="Calibri"/>
-                <a:cs typeface="Calibri"/>
-                <a:sym typeface="Calibri"/>
+                <a:latin typeface="Calibri" panose="020F0502020204030204"/>
+                <a:ea typeface="Calibri" panose="020F0502020204030204"/>
+                <a:cs typeface="Calibri" panose="020F0502020204030204"/>
+                <a:sym typeface="Calibri" panose="020F0502020204030204"/>
               </a:defRPr>
             </a:lvl7pPr>
             <a:lvl8pPr marR="0" lvl="7" algn="l" rtl="0">
@@ -321,10 +319,10 @@
                 <a:solidFill>
                   <a:schemeClr val="dk1"/>
                 </a:solidFill>
-                <a:latin typeface="Calibri"/>
-                <a:ea typeface="Calibri"/>
-                <a:cs typeface="Calibri"/>
-                <a:sym typeface="Calibri"/>
+                <a:latin typeface="Calibri" panose="020F0502020204030204"/>
+                <a:ea typeface="Calibri" panose="020F0502020204030204"/>
+                <a:cs typeface="Calibri" panose="020F0502020204030204"/>
+                <a:sym typeface="Calibri" panose="020F0502020204030204"/>
               </a:defRPr>
             </a:lvl8pPr>
             <a:lvl9pPr marR="0" lvl="8" algn="l" rtl="0">
@@ -340,16 +338,14 @@
                 <a:solidFill>
                   <a:schemeClr val="dk1"/>
                 </a:solidFill>
-                <a:latin typeface="Calibri"/>
-                <a:ea typeface="Calibri"/>
-                <a:cs typeface="Calibri"/>
-                <a:sym typeface="Calibri"/>
+                <a:latin typeface="Calibri" panose="020F0502020204030204"/>
+                <a:ea typeface="Calibri" panose="020F0502020204030204"/>
+                <a:cs typeface="Calibri" panose="020F0502020204030204"/>
+                <a:sym typeface="Calibri" panose="020F0502020204030204"/>
               </a:defRPr>
             </a:lvl9pPr>
           </a:lstStyle>
-          <a:p>
-            <a:endParaRPr/>
-          </a:p>
+          <a:p/>
         </p:txBody>
       </p:sp>
       <p:sp>
@@ -393,10 +389,10 @@
                 <a:solidFill>
                   <a:schemeClr val="dk1"/>
                 </a:solidFill>
-                <a:latin typeface="Calibri"/>
-                <a:ea typeface="Calibri"/>
-                <a:cs typeface="Calibri"/>
-                <a:sym typeface="Calibri"/>
+                <a:latin typeface="Calibri" panose="020F0502020204030204"/>
+                <a:ea typeface="Calibri" panose="020F0502020204030204"/>
+                <a:cs typeface="Calibri" panose="020F0502020204030204"/>
+                <a:sym typeface="Calibri" panose="020F0502020204030204"/>
               </a:defRPr>
             </a:lvl1pPr>
             <a:lvl2pPr marR="0" lvl="1" algn="l" rtl="0">
@@ -412,10 +408,10 @@
                 <a:solidFill>
                   <a:schemeClr val="dk1"/>
                 </a:solidFill>
-                <a:latin typeface="Calibri"/>
-                <a:ea typeface="Calibri"/>
-                <a:cs typeface="Calibri"/>
-                <a:sym typeface="Calibri"/>
+                <a:latin typeface="Calibri" panose="020F0502020204030204"/>
+                <a:ea typeface="Calibri" panose="020F0502020204030204"/>
+                <a:cs typeface="Calibri" panose="020F0502020204030204"/>
+                <a:sym typeface="Calibri" panose="020F0502020204030204"/>
               </a:defRPr>
             </a:lvl2pPr>
             <a:lvl3pPr marR="0" lvl="2" algn="l" rtl="0">
@@ -431,10 +427,10 @@
                 <a:solidFill>
                   <a:schemeClr val="dk1"/>
                 </a:solidFill>
-                <a:latin typeface="Calibri"/>
-                <a:ea typeface="Calibri"/>
-                <a:cs typeface="Calibri"/>
-                <a:sym typeface="Calibri"/>
+                <a:latin typeface="Calibri" panose="020F0502020204030204"/>
+                <a:ea typeface="Calibri" panose="020F0502020204030204"/>
+                <a:cs typeface="Calibri" panose="020F0502020204030204"/>
+                <a:sym typeface="Calibri" panose="020F0502020204030204"/>
               </a:defRPr>
             </a:lvl3pPr>
             <a:lvl4pPr marR="0" lvl="3" algn="l" rtl="0">
@@ -450,10 +446,10 @@
                 <a:solidFill>
                   <a:schemeClr val="dk1"/>
                 </a:solidFill>
-                <a:latin typeface="Calibri"/>
-                <a:ea typeface="Calibri"/>
-                <a:cs typeface="Calibri"/>
-                <a:sym typeface="Calibri"/>
+                <a:latin typeface="Calibri" panose="020F0502020204030204"/>
+                <a:ea typeface="Calibri" panose="020F0502020204030204"/>
+                <a:cs typeface="Calibri" panose="020F0502020204030204"/>
+                <a:sym typeface="Calibri" panose="020F0502020204030204"/>
               </a:defRPr>
             </a:lvl4pPr>
             <a:lvl5pPr marR="0" lvl="4" algn="l" rtl="0">
@@ -469,10 +465,10 @@
                 <a:solidFill>
                   <a:schemeClr val="dk1"/>
                 </a:solidFill>
-                <a:latin typeface="Calibri"/>
-                <a:ea typeface="Calibri"/>
-                <a:cs typeface="Calibri"/>
-                <a:sym typeface="Calibri"/>
+                <a:latin typeface="Calibri" panose="020F0502020204030204"/>
+                <a:ea typeface="Calibri" panose="020F0502020204030204"/>
+                <a:cs typeface="Calibri" panose="020F0502020204030204"/>
+                <a:sym typeface="Calibri" panose="020F0502020204030204"/>
               </a:defRPr>
             </a:lvl5pPr>
             <a:lvl6pPr marR="0" lvl="5" algn="l" rtl="0">
@@ -488,10 +484,10 @@
                 <a:solidFill>
                   <a:schemeClr val="dk1"/>
                 </a:solidFill>
-                <a:latin typeface="Calibri"/>
-                <a:ea typeface="Calibri"/>
-                <a:cs typeface="Calibri"/>
-                <a:sym typeface="Calibri"/>
+                <a:latin typeface="Calibri" panose="020F0502020204030204"/>
+                <a:ea typeface="Calibri" panose="020F0502020204030204"/>
+                <a:cs typeface="Calibri" panose="020F0502020204030204"/>
+                <a:sym typeface="Calibri" panose="020F0502020204030204"/>
               </a:defRPr>
             </a:lvl6pPr>
             <a:lvl7pPr marR="0" lvl="6" algn="l" rtl="0">
@@ -507,10 +503,10 @@
                 <a:solidFill>
                   <a:schemeClr val="dk1"/>
                 </a:solidFill>
-                <a:latin typeface="Calibri"/>
-                <a:ea typeface="Calibri"/>
-                <a:cs typeface="Calibri"/>
-                <a:sym typeface="Calibri"/>
+                <a:latin typeface="Calibri" panose="020F0502020204030204"/>
+                <a:ea typeface="Calibri" panose="020F0502020204030204"/>
+                <a:cs typeface="Calibri" panose="020F0502020204030204"/>
+                <a:sym typeface="Calibri" panose="020F0502020204030204"/>
               </a:defRPr>
             </a:lvl7pPr>
             <a:lvl8pPr marR="0" lvl="7" algn="l" rtl="0">
@@ -526,10 +522,10 @@
                 <a:solidFill>
                   <a:schemeClr val="dk1"/>
                 </a:solidFill>
-                <a:latin typeface="Calibri"/>
-                <a:ea typeface="Calibri"/>
-                <a:cs typeface="Calibri"/>
-                <a:sym typeface="Calibri"/>
+                <a:latin typeface="Calibri" panose="020F0502020204030204"/>
+                <a:ea typeface="Calibri" panose="020F0502020204030204"/>
+                <a:cs typeface="Calibri" panose="020F0502020204030204"/>
+                <a:sym typeface="Calibri" panose="020F0502020204030204"/>
               </a:defRPr>
             </a:lvl8pPr>
             <a:lvl9pPr marR="0" lvl="8" algn="l" rtl="0">
@@ -545,16 +541,14 @@
                 <a:solidFill>
                   <a:schemeClr val="dk1"/>
                 </a:solidFill>
-                <a:latin typeface="Calibri"/>
-                <a:ea typeface="Calibri"/>
-                <a:cs typeface="Calibri"/>
-                <a:sym typeface="Calibri"/>
+                <a:latin typeface="Calibri" panose="020F0502020204030204"/>
+                <a:ea typeface="Calibri" panose="020F0502020204030204"/>
+                <a:cs typeface="Calibri" panose="020F0502020204030204"/>
+                <a:sym typeface="Calibri" panose="020F0502020204030204"/>
               </a:defRPr>
             </a:lvl9pPr>
           </a:lstStyle>
-          <a:p>
-            <a:endParaRPr/>
-          </a:p>
+          <a:p/>
         </p:txBody>
       </p:sp>
       <p:sp>
@@ -649,10 +643,10 @@
                 <a:solidFill>
                   <a:schemeClr val="dk1"/>
                 </a:solidFill>
-                <a:latin typeface="Calibri"/>
-                <a:ea typeface="Calibri"/>
-                <a:cs typeface="Calibri"/>
-                <a:sym typeface="Calibri"/>
+                <a:latin typeface="Calibri" panose="020F0502020204030204"/>
+                <a:ea typeface="Calibri" panose="020F0502020204030204"/>
+                <a:cs typeface="Calibri" panose="020F0502020204030204"/>
+                <a:sym typeface="Calibri" panose="020F0502020204030204"/>
               </a:defRPr>
             </a:lvl1pPr>
             <a:lvl2pPr marL="914400" marR="0" lvl="1" indent="-228600" algn="l" rtl="0">
@@ -668,10 +662,10 @@
                 <a:solidFill>
                   <a:schemeClr val="dk1"/>
                 </a:solidFill>
-                <a:latin typeface="Calibri"/>
-                <a:ea typeface="Calibri"/>
-                <a:cs typeface="Calibri"/>
-                <a:sym typeface="Calibri"/>
+                <a:latin typeface="Calibri" panose="020F0502020204030204"/>
+                <a:ea typeface="Calibri" panose="020F0502020204030204"/>
+                <a:cs typeface="Calibri" panose="020F0502020204030204"/>
+                <a:sym typeface="Calibri" panose="020F0502020204030204"/>
               </a:defRPr>
             </a:lvl2pPr>
             <a:lvl3pPr marL="1371600" marR="0" lvl="2" indent="-228600" algn="l" rtl="0">
@@ -687,10 +681,10 @@
                 <a:solidFill>
                   <a:schemeClr val="dk1"/>
                 </a:solidFill>
-                <a:latin typeface="Calibri"/>
-                <a:ea typeface="Calibri"/>
-                <a:cs typeface="Calibri"/>
-                <a:sym typeface="Calibri"/>
+                <a:latin typeface="Calibri" panose="020F0502020204030204"/>
+                <a:ea typeface="Calibri" panose="020F0502020204030204"/>
+                <a:cs typeface="Calibri" panose="020F0502020204030204"/>
+                <a:sym typeface="Calibri" panose="020F0502020204030204"/>
               </a:defRPr>
             </a:lvl3pPr>
             <a:lvl4pPr marL="1828800" marR="0" lvl="3" indent="-228600" algn="l" rtl="0">
@@ -706,10 +700,10 @@
                 <a:solidFill>
                   <a:schemeClr val="dk1"/>
                 </a:solidFill>
-                <a:latin typeface="Calibri"/>
-                <a:ea typeface="Calibri"/>
-                <a:cs typeface="Calibri"/>
-                <a:sym typeface="Calibri"/>
+                <a:latin typeface="Calibri" panose="020F0502020204030204"/>
+                <a:ea typeface="Calibri" panose="020F0502020204030204"/>
+                <a:cs typeface="Calibri" panose="020F0502020204030204"/>
+                <a:sym typeface="Calibri" panose="020F0502020204030204"/>
               </a:defRPr>
             </a:lvl4pPr>
             <a:lvl5pPr marL="2286000" marR="0" lvl="4" indent="-228600" algn="l" rtl="0">
@@ -725,10 +719,10 @@
                 <a:solidFill>
                   <a:schemeClr val="dk1"/>
                 </a:solidFill>
-                <a:latin typeface="Calibri"/>
-                <a:ea typeface="Calibri"/>
-                <a:cs typeface="Calibri"/>
-                <a:sym typeface="Calibri"/>
+                <a:latin typeface="Calibri" panose="020F0502020204030204"/>
+                <a:ea typeface="Calibri" panose="020F0502020204030204"/>
+                <a:cs typeface="Calibri" panose="020F0502020204030204"/>
+                <a:sym typeface="Calibri" panose="020F0502020204030204"/>
               </a:defRPr>
             </a:lvl5pPr>
             <a:lvl6pPr marL="2743200" marR="0" lvl="5" indent="-228600" algn="l" rtl="0">
@@ -744,10 +738,10 @@
                 <a:solidFill>
                   <a:schemeClr val="dk1"/>
                 </a:solidFill>
-                <a:latin typeface="Calibri"/>
-                <a:ea typeface="Calibri"/>
-                <a:cs typeface="Calibri"/>
-                <a:sym typeface="Calibri"/>
+                <a:latin typeface="Calibri" panose="020F0502020204030204"/>
+                <a:ea typeface="Calibri" panose="020F0502020204030204"/>
+                <a:cs typeface="Calibri" panose="020F0502020204030204"/>
+                <a:sym typeface="Calibri" panose="020F0502020204030204"/>
               </a:defRPr>
             </a:lvl6pPr>
             <a:lvl7pPr marL="3200400" marR="0" lvl="6" indent="-228600" algn="l" rtl="0">
@@ -763,10 +757,10 @@
                 <a:solidFill>
                   <a:schemeClr val="dk1"/>
                 </a:solidFill>
-                <a:latin typeface="Calibri"/>
-                <a:ea typeface="Calibri"/>
-                <a:cs typeface="Calibri"/>
-                <a:sym typeface="Calibri"/>
+                <a:latin typeface="Calibri" panose="020F0502020204030204"/>
+                <a:ea typeface="Calibri" panose="020F0502020204030204"/>
+                <a:cs typeface="Calibri" panose="020F0502020204030204"/>
+                <a:sym typeface="Calibri" panose="020F0502020204030204"/>
               </a:defRPr>
             </a:lvl7pPr>
             <a:lvl8pPr marL="3657600" marR="0" lvl="7" indent="-228600" algn="l" rtl="0">
@@ -782,10 +776,10 @@
                 <a:solidFill>
                   <a:schemeClr val="dk1"/>
                 </a:solidFill>
-                <a:latin typeface="Calibri"/>
-                <a:ea typeface="Calibri"/>
-                <a:cs typeface="Calibri"/>
-                <a:sym typeface="Calibri"/>
+                <a:latin typeface="Calibri" panose="020F0502020204030204"/>
+                <a:ea typeface="Calibri" panose="020F0502020204030204"/>
+                <a:cs typeface="Calibri" panose="020F0502020204030204"/>
+                <a:sym typeface="Calibri" panose="020F0502020204030204"/>
               </a:defRPr>
             </a:lvl8pPr>
             <a:lvl9pPr marL="4114800" marR="0" lvl="8" indent="-228600" algn="l" rtl="0">
@@ -801,16 +795,14 @@
                 <a:solidFill>
                   <a:schemeClr val="dk1"/>
                 </a:solidFill>
-                <a:latin typeface="Calibri"/>
-                <a:ea typeface="Calibri"/>
-                <a:cs typeface="Calibri"/>
-                <a:sym typeface="Calibri"/>
+                <a:latin typeface="Calibri" panose="020F0502020204030204"/>
+                <a:ea typeface="Calibri" panose="020F0502020204030204"/>
+                <a:cs typeface="Calibri" panose="020F0502020204030204"/>
+                <a:sym typeface="Calibri" panose="020F0502020204030204"/>
               </a:defRPr>
             </a:lvl9pPr>
           </a:lstStyle>
-          <a:p>
-            <a:endParaRPr/>
-          </a:p>
+          <a:p/>
         </p:txBody>
       </p:sp>
       <p:sp>
@@ -854,10 +846,10 @@
                 <a:solidFill>
                   <a:schemeClr val="dk1"/>
                 </a:solidFill>
-                <a:latin typeface="Calibri"/>
-                <a:ea typeface="Calibri"/>
-                <a:cs typeface="Calibri"/>
-                <a:sym typeface="Calibri"/>
+                <a:latin typeface="Calibri" panose="020F0502020204030204"/>
+                <a:ea typeface="Calibri" panose="020F0502020204030204"/>
+                <a:cs typeface="Calibri" panose="020F0502020204030204"/>
+                <a:sym typeface="Calibri" panose="020F0502020204030204"/>
               </a:defRPr>
             </a:lvl1pPr>
             <a:lvl2pPr marR="0" lvl="1" algn="l" rtl="0">
@@ -873,10 +865,10 @@
                 <a:solidFill>
                   <a:schemeClr val="dk1"/>
                 </a:solidFill>
-                <a:latin typeface="Calibri"/>
-                <a:ea typeface="Calibri"/>
-                <a:cs typeface="Calibri"/>
-                <a:sym typeface="Calibri"/>
+                <a:latin typeface="Calibri" panose="020F0502020204030204"/>
+                <a:ea typeface="Calibri" panose="020F0502020204030204"/>
+                <a:cs typeface="Calibri" panose="020F0502020204030204"/>
+                <a:sym typeface="Calibri" panose="020F0502020204030204"/>
               </a:defRPr>
             </a:lvl2pPr>
             <a:lvl3pPr marR="0" lvl="2" algn="l" rtl="0">
@@ -892,10 +884,10 @@
                 <a:solidFill>
                   <a:schemeClr val="dk1"/>
                 </a:solidFill>
-                <a:latin typeface="Calibri"/>
-                <a:ea typeface="Calibri"/>
-                <a:cs typeface="Calibri"/>
-                <a:sym typeface="Calibri"/>
+                <a:latin typeface="Calibri" panose="020F0502020204030204"/>
+                <a:ea typeface="Calibri" panose="020F0502020204030204"/>
+                <a:cs typeface="Calibri" panose="020F0502020204030204"/>
+                <a:sym typeface="Calibri" panose="020F0502020204030204"/>
               </a:defRPr>
             </a:lvl3pPr>
             <a:lvl4pPr marR="0" lvl="3" algn="l" rtl="0">
@@ -911,10 +903,10 @@
                 <a:solidFill>
                   <a:schemeClr val="dk1"/>
                 </a:solidFill>
-                <a:latin typeface="Calibri"/>
-                <a:ea typeface="Calibri"/>
-                <a:cs typeface="Calibri"/>
-                <a:sym typeface="Calibri"/>
+                <a:latin typeface="Calibri" panose="020F0502020204030204"/>
+                <a:ea typeface="Calibri" panose="020F0502020204030204"/>
+                <a:cs typeface="Calibri" panose="020F0502020204030204"/>
+                <a:sym typeface="Calibri" panose="020F0502020204030204"/>
               </a:defRPr>
             </a:lvl4pPr>
             <a:lvl5pPr marR="0" lvl="4" algn="l" rtl="0">
@@ -930,10 +922,10 @@
                 <a:solidFill>
                   <a:schemeClr val="dk1"/>
                 </a:solidFill>
-                <a:latin typeface="Calibri"/>
-                <a:ea typeface="Calibri"/>
-                <a:cs typeface="Calibri"/>
-                <a:sym typeface="Calibri"/>
+                <a:latin typeface="Calibri" panose="020F0502020204030204"/>
+                <a:ea typeface="Calibri" panose="020F0502020204030204"/>
+                <a:cs typeface="Calibri" panose="020F0502020204030204"/>
+                <a:sym typeface="Calibri" panose="020F0502020204030204"/>
               </a:defRPr>
             </a:lvl5pPr>
             <a:lvl6pPr marR="0" lvl="5" algn="l" rtl="0">
@@ -949,10 +941,10 @@
                 <a:solidFill>
                   <a:schemeClr val="dk1"/>
                 </a:solidFill>
-                <a:latin typeface="Calibri"/>
-                <a:ea typeface="Calibri"/>
-                <a:cs typeface="Calibri"/>
-                <a:sym typeface="Calibri"/>
+                <a:latin typeface="Calibri" panose="020F0502020204030204"/>
+                <a:ea typeface="Calibri" panose="020F0502020204030204"/>
+                <a:cs typeface="Calibri" panose="020F0502020204030204"/>
+                <a:sym typeface="Calibri" panose="020F0502020204030204"/>
               </a:defRPr>
             </a:lvl6pPr>
             <a:lvl7pPr marR="0" lvl="6" algn="l" rtl="0">
@@ -968,10 +960,10 @@
                 <a:solidFill>
                   <a:schemeClr val="dk1"/>
                 </a:solidFill>
-                <a:latin typeface="Calibri"/>
-                <a:ea typeface="Calibri"/>
-                <a:cs typeface="Calibri"/>
-                <a:sym typeface="Calibri"/>
+                <a:latin typeface="Calibri" panose="020F0502020204030204"/>
+                <a:ea typeface="Calibri" panose="020F0502020204030204"/>
+                <a:cs typeface="Calibri" panose="020F0502020204030204"/>
+                <a:sym typeface="Calibri" panose="020F0502020204030204"/>
               </a:defRPr>
             </a:lvl7pPr>
             <a:lvl8pPr marR="0" lvl="7" algn="l" rtl="0">
@@ -987,10 +979,10 @@
                 <a:solidFill>
                   <a:schemeClr val="dk1"/>
                 </a:solidFill>
-                <a:latin typeface="Calibri"/>
-                <a:ea typeface="Calibri"/>
-                <a:cs typeface="Calibri"/>
-                <a:sym typeface="Calibri"/>
+                <a:latin typeface="Calibri" panose="020F0502020204030204"/>
+                <a:ea typeface="Calibri" panose="020F0502020204030204"/>
+                <a:cs typeface="Calibri" panose="020F0502020204030204"/>
+                <a:sym typeface="Calibri" panose="020F0502020204030204"/>
               </a:defRPr>
             </a:lvl8pPr>
             <a:lvl9pPr marR="0" lvl="8" algn="l" rtl="0">
@@ -1006,16 +998,14 @@
                 <a:solidFill>
                   <a:schemeClr val="dk1"/>
                 </a:solidFill>
-                <a:latin typeface="Calibri"/>
-                <a:ea typeface="Calibri"/>
-                <a:cs typeface="Calibri"/>
-                <a:sym typeface="Calibri"/>
+                <a:latin typeface="Calibri" panose="020F0502020204030204"/>
+                <a:ea typeface="Calibri" panose="020F0502020204030204"/>
+                <a:cs typeface="Calibri" panose="020F0502020204030204"/>
+                <a:sym typeface="Calibri" panose="020F0502020204030204"/>
               </a:defRPr>
             </a:lvl9pPr>
           </a:lstStyle>
-          <a:p>
-            <a:endParaRPr/>
-          </a:p>
+          <a:p/>
         </p:txBody>
       </p:sp>
       <p:sp>
@@ -1061,21 +1051,20 @@
                 <a:solidFill>
                   <a:schemeClr val="dk1"/>
                 </a:solidFill>
-                <a:latin typeface="Calibri"/>
-                <a:ea typeface="Calibri"/>
-                <a:cs typeface="Calibri"/>
-                <a:sym typeface="Calibri"/>
+                <a:latin typeface="Calibri" panose="020F0502020204030204"/>
+                <a:ea typeface="Calibri" panose="020F0502020204030204"/>
+                <a:cs typeface="Calibri" panose="020F0502020204030204"/>
+                <a:sym typeface="Calibri" panose="020F0502020204030204"/>
               </a:rPr>
-              <a:t>‹#›</a:t>
             </a:fld>
             <a:endParaRPr sz="1200" b="0" i="0" u="none" strike="noStrike" cap="none">
               <a:solidFill>
                 <a:schemeClr val="dk1"/>
               </a:solidFill>
-              <a:latin typeface="Calibri"/>
-              <a:ea typeface="Calibri"/>
-              <a:cs typeface="Calibri"/>
-              <a:sym typeface="Calibri"/>
+              <a:latin typeface="Calibri" panose="020F0502020204030204"/>
+              <a:ea typeface="Calibri" panose="020F0502020204030204"/>
+              <a:cs typeface="Calibri" panose="020F0502020204030204"/>
+              <a:sym typeface="Calibri" panose="020F0502020204030204"/>
             </a:endParaRPr>
           </a:p>
         </p:txBody>
@@ -1108,15 +1097,15 @@
       <a:buClr>
         <a:srgbClr val="000000"/>
       </a:buClr>
-      <a:buFont typeface="Arial"/>
+      <a:buFont typeface="Arial" panose="020B0604020202020204"/>
       <a:defRPr sz="1400" b="0" i="0" u="none" strike="noStrike" cap="none">
         <a:solidFill>
           <a:srgbClr val="000000"/>
         </a:solidFill>
-        <a:latin typeface="Arial"/>
-        <a:ea typeface="Arial"/>
-        <a:cs typeface="Arial"/>
-        <a:sym typeface="Arial"/>
+        <a:latin typeface="Arial" panose="020B0604020202020204"/>
+        <a:ea typeface="Arial" panose="020B0604020202020204"/>
+        <a:cs typeface="Arial" panose="020B0604020202020204"/>
+        <a:sym typeface="Arial" panose="020B0604020202020204"/>
       </a:defRPr>
     </a:lvl1pPr>
     <a:lvl2pPr marR="0" lvl="1" algn="l" rtl="0">
@@ -1132,15 +1121,15 @@
       <a:buClr>
         <a:srgbClr val="000000"/>
       </a:buClr>
-      <a:buFont typeface="Arial"/>
+      <a:buFont typeface="Arial" panose="020B0604020202020204"/>
       <a:defRPr sz="1400" b="0" i="0" u="none" strike="noStrike" cap="none">
         <a:solidFill>
           <a:srgbClr val="000000"/>
         </a:solidFill>
-        <a:latin typeface="Arial"/>
-        <a:ea typeface="Arial"/>
-        <a:cs typeface="Arial"/>
-        <a:sym typeface="Arial"/>
+        <a:latin typeface="Arial" panose="020B0604020202020204"/>
+        <a:ea typeface="Arial" panose="020B0604020202020204"/>
+        <a:cs typeface="Arial" panose="020B0604020202020204"/>
+        <a:sym typeface="Arial" panose="020B0604020202020204"/>
       </a:defRPr>
     </a:lvl2pPr>
     <a:lvl3pPr marR="0" lvl="2" algn="l" rtl="0">
@@ -1156,15 +1145,15 @@
       <a:buClr>
         <a:srgbClr val="000000"/>
       </a:buClr>
-      <a:buFont typeface="Arial"/>
+      <a:buFont typeface="Arial" panose="020B0604020202020204"/>
       <a:defRPr sz="1400" b="0" i="0" u="none" strike="noStrike" cap="none">
         <a:solidFill>
           <a:srgbClr val="000000"/>
         </a:solidFill>
-        <a:latin typeface="Arial"/>
-        <a:ea typeface="Arial"/>
-        <a:cs typeface="Arial"/>
-        <a:sym typeface="Arial"/>
+        <a:latin typeface="Arial" panose="020B0604020202020204"/>
+        <a:ea typeface="Arial" panose="020B0604020202020204"/>
+        <a:cs typeface="Arial" panose="020B0604020202020204"/>
+        <a:sym typeface="Arial" panose="020B0604020202020204"/>
       </a:defRPr>
     </a:lvl3pPr>
     <a:lvl4pPr marR="0" lvl="3" algn="l" rtl="0">
@@ -1180,15 +1169,15 @@
       <a:buClr>
         <a:srgbClr val="000000"/>
       </a:buClr>
-      <a:buFont typeface="Arial"/>
+      <a:buFont typeface="Arial" panose="020B0604020202020204"/>
       <a:defRPr sz="1400" b="0" i="0" u="none" strike="noStrike" cap="none">
         <a:solidFill>
           <a:srgbClr val="000000"/>
         </a:solidFill>
-        <a:latin typeface="Arial"/>
-        <a:ea typeface="Arial"/>
-        <a:cs typeface="Arial"/>
-        <a:sym typeface="Arial"/>
+        <a:latin typeface="Arial" panose="020B0604020202020204"/>
+        <a:ea typeface="Arial" panose="020B0604020202020204"/>
+        <a:cs typeface="Arial" panose="020B0604020202020204"/>
+        <a:sym typeface="Arial" panose="020B0604020202020204"/>
       </a:defRPr>
     </a:lvl4pPr>
     <a:lvl5pPr marR="0" lvl="4" algn="l" rtl="0">
@@ -1204,15 +1193,15 @@
       <a:buClr>
         <a:srgbClr val="000000"/>
       </a:buClr>
-      <a:buFont typeface="Arial"/>
+      <a:buFont typeface="Arial" panose="020B0604020202020204"/>
       <a:defRPr sz="1400" b="0" i="0" u="none" strike="noStrike" cap="none">
         <a:solidFill>
           <a:srgbClr val="000000"/>
         </a:solidFill>
-        <a:latin typeface="Arial"/>
-        <a:ea typeface="Arial"/>
-        <a:cs typeface="Arial"/>
-        <a:sym typeface="Arial"/>
+        <a:latin typeface="Arial" panose="020B0604020202020204"/>
+        <a:ea typeface="Arial" panose="020B0604020202020204"/>
+        <a:cs typeface="Arial" panose="020B0604020202020204"/>
+        <a:sym typeface="Arial" panose="020B0604020202020204"/>
       </a:defRPr>
     </a:lvl5pPr>
     <a:lvl6pPr marR="0" lvl="5" algn="l" rtl="0">
@@ -1228,15 +1217,15 @@
       <a:buClr>
         <a:srgbClr val="000000"/>
       </a:buClr>
-      <a:buFont typeface="Arial"/>
+      <a:buFont typeface="Arial" panose="020B0604020202020204"/>
       <a:defRPr sz="1400" b="0" i="0" u="none" strike="noStrike" cap="none">
         <a:solidFill>
           <a:srgbClr val="000000"/>
         </a:solidFill>
-        <a:latin typeface="Arial"/>
-        <a:ea typeface="Arial"/>
-        <a:cs typeface="Arial"/>
-        <a:sym typeface="Arial"/>
+        <a:latin typeface="Arial" panose="020B0604020202020204"/>
+        <a:ea typeface="Arial" panose="020B0604020202020204"/>
+        <a:cs typeface="Arial" panose="020B0604020202020204"/>
+        <a:sym typeface="Arial" panose="020B0604020202020204"/>
       </a:defRPr>
     </a:lvl6pPr>
     <a:lvl7pPr marR="0" lvl="6" algn="l" rtl="0">
@@ -1252,15 +1241,15 @@
       <a:buClr>
         <a:srgbClr val="000000"/>
       </a:buClr>
-      <a:buFont typeface="Arial"/>
+      <a:buFont typeface="Arial" panose="020B0604020202020204"/>
       <a:defRPr sz="1400" b="0" i="0" u="none" strike="noStrike" cap="none">
         <a:solidFill>
           <a:srgbClr val="000000"/>
         </a:solidFill>
-        <a:latin typeface="Arial"/>
-        <a:ea typeface="Arial"/>
-        <a:cs typeface="Arial"/>
-        <a:sym typeface="Arial"/>
+        <a:latin typeface="Arial" panose="020B0604020202020204"/>
+        <a:ea typeface="Arial" panose="020B0604020202020204"/>
+        <a:cs typeface="Arial" panose="020B0604020202020204"/>
+        <a:sym typeface="Arial" panose="020B0604020202020204"/>
       </a:defRPr>
     </a:lvl7pPr>
     <a:lvl8pPr marR="0" lvl="7" algn="l" rtl="0">
@@ -1276,15 +1265,15 @@
       <a:buClr>
         <a:srgbClr val="000000"/>
       </a:buClr>
-      <a:buFont typeface="Arial"/>
+      <a:buFont typeface="Arial" panose="020B0604020202020204"/>
       <a:defRPr sz="1400" b="0" i="0" u="none" strike="noStrike" cap="none">
         <a:solidFill>
           <a:srgbClr val="000000"/>
         </a:solidFill>
-        <a:latin typeface="Arial"/>
-        <a:ea typeface="Arial"/>
-        <a:cs typeface="Arial"/>
-        <a:sym typeface="Arial"/>
+        <a:latin typeface="Arial" panose="020B0604020202020204"/>
+        <a:ea typeface="Arial" panose="020B0604020202020204"/>
+        <a:cs typeface="Arial" panose="020B0604020202020204"/>
+        <a:sym typeface="Arial" panose="020B0604020202020204"/>
       </a:defRPr>
     </a:lvl8pPr>
     <a:lvl9pPr marR="0" lvl="8" algn="l" rtl="0">
@@ -1300,15 +1289,15 @@
       <a:buClr>
         <a:srgbClr val="000000"/>
       </a:buClr>
-      <a:buFont typeface="Arial"/>
+      <a:buFont typeface="Arial" panose="020B0604020202020204"/>
       <a:defRPr sz="1400" b="0" i="0" u="none" strike="noStrike" cap="none">
         <a:solidFill>
           <a:srgbClr val="000000"/>
         </a:solidFill>
-        <a:latin typeface="Arial"/>
-        <a:ea typeface="Arial"/>
-        <a:cs typeface="Arial"/>
-        <a:sym typeface="Arial"/>
+        <a:latin typeface="Arial" panose="020B0604020202020204"/>
+        <a:ea typeface="Arial" panose="020B0604020202020204"/>
+        <a:cs typeface="Arial" panose="020B0604020202020204"/>
+        <a:sym typeface="Arial" panose="020B0604020202020204"/>
       </a:defRPr>
     </a:lvl9pPr>
   </p:notesStyle>
@@ -1316,7 +1305,7 @@
 </file>
 
 <file path=ppt/notesSlides/notesSlide1.xml><?xml version="1.0" encoding="utf-8"?>
-<p:notes xmlns:a="http://schemas.openxmlformats.org/drawingml/2006/main" xmlns:r="http://schemas.openxmlformats.org/officeDocument/2006/relationships" xmlns:p="http://schemas.openxmlformats.org/presentationml/2006/main" showMasterSp="0" showMasterPhAnim="0">
+<p:notes xmlns:a="http://schemas.openxmlformats.org/drawingml/2006/main" xmlns:r="http://schemas.openxmlformats.org/officeDocument/2006/relationships" xmlns:p="http://schemas.openxmlformats.org/presentationml/2006/main" showMasterPhAnim="0" showMasterSp="0">
   <p:cSld>
     <p:spTree>
       <p:nvGrpSpPr>
@@ -1366,7 +1355,6 @@
               </a:spcAft>
               <a:buNone/>
             </a:pPr>
-            <a:endParaRPr/>
           </a:p>
         </p:txBody>
       </p:sp>
@@ -1420,7 +1408,7 @@
 </file>
 
 <file path=ppt/notesSlides/notesSlide2.xml><?xml version="1.0" encoding="utf-8"?>
-<p:notes xmlns:a="http://schemas.openxmlformats.org/drawingml/2006/main" xmlns:r="http://schemas.openxmlformats.org/officeDocument/2006/relationships" xmlns:p="http://schemas.openxmlformats.org/presentationml/2006/main" showMasterSp="0" showMasterPhAnim="0">
+<p:notes xmlns:a="http://schemas.openxmlformats.org/drawingml/2006/main" xmlns:r="http://schemas.openxmlformats.org/officeDocument/2006/relationships" xmlns:p="http://schemas.openxmlformats.org/presentationml/2006/main" showMasterPhAnim="0" showMasterSp="0">
   <p:cSld>
     <p:spTree>
       <p:nvGrpSpPr>
@@ -1476,10 +1464,10 @@
                   <a:schemeClr val="dk1"/>
                 </a:solidFill>
                 <a:effectLst/>
-                <a:latin typeface="Calibri"/>
-                <a:ea typeface="Calibri"/>
-                <a:cs typeface="Calibri"/>
-                <a:sym typeface="Calibri"/>
+                <a:latin typeface="Calibri" panose="020F0502020204030204"/>
+                <a:ea typeface="Calibri" panose="020F0502020204030204"/>
+                <a:cs typeface="Calibri" panose="020F0502020204030204"/>
+                <a:sym typeface="Calibri" panose="020F0502020204030204"/>
               </a:rPr>
               <a:t>Breathing ozone can trigger a variety of health problems including chest pain, coughing, throat irritation, and airway inflammation. It </a:t>
             </a:r>
@@ -1493,10 +1481,10 @@
                   <a:schemeClr val="dk1"/>
                 </a:solidFill>
                 <a:effectLst/>
-                <a:latin typeface="Calibri"/>
-                <a:ea typeface="Calibri"/>
-                <a:cs typeface="Calibri"/>
-                <a:sym typeface="Calibri"/>
+                <a:latin typeface="Calibri" panose="020F0502020204030204"/>
+                <a:ea typeface="Calibri" panose="020F0502020204030204"/>
+                <a:cs typeface="Calibri" panose="020F0502020204030204"/>
+                <a:sym typeface="Calibri" panose="020F0502020204030204"/>
               </a:rPr>
               <a:t> can worsen bronchitis, emphysema, and asthma</a:t>
             </a:r>
@@ -1510,10 +1498,10 @@
                   <a:schemeClr val="dk1"/>
                 </a:solidFill>
                 <a:effectLst/>
-                <a:latin typeface="Calibri"/>
-                <a:ea typeface="Calibri"/>
-                <a:cs typeface="Calibri"/>
-                <a:sym typeface="Calibri"/>
+                <a:latin typeface="Calibri" panose="020F0502020204030204"/>
+                <a:ea typeface="Calibri" panose="020F0502020204030204"/>
+                <a:cs typeface="Calibri" panose="020F0502020204030204"/>
+                <a:sym typeface="Calibri" panose="020F0502020204030204"/>
               </a:rPr>
               <a:t>.</a:t>
             </a:r>
@@ -1571,7 +1559,7 @@
 </file>
 
 <file path=ppt/notesSlides/notesSlide3.xml><?xml version="1.0" encoding="utf-8"?>
-<p:notes xmlns:a="http://schemas.openxmlformats.org/drawingml/2006/main" xmlns:r="http://schemas.openxmlformats.org/officeDocument/2006/relationships" xmlns:p="http://schemas.openxmlformats.org/presentationml/2006/main" showMasterSp="0" showMasterPhAnim="0">
+<p:notes xmlns:a="http://schemas.openxmlformats.org/drawingml/2006/main" xmlns:r="http://schemas.openxmlformats.org/officeDocument/2006/relationships" xmlns:p="http://schemas.openxmlformats.org/presentationml/2006/main" showMasterPhAnim="0" showMasterSp="0">
   <p:cSld>
     <p:spTree>
       <p:nvGrpSpPr>
@@ -1621,7 +1609,6 @@
               </a:spcAft>
               <a:buNone/>
             </a:pPr>
-            <a:endParaRPr/>
           </a:p>
         </p:txBody>
       </p:sp>
@@ -1751,31 +1738,25 @@
                 <a:solidFill>
                   <a:schemeClr val="dk1"/>
                 </a:solidFill>
-                <a:latin typeface="Calibri"/>
-                <a:ea typeface="Calibri"/>
-                <a:cs typeface="Calibri"/>
-                <a:sym typeface="Calibri"/>
+                <a:latin typeface="Calibri" panose="020F0502020204030204"/>
+                <a:ea typeface="Calibri" panose="020F0502020204030204"/>
+                <a:cs typeface="Calibri" panose="020F0502020204030204"/>
+                <a:sym typeface="Calibri" panose="020F0502020204030204"/>
               </a:rPr>
-              <a:t>4</a:t>
             </a:fld>
             <a:endParaRPr lang="en-CA" sz="1200" b="0" i="0" u="none" strike="noStrike" cap="none">
               <a:solidFill>
                 <a:schemeClr val="dk1"/>
               </a:solidFill>
-              <a:latin typeface="Calibri"/>
-              <a:ea typeface="Calibri"/>
-              <a:cs typeface="Calibri"/>
-              <a:sym typeface="Calibri"/>
+              <a:latin typeface="Calibri" panose="020F0502020204030204"/>
+              <a:ea typeface="Calibri" panose="020F0502020204030204"/>
+              <a:cs typeface="Calibri" panose="020F0502020204030204"/>
+              <a:sym typeface="Calibri" panose="020F0502020204030204"/>
             </a:endParaRPr>
           </a:p>
         </p:txBody>
       </p:sp>
     </p:spTree>
-    <p:extLst>
-      <p:ext uri="{BB962C8B-B14F-4D97-AF65-F5344CB8AC3E}">
-        <p14:creationId xmlns:p14="http://schemas.microsoft.com/office/powerpoint/2010/main" val="2317160637"/>
-      </p:ext>
-    </p:extLst>
   </p:cSld>
   <p:clrMapOvr>
     <a:masterClrMapping/>
@@ -1831,6 +1812,7 @@
               <a:rPr lang="en-US" dirty="0"/>
               <a:t>Most of the reds are on the right side of the line.</a:t>
             </a:r>
+            <a:endParaRPr lang="en-US" dirty="0"/>
           </a:p>
         </p:txBody>
       </p:sp>
@@ -1863,31 +1845,25 @@
                 <a:solidFill>
                   <a:schemeClr val="dk1"/>
                 </a:solidFill>
-                <a:latin typeface="Calibri"/>
-                <a:ea typeface="Calibri"/>
-                <a:cs typeface="Calibri"/>
-                <a:sym typeface="Calibri"/>
+                <a:latin typeface="Calibri" panose="020F0502020204030204"/>
+                <a:ea typeface="Calibri" panose="020F0502020204030204"/>
+                <a:cs typeface="Calibri" panose="020F0502020204030204"/>
+                <a:sym typeface="Calibri" panose="020F0502020204030204"/>
               </a:rPr>
-              <a:t>5</a:t>
             </a:fld>
             <a:endParaRPr lang="en-CA" sz="1200" b="0" i="0" u="none" strike="noStrike" cap="none">
               <a:solidFill>
                 <a:schemeClr val="dk1"/>
               </a:solidFill>
-              <a:latin typeface="Calibri"/>
-              <a:ea typeface="Calibri"/>
-              <a:cs typeface="Calibri"/>
-              <a:sym typeface="Calibri"/>
+              <a:latin typeface="Calibri" panose="020F0502020204030204"/>
+              <a:ea typeface="Calibri" panose="020F0502020204030204"/>
+              <a:cs typeface="Calibri" panose="020F0502020204030204"/>
+              <a:sym typeface="Calibri" panose="020F0502020204030204"/>
             </a:endParaRPr>
           </a:p>
         </p:txBody>
       </p:sp>
     </p:spTree>
-    <p:extLst>
-      <p:ext uri="{BB962C8B-B14F-4D97-AF65-F5344CB8AC3E}">
-        <p14:creationId xmlns:p14="http://schemas.microsoft.com/office/powerpoint/2010/main" val="4020072514"/>
-      </p:ext>
-    </p:extLst>
   </p:cSld>
   <p:clrMapOvr>
     <a:masterClrMapping/>
@@ -1972,31 +1948,25 @@
                 <a:solidFill>
                   <a:schemeClr val="dk1"/>
                 </a:solidFill>
-                <a:latin typeface="Calibri"/>
-                <a:ea typeface="Calibri"/>
-                <a:cs typeface="Calibri"/>
-                <a:sym typeface="Calibri"/>
+                <a:latin typeface="Calibri" panose="020F0502020204030204"/>
+                <a:ea typeface="Calibri" panose="020F0502020204030204"/>
+                <a:cs typeface="Calibri" panose="020F0502020204030204"/>
+                <a:sym typeface="Calibri" panose="020F0502020204030204"/>
               </a:rPr>
-              <a:t>6</a:t>
             </a:fld>
             <a:endParaRPr lang="en-CA" sz="1200" b="0" i="0" u="none" strike="noStrike" cap="none">
               <a:solidFill>
                 <a:schemeClr val="dk1"/>
               </a:solidFill>
-              <a:latin typeface="Calibri"/>
-              <a:ea typeface="Calibri"/>
-              <a:cs typeface="Calibri"/>
-              <a:sym typeface="Calibri"/>
+              <a:latin typeface="Calibri" panose="020F0502020204030204"/>
+              <a:ea typeface="Calibri" panose="020F0502020204030204"/>
+              <a:cs typeface="Calibri" panose="020F0502020204030204"/>
+              <a:sym typeface="Calibri" panose="020F0502020204030204"/>
             </a:endParaRPr>
           </a:p>
         </p:txBody>
       </p:sp>
     </p:spTree>
-    <p:extLst>
-      <p:ext uri="{BB962C8B-B14F-4D97-AF65-F5344CB8AC3E}">
-        <p14:creationId xmlns:p14="http://schemas.microsoft.com/office/powerpoint/2010/main" val="4097004902"/>
-      </p:ext>
-    </p:extLst>
   </p:cSld>
   <p:clrMapOvr>
     <a:masterClrMapping/>
@@ -2005,7 +1975,7 @@
 </file>
 
 <file path=ppt/notesSlides/notesSlide7.xml><?xml version="1.0" encoding="utf-8"?>
-<p:notes xmlns:a="http://schemas.openxmlformats.org/drawingml/2006/main" xmlns:r="http://schemas.openxmlformats.org/officeDocument/2006/relationships" xmlns:p="http://schemas.openxmlformats.org/presentationml/2006/main" showMasterSp="0" showMasterPhAnim="0">
+<p:notes xmlns:a="http://schemas.openxmlformats.org/drawingml/2006/main" xmlns:r="http://schemas.openxmlformats.org/officeDocument/2006/relationships" xmlns:p="http://schemas.openxmlformats.org/presentationml/2006/main" showMasterPhAnim="0" showMasterSp="0">
   <p:cSld>
     <p:spTree>
       <p:nvGrpSpPr>
@@ -2109,7 +2079,7 @@
 </file>
 
 <file path=ppt/notesSlides/notesSlide8.xml><?xml version="1.0" encoding="utf-8"?>
-<p:notes xmlns:a="http://schemas.openxmlformats.org/drawingml/2006/main" xmlns:r="http://schemas.openxmlformats.org/officeDocument/2006/relationships" xmlns:p="http://schemas.openxmlformats.org/presentationml/2006/main" showMasterSp="0" showMasterPhAnim="0">
+<p:notes xmlns:a="http://schemas.openxmlformats.org/drawingml/2006/main" xmlns:r="http://schemas.openxmlformats.org/officeDocument/2006/relationships" xmlns:p="http://schemas.openxmlformats.org/presentationml/2006/main" showMasterPhAnim="0" showMasterSp="0">
   <p:cSld>
     <p:spTree>
       <p:nvGrpSpPr>
@@ -2159,7 +2129,6 @@
               </a:spcAft>
               <a:buNone/>
             </a:pPr>
-            <a:endParaRPr/>
           </a:p>
         </p:txBody>
       </p:sp>
@@ -2498,18 +2467,12 @@
             </a:pPr>
             <a:fld id="{00000000-1234-1234-1234-123412341234}" type="slidenum">
               <a:rPr lang="en-CA" smtClean="0"/>
-              <a:t>‹#›</a:t>
             </a:fld>
             <a:endParaRPr lang="en-CA"/>
           </a:p>
         </p:txBody>
       </p:sp>
     </p:spTree>
-    <p:extLst>
-      <p:ext uri="{BB962C8B-B14F-4D97-AF65-F5344CB8AC3E}">
-        <p14:creationId xmlns:p14="http://schemas.microsoft.com/office/powerpoint/2010/main" val="2647222743"/>
-      </p:ext>
-    </p:extLst>
   </p:cSld>
   <p:clrMapOvr>
     <a:overrideClrMapping bg1="dk1" tx1="lt1" bg2="dk2" tx2="lt2" accent1="accent1" accent2="accent2" accent3="accent3" accent4="accent4" accent5="accent5" accent6="accent6" hlink="hlink" folHlink="folHlink"/>
@@ -2760,6 +2723,7 @@
               <a:rPr lang="en-US"/>
               <a:t>Click to edit Master text styles</a:t>
             </a:r>
+            <a:endParaRPr lang="en-US"/>
           </a:p>
         </p:txBody>
       </p:sp>
@@ -2827,18 +2791,12 @@
             </a:pPr>
             <a:fld id="{00000000-1234-1234-1234-123412341234}" type="slidenum">
               <a:rPr lang="en-CA" smtClean="0"/>
-              <a:t>‹#›</a:t>
             </a:fld>
             <a:endParaRPr lang="en-CA"/>
           </a:p>
         </p:txBody>
       </p:sp>
     </p:spTree>
-    <p:extLst>
-      <p:ext uri="{BB962C8B-B14F-4D97-AF65-F5344CB8AC3E}">
-        <p14:creationId xmlns:p14="http://schemas.microsoft.com/office/powerpoint/2010/main" val="3178266597"/>
-      </p:ext>
-    </p:extLst>
   </p:cSld>
   <p:clrMapOvr>
     <a:masterClrMapping/>
@@ -3044,6 +3002,7 @@
               <a:rPr lang="en-US"/>
               <a:t>Click to edit Master text styles</a:t>
             </a:r>
+            <a:endParaRPr lang="en-US"/>
           </a:p>
         </p:txBody>
       </p:sp>
@@ -3111,18 +3070,12 @@
             </a:pPr>
             <a:fld id="{00000000-1234-1234-1234-123412341234}" type="slidenum">
               <a:rPr lang="en-CA" smtClean="0"/>
-              <a:t>‹#›</a:t>
             </a:fld>
             <a:endParaRPr lang="en-CA"/>
           </a:p>
         </p:txBody>
       </p:sp>
     </p:spTree>
-    <p:extLst>
-      <p:ext uri="{BB962C8B-B14F-4D97-AF65-F5344CB8AC3E}">
-        <p14:creationId xmlns:p14="http://schemas.microsoft.com/office/powerpoint/2010/main" val="701974704"/>
-      </p:ext>
-    </p:extLst>
   </p:cSld>
   <p:clrMapOvr>
     <a:masterClrMapping/>
@@ -3291,6 +3244,12 @@
               </a:rPr>
               <a:t>”</a:t>
             </a:r>
+            <a:endParaRPr lang="en-US" sz="8000" dirty="0">
+              <a:solidFill>
+                <a:schemeClr val="tx1"/>
+              </a:solidFill>
+              <a:effectLst/>
+            </a:endParaRPr>
           </a:p>
         </p:txBody>
       </p:sp>
@@ -3407,6 +3366,12 @@
               </a:rPr>
               <a:t>“</a:t>
             </a:r>
+            <a:endParaRPr lang="en-US" sz="8000" dirty="0">
+              <a:solidFill>
+                <a:schemeClr val="tx1"/>
+              </a:solidFill>
+              <a:effectLst/>
+            </a:endParaRPr>
           </a:p>
         </p:txBody>
       </p:sp>
@@ -3499,6 +3464,7 @@
               <a:rPr lang="en-US"/>
               <a:t>Click to edit Master text styles</a:t>
             </a:r>
+            <a:endParaRPr lang="en-US"/>
           </a:p>
         </p:txBody>
       </p:sp>
@@ -3618,6 +3584,7 @@
               <a:rPr lang="en-US"/>
               <a:t>Click to edit Master text styles</a:t>
             </a:r>
+            <a:endParaRPr lang="en-US"/>
           </a:p>
         </p:txBody>
       </p:sp>
@@ -3685,18 +3652,12 @@
             </a:pPr>
             <a:fld id="{00000000-1234-1234-1234-123412341234}" type="slidenum">
               <a:rPr lang="en-CA" smtClean="0"/>
-              <a:t>‹#›</a:t>
             </a:fld>
             <a:endParaRPr lang="en-CA"/>
           </a:p>
         </p:txBody>
       </p:sp>
     </p:spTree>
-    <p:extLst>
-      <p:ext uri="{BB962C8B-B14F-4D97-AF65-F5344CB8AC3E}">
-        <p14:creationId xmlns:p14="http://schemas.microsoft.com/office/powerpoint/2010/main" val="3609649461"/>
-      </p:ext>
-    </p:extLst>
   </p:cSld>
   <p:clrMapOvr>
     <a:masterClrMapping/>
@@ -3902,6 +3863,7 @@
               <a:rPr lang="en-US"/>
               <a:t>Click to edit Master text styles</a:t>
             </a:r>
+            <a:endParaRPr lang="en-US"/>
           </a:p>
         </p:txBody>
       </p:sp>
@@ -3969,18 +3931,12 @@
             </a:pPr>
             <a:fld id="{00000000-1234-1234-1234-123412341234}" type="slidenum">
               <a:rPr lang="en-CA" smtClean="0"/>
-              <a:t>‹#›</a:t>
             </a:fld>
             <a:endParaRPr lang="en-CA"/>
           </a:p>
         </p:txBody>
       </p:sp>
     </p:spTree>
-    <p:extLst>
-      <p:ext uri="{BB962C8B-B14F-4D97-AF65-F5344CB8AC3E}">
-        <p14:creationId xmlns:p14="http://schemas.microsoft.com/office/powerpoint/2010/main" val="1961205938"/>
-      </p:ext>
-    </p:extLst>
   </p:cSld>
   <p:clrMapOvr>
     <a:masterClrMapping/>
@@ -4149,6 +4105,12 @@
               </a:rPr>
               <a:t>”</a:t>
             </a:r>
+            <a:endParaRPr lang="en-US" sz="8000" dirty="0">
+              <a:solidFill>
+                <a:schemeClr val="tx1"/>
+              </a:solidFill>
+              <a:effectLst/>
+            </a:endParaRPr>
           </a:p>
         </p:txBody>
       </p:sp>
@@ -4265,6 +4227,12 @@
               </a:rPr>
               <a:t>“</a:t>
             </a:r>
+            <a:endParaRPr lang="en-US" sz="8000" dirty="0">
+              <a:solidFill>
+                <a:schemeClr val="tx1"/>
+              </a:solidFill>
+              <a:effectLst/>
+            </a:endParaRPr>
           </a:p>
         </p:txBody>
       </p:sp>
@@ -4351,6 +4319,7 @@
               <a:rPr lang="en-US"/>
               <a:t>Click to edit Master text styles</a:t>
             </a:r>
+            <a:endParaRPr lang="en-US"/>
           </a:p>
         </p:txBody>
       </p:sp>
@@ -4470,6 +4439,7 @@
               <a:rPr lang="en-US"/>
               <a:t>Click to edit Master text styles</a:t>
             </a:r>
+            <a:endParaRPr lang="en-US"/>
           </a:p>
         </p:txBody>
       </p:sp>
@@ -4537,18 +4507,12 @@
             </a:pPr>
             <a:fld id="{00000000-1234-1234-1234-123412341234}" type="slidenum">
               <a:rPr lang="en-CA" smtClean="0"/>
-              <a:t>‹#›</a:t>
             </a:fld>
             <a:endParaRPr lang="en-CA"/>
           </a:p>
         </p:txBody>
       </p:sp>
     </p:spTree>
-    <p:extLst>
-      <p:ext uri="{BB962C8B-B14F-4D97-AF65-F5344CB8AC3E}">
-        <p14:creationId xmlns:p14="http://schemas.microsoft.com/office/powerpoint/2010/main" val="2248445588"/>
-      </p:ext>
-    </p:extLst>
   </p:cSld>
   <p:clrMapOvr>
     <a:masterClrMapping/>
@@ -4684,6 +4648,7 @@
               <a:rPr lang="en-US"/>
               <a:t>Click to edit Master text styles</a:t>
             </a:r>
+            <a:endParaRPr lang="en-US"/>
           </a:p>
         </p:txBody>
       </p:sp>
@@ -4803,6 +4768,7 @@
               <a:rPr lang="en-US"/>
               <a:t>Click to edit Master text styles</a:t>
             </a:r>
+            <a:endParaRPr lang="en-US"/>
           </a:p>
         </p:txBody>
       </p:sp>
@@ -4870,18 +4836,12 @@
             </a:pPr>
             <a:fld id="{00000000-1234-1234-1234-123412341234}" type="slidenum">
               <a:rPr lang="en-CA" smtClean="0"/>
-              <a:t>‹#›</a:t>
             </a:fld>
             <a:endParaRPr lang="en-CA"/>
           </a:p>
         </p:txBody>
       </p:sp>
     </p:spTree>
-    <p:extLst>
-      <p:ext uri="{BB962C8B-B14F-4D97-AF65-F5344CB8AC3E}">
-        <p14:creationId xmlns:p14="http://schemas.microsoft.com/office/powerpoint/2010/main" val="3969168040"/>
-      </p:ext>
-    </p:extLst>
   </p:cSld>
   <p:clrMapOvr>
     <a:masterClrMapping/>
@@ -4957,6 +4917,7 @@
               <a:rPr lang="en-US"/>
               <a:t>Click to edit Master text styles</a:t>
             </a:r>
+            <a:endParaRPr lang="en-US"/>
           </a:p>
           <a:p>
             <a:pPr lvl="1"/>
@@ -4964,6 +4925,7 @@
               <a:rPr lang="en-US"/>
               <a:t>Second level</a:t>
             </a:r>
+            <a:endParaRPr lang="en-US"/>
           </a:p>
           <a:p>
             <a:pPr lvl="2"/>
@@ -4971,6 +4933,7 @@
               <a:rPr lang="en-US"/>
               <a:t>Third level</a:t>
             </a:r>
+            <a:endParaRPr lang="en-US"/>
           </a:p>
           <a:p>
             <a:pPr lvl="3"/>
@@ -4978,6 +4941,7 @@
               <a:rPr lang="en-US"/>
               <a:t>Fourth level</a:t>
             </a:r>
+            <a:endParaRPr lang="en-US"/>
           </a:p>
           <a:p>
             <a:pPr lvl="4"/>
@@ -5053,7 +5017,6 @@
             </a:pPr>
             <a:fld id="{00000000-1234-1234-1234-123412341234}" type="slidenum">
               <a:rPr lang="en-CA" smtClean="0"/>
-              <a:t>‹#›</a:t>
             </a:fld>
             <a:endParaRPr lang="en-CA"/>
           </a:p>
@@ -5088,11 +5051,6 @@
         </p:txBody>
       </p:sp>
     </p:spTree>
-    <p:extLst>
-      <p:ext uri="{BB962C8B-B14F-4D97-AF65-F5344CB8AC3E}">
-        <p14:creationId xmlns:p14="http://schemas.microsoft.com/office/powerpoint/2010/main" val="572619681"/>
-      </p:ext>
-    </p:extLst>
   </p:cSld>
   <p:clrMapOvr>
     <a:masterClrMapping/>
@@ -5200,6 +5158,7 @@
               <a:rPr lang="en-US"/>
               <a:t>Click to edit Master text styles</a:t>
             </a:r>
+            <a:endParaRPr lang="en-US"/>
           </a:p>
           <a:p>
             <a:pPr lvl="1"/>
@@ -5207,6 +5166,7 @@
               <a:rPr lang="en-US"/>
               <a:t>Second level</a:t>
             </a:r>
+            <a:endParaRPr lang="en-US"/>
           </a:p>
           <a:p>
             <a:pPr lvl="2"/>
@@ -5214,6 +5174,7 @@
               <a:rPr lang="en-US"/>
               <a:t>Third level</a:t>
             </a:r>
+            <a:endParaRPr lang="en-US"/>
           </a:p>
           <a:p>
             <a:pPr lvl="3"/>
@@ -5221,6 +5182,7 @@
               <a:rPr lang="en-US"/>
               <a:t>Fourth level</a:t>
             </a:r>
+            <a:endParaRPr lang="en-US"/>
           </a:p>
           <a:p>
             <a:pPr lvl="4"/>
@@ -5296,18 +5258,12 @@
             </a:pPr>
             <a:fld id="{00000000-1234-1234-1234-123412341234}" type="slidenum">
               <a:rPr lang="en-CA" smtClean="0"/>
-              <a:t>‹#›</a:t>
             </a:fld>
             <a:endParaRPr lang="en-CA"/>
           </a:p>
         </p:txBody>
       </p:sp>
     </p:spTree>
-    <p:extLst>
-      <p:ext uri="{BB962C8B-B14F-4D97-AF65-F5344CB8AC3E}">
-        <p14:creationId xmlns:p14="http://schemas.microsoft.com/office/powerpoint/2010/main" val="2977775489"/>
-      </p:ext>
-    </p:extLst>
   </p:cSld>
   <p:clrMapOvr>
     <a:masterClrMapping/>
@@ -5405,6 +5361,7 @@
               <a:rPr lang="en-US"/>
               <a:t>Click to edit Master text styles</a:t>
             </a:r>
+            <a:endParaRPr lang="en-US"/>
           </a:p>
           <a:p>
             <a:pPr lvl="1"/>
@@ -5412,6 +5369,7 @@
               <a:rPr lang="en-US"/>
               <a:t>Second level</a:t>
             </a:r>
+            <a:endParaRPr lang="en-US"/>
           </a:p>
           <a:p>
             <a:pPr lvl="2"/>
@@ -5419,6 +5377,7 @@
               <a:rPr lang="en-US"/>
               <a:t>Third level</a:t>
             </a:r>
+            <a:endParaRPr lang="en-US"/>
           </a:p>
           <a:p>
             <a:pPr lvl="3"/>
@@ -5426,6 +5385,7 @@
               <a:rPr lang="en-US"/>
               <a:t>Fourth level</a:t>
             </a:r>
+            <a:endParaRPr lang="en-US"/>
           </a:p>
           <a:p>
             <a:pPr lvl="4"/>
@@ -5501,18 +5461,12 @@
             </a:pPr>
             <a:fld id="{00000000-1234-1234-1234-123412341234}" type="slidenum">
               <a:rPr lang="en-CA" smtClean="0"/>
-              <a:t>‹#›</a:t>
             </a:fld>
             <a:endParaRPr lang="en-CA"/>
           </a:p>
         </p:txBody>
       </p:sp>
     </p:spTree>
-    <p:extLst>
-      <p:ext uri="{BB962C8B-B14F-4D97-AF65-F5344CB8AC3E}">
-        <p14:creationId xmlns:p14="http://schemas.microsoft.com/office/powerpoint/2010/main" val="3365915739"/>
-      </p:ext>
-    </p:extLst>
   </p:cSld>
   <p:clrMapOvr>
     <a:masterClrMapping/>
@@ -5715,6 +5669,7 @@
               <a:rPr lang="en-US"/>
               <a:t>Click to edit Master text styles</a:t>
             </a:r>
+            <a:endParaRPr lang="en-US"/>
           </a:p>
         </p:txBody>
       </p:sp>
@@ -5782,18 +5737,12 @@
             </a:pPr>
             <a:fld id="{00000000-1234-1234-1234-123412341234}" type="slidenum">
               <a:rPr lang="en-CA" smtClean="0"/>
-              <a:t>‹#›</a:t>
             </a:fld>
             <a:endParaRPr lang="en-CA"/>
           </a:p>
         </p:txBody>
       </p:sp>
     </p:spTree>
-    <p:extLst>
-      <p:ext uri="{BB962C8B-B14F-4D97-AF65-F5344CB8AC3E}">
-        <p14:creationId xmlns:p14="http://schemas.microsoft.com/office/powerpoint/2010/main" val="1920520567"/>
-      </p:ext>
-    </p:extLst>
   </p:cSld>
   <p:clrMapOvr>
     <a:masterClrMapping/>
@@ -5898,6 +5847,7 @@
               <a:rPr lang="en-US"/>
               <a:t>Click to edit Master text styles</a:t>
             </a:r>
+            <a:endParaRPr lang="en-US"/>
           </a:p>
           <a:p>
             <a:pPr lvl="1"/>
@@ -5905,6 +5855,7 @@
               <a:rPr lang="en-US"/>
               <a:t>Second level</a:t>
             </a:r>
+            <a:endParaRPr lang="en-US"/>
           </a:p>
           <a:p>
             <a:pPr lvl="2"/>
@@ -5912,6 +5863,7 @@
               <a:rPr lang="en-US"/>
               <a:t>Third level</a:t>
             </a:r>
+            <a:endParaRPr lang="en-US"/>
           </a:p>
           <a:p>
             <a:pPr lvl="3"/>
@@ -5919,6 +5871,7 @@
               <a:rPr lang="en-US"/>
               <a:t>Fourth level</a:t>
             </a:r>
+            <a:endParaRPr lang="en-US"/>
           </a:p>
           <a:p>
             <a:pPr lvl="4"/>
@@ -5957,6 +5910,7 @@
               <a:rPr lang="en-US"/>
               <a:t>Click to edit Master text styles</a:t>
             </a:r>
+            <a:endParaRPr lang="en-US"/>
           </a:p>
           <a:p>
             <a:pPr lvl="1"/>
@@ -5964,6 +5918,7 @@
               <a:rPr lang="en-US"/>
               <a:t>Second level</a:t>
             </a:r>
+            <a:endParaRPr lang="en-US"/>
           </a:p>
           <a:p>
             <a:pPr lvl="2"/>
@@ -5971,6 +5926,7 @@
               <a:rPr lang="en-US"/>
               <a:t>Third level</a:t>
             </a:r>
+            <a:endParaRPr lang="en-US"/>
           </a:p>
           <a:p>
             <a:pPr lvl="3"/>
@@ -5978,6 +5934,7 @@
               <a:rPr lang="en-US"/>
               <a:t>Fourth level</a:t>
             </a:r>
+            <a:endParaRPr lang="en-US"/>
           </a:p>
           <a:p>
             <a:pPr lvl="4"/>
@@ -6053,18 +6010,12 @@
             </a:pPr>
             <a:fld id="{00000000-1234-1234-1234-123412341234}" type="slidenum">
               <a:rPr lang="en-CA" smtClean="0"/>
-              <a:t>‹#›</a:t>
             </a:fld>
             <a:endParaRPr lang="en-CA"/>
           </a:p>
         </p:txBody>
       </p:sp>
     </p:spTree>
-    <p:extLst>
-      <p:ext uri="{BB962C8B-B14F-4D97-AF65-F5344CB8AC3E}">
-        <p14:creationId xmlns:p14="http://schemas.microsoft.com/office/powerpoint/2010/main" val="2777130897"/>
-      </p:ext>
-    </p:extLst>
   </p:cSld>
   <p:clrMapOvr>
     <a:masterClrMapping/>
@@ -6180,6 +6131,7 @@
               <a:rPr lang="en-US"/>
               <a:t>Click to edit Master text styles</a:t>
             </a:r>
+            <a:endParaRPr lang="en-US"/>
           </a:p>
         </p:txBody>
       </p:sp>
@@ -6210,6 +6162,7 @@
               <a:rPr lang="en-US"/>
               <a:t>Click to edit Master text styles</a:t>
             </a:r>
+            <a:endParaRPr lang="en-US"/>
           </a:p>
           <a:p>
             <a:pPr lvl="1"/>
@@ -6217,6 +6170,7 @@
               <a:rPr lang="en-US"/>
               <a:t>Second level</a:t>
             </a:r>
+            <a:endParaRPr lang="en-US"/>
           </a:p>
           <a:p>
             <a:pPr lvl="2"/>
@@ -6224,6 +6178,7 @@
               <a:rPr lang="en-US"/>
               <a:t>Third level</a:t>
             </a:r>
+            <a:endParaRPr lang="en-US"/>
           </a:p>
           <a:p>
             <a:pPr lvl="3"/>
@@ -6231,6 +6186,7 @@
               <a:rPr lang="en-US"/>
               <a:t>Fourth level</a:t>
             </a:r>
+            <a:endParaRPr lang="en-US"/>
           </a:p>
           <a:p>
             <a:pPr lvl="4"/>
@@ -6306,6 +6262,7 @@
               <a:rPr lang="en-US"/>
               <a:t>Click to edit Master text styles</a:t>
             </a:r>
+            <a:endParaRPr lang="en-US"/>
           </a:p>
         </p:txBody>
       </p:sp>
@@ -6336,6 +6293,7 @@
               <a:rPr lang="en-US"/>
               <a:t>Click to edit Master text styles</a:t>
             </a:r>
+            <a:endParaRPr lang="en-US"/>
           </a:p>
           <a:p>
             <a:pPr lvl="1"/>
@@ -6343,6 +6301,7 @@
               <a:rPr lang="en-US"/>
               <a:t>Second level</a:t>
             </a:r>
+            <a:endParaRPr lang="en-US"/>
           </a:p>
           <a:p>
             <a:pPr lvl="2"/>
@@ -6350,6 +6309,7 @@
               <a:rPr lang="en-US"/>
               <a:t>Third level</a:t>
             </a:r>
+            <a:endParaRPr lang="en-US"/>
           </a:p>
           <a:p>
             <a:pPr lvl="3"/>
@@ -6357,6 +6317,7 @@
               <a:rPr lang="en-US"/>
               <a:t>Fourth level</a:t>
             </a:r>
+            <a:endParaRPr lang="en-US"/>
           </a:p>
           <a:p>
             <a:pPr lvl="4"/>
@@ -6432,18 +6393,12 @@
             </a:pPr>
             <a:fld id="{00000000-1234-1234-1234-123412341234}" type="slidenum">
               <a:rPr lang="en-CA" smtClean="0"/>
-              <a:t>‹#›</a:t>
             </a:fld>
             <a:endParaRPr lang="en-CA"/>
           </a:p>
         </p:txBody>
       </p:sp>
     </p:spTree>
-    <p:extLst>
-      <p:ext uri="{BB962C8B-B14F-4D97-AF65-F5344CB8AC3E}">
-        <p14:creationId xmlns:p14="http://schemas.microsoft.com/office/powerpoint/2010/main" val="3210596081"/>
-      </p:ext>
-    </p:extLst>
   </p:cSld>
   <p:clrMapOvr>
     <a:masterClrMapping/>
@@ -6585,18 +6540,12 @@
             </a:pPr>
             <a:fld id="{00000000-1234-1234-1234-123412341234}" type="slidenum">
               <a:rPr lang="en-CA" smtClean="0"/>
-              <a:t>‹#›</a:t>
             </a:fld>
             <a:endParaRPr lang="en-CA"/>
           </a:p>
         </p:txBody>
       </p:sp>
     </p:spTree>
-    <p:extLst>
-      <p:ext uri="{BB962C8B-B14F-4D97-AF65-F5344CB8AC3E}">
-        <p14:creationId xmlns:p14="http://schemas.microsoft.com/office/powerpoint/2010/main" val="1574429955"/>
-      </p:ext>
-    </p:extLst>
   </p:cSld>
   <p:clrMapOvr>
     <a:masterClrMapping/>
@@ -6715,18 +6664,12 @@
             </a:pPr>
             <a:fld id="{00000000-1234-1234-1234-123412341234}" type="slidenum">
               <a:rPr lang="en-CA" smtClean="0"/>
-              <a:t>‹#›</a:t>
             </a:fld>
             <a:endParaRPr lang="en-CA"/>
           </a:p>
         </p:txBody>
       </p:sp>
     </p:spTree>
-    <p:extLst>
-      <p:ext uri="{BB962C8B-B14F-4D97-AF65-F5344CB8AC3E}">
-        <p14:creationId xmlns:p14="http://schemas.microsoft.com/office/powerpoint/2010/main" val="3861571982"/>
-      </p:ext>
-    </p:extLst>
   </p:cSld>
   <p:clrMapOvr>
     <a:masterClrMapping/>
@@ -6842,6 +6785,7 @@
               <a:rPr lang="en-US"/>
               <a:t>Click to edit Master text styles</a:t>
             </a:r>
+            <a:endParaRPr lang="en-US"/>
           </a:p>
           <a:p>
             <a:pPr lvl="1"/>
@@ -6849,6 +6793,7 @@
               <a:rPr lang="en-US"/>
               <a:t>Second level</a:t>
             </a:r>
+            <a:endParaRPr lang="en-US"/>
           </a:p>
           <a:p>
             <a:pPr lvl="2"/>
@@ -6856,6 +6801,7 @@
               <a:rPr lang="en-US"/>
               <a:t>Third level</a:t>
             </a:r>
+            <a:endParaRPr lang="en-US"/>
           </a:p>
           <a:p>
             <a:pPr lvl="3"/>
@@ -6863,6 +6809,7 @@
               <a:rPr lang="en-US"/>
               <a:t>Fourth level</a:t>
             </a:r>
+            <a:endParaRPr lang="en-US"/>
           </a:p>
           <a:p>
             <a:pPr lvl="4"/>
@@ -6938,6 +6885,7 @@
               <a:rPr lang="en-US"/>
               <a:t>Click to edit Master text styles</a:t>
             </a:r>
+            <a:endParaRPr lang="en-US"/>
           </a:p>
         </p:txBody>
       </p:sp>
@@ -7005,18 +6953,12 @@
             </a:pPr>
             <a:fld id="{00000000-1234-1234-1234-123412341234}" type="slidenum">
               <a:rPr lang="en-CA" smtClean="0"/>
-              <a:t>‹#›</a:t>
             </a:fld>
             <a:endParaRPr lang="en-CA"/>
           </a:p>
         </p:txBody>
       </p:sp>
     </p:spTree>
-    <p:extLst>
-      <p:ext uri="{BB962C8B-B14F-4D97-AF65-F5344CB8AC3E}">
-        <p14:creationId xmlns:p14="http://schemas.microsoft.com/office/powerpoint/2010/main" val="1141315108"/>
-      </p:ext>
-    </p:extLst>
   </p:cSld>
   <p:clrMapOvr>
     <a:masterClrMapping/>
@@ -7267,6 +7209,7 @@
               <a:rPr lang="en-US"/>
               <a:t>Click to edit Master text styles</a:t>
             </a:r>
+            <a:endParaRPr lang="en-US"/>
           </a:p>
         </p:txBody>
       </p:sp>
@@ -7334,18 +7277,12 @@
             </a:pPr>
             <a:fld id="{00000000-1234-1234-1234-123412341234}" type="slidenum">
               <a:rPr lang="en-CA" smtClean="0"/>
-              <a:t>‹#›</a:t>
             </a:fld>
             <a:endParaRPr lang="en-CA"/>
           </a:p>
         </p:txBody>
       </p:sp>
     </p:spTree>
-    <p:extLst>
-      <p:ext uri="{BB962C8B-B14F-4D97-AF65-F5344CB8AC3E}">
-        <p14:creationId xmlns:p14="http://schemas.microsoft.com/office/powerpoint/2010/main" val="556768421"/>
-      </p:ext>
-    </p:extLst>
   </p:cSld>
   <p:clrMapOvr>
     <a:masterClrMapping/>
@@ -7440,6 +7377,7 @@
               <a:rPr lang="en-US"/>
               <a:t>Click to edit Master text styles</a:t>
             </a:r>
+            <a:endParaRPr lang="en-US"/>
           </a:p>
           <a:p>
             <a:pPr lvl="1"/>
@@ -7447,6 +7385,7 @@
               <a:rPr lang="en-US"/>
               <a:t>Second level</a:t>
             </a:r>
+            <a:endParaRPr lang="en-US"/>
           </a:p>
           <a:p>
             <a:pPr lvl="2"/>
@@ -7454,6 +7393,7 @@
               <a:rPr lang="en-US"/>
               <a:t>Third level</a:t>
             </a:r>
+            <a:endParaRPr lang="en-US"/>
           </a:p>
           <a:p>
             <a:pPr lvl="3"/>
@@ -7461,6 +7401,7 @@
               <a:rPr lang="en-US"/>
               <a:t>Fourth level</a:t>
             </a:r>
+            <a:endParaRPr lang="en-US"/>
           </a:p>
           <a:p>
             <a:pPr lvl="4"/>
@@ -7590,38 +7531,32 @@
             </a:pPr>
             <a:fld id="{00000000-1234-1234-1234-123412341234}" type="slidenum">
               <a:rPr lang="en-CA" smtClean="0"/>
-              <a:t>‹#›</a:t>
             </a:fld>
             <a:endParaRPr lang="en-CA"/>
           </a:p>
         </p:txBody>
       </p:sp>
     </p:spTree>
-    <p:extLst>
-      <p:ext uri="{BB962C8B-B14F-4D97-AF65-F5344CB8AC3E}">
-        <p14:creationId xmlns:p14="http://schemas.microsoft.com/office/powerpoint/2010/main" val="3411380095"/>
-      </p:ext>
-    </p:extLst>
   </p:cSld>
   <p:clrMap bg1="dk1" tx1="lt1" bg2="dk2" tx2="lt2" accent1="accent1" accent2="accent2" accent3="accent3" accent4="accent4" accent5="accent5" accent6="accent6" hlink="hlink" folHlink="folHlink"/>
   <p:sldLayoutIdLst>
-    <p:sldLayoutId id="2147483661" r:id="rId1"/>
-    <p:sldLayoutId id="2147483662" r:id="rId2"/>
-    <p:sldLayoutId id="2147483663" r:id="rId3"/>
-    <p:sldLayoutId id="2147483664" r:id="rId4"/>
-    <p:sldLayoutId id="2147483665" r:id="rId5"/>
-    <p:sldLayoutId id="2147483666" r:id="rId6"/>
-    <p:sldLayoutId id="2147483667" r:id="rId7"/>
-    <p:sldLayoutId id="2147483668" r:id="rId8"/>
-    <p:sldLayoutId id="2147483669" r:id="rId9"/>
-    <p:sldLayoutId id="2147483670" r:id="rId10"/>
-    <p:sldLayoutId id="2147483671" r:id="rId11"/>
-    <p:sldLayoutId id="2147483672" r:id="rId12"/>
-    <p:sldLayoutId id="2147483673" r:id="rId13"/>
-    <p:sldLayoutId id="2147483674" r:id="rId14"/>
-    <p:sldLayoutId id="2147483675" r:id="rId15"/>
-    <p:sldLayoutId id="2147483676" r:id="rId16"/>
-    <p:sldLayoutId id="2147483677" r:id="rId17"/>
+    <p:sldLayoutId id="2147483649" r:id="rId1"/>
+    <p:sldLayoutId id="2147483650" r:id="rId2"/>
+    <p:sldLayoutId id="2147483651" r:id="rId3"/>
+    <p:sldLayoutId id="2147483652" r:id="rId4"/>
+    <p:sldLayoutId id="2147483653" r:id="rId5"/>
+    <p:sldLayoutId id="2147483654" r:id="rId6"/>
+    <p:sldLayoutId id="2147483655" r:id="rId7"/>
+    <p:sldLayoutId id="2147483656" r:id="rId8"/>
+    <p:sldLayoutId id="2147483657" r:id="rId9"/>
+    <p:sldLayoutId id="2147483658" r:id="rId10"/>
+    <p:sldLayoutId id="2147483659" r:id="rId11"/>
+    <p:sldLayoutId id="2147483660" r:id="rId12"/>
+    <p:sldLayoutId id="2147483661" r:id="rId13"/>
+    <p:sldLayoutId id="2147483662" r:id="rId14"/>
+    <p:sldLayoutId id="2147483663" r:id="rId15"/>
+    <p:sldLayoutId id="2147483664" r:id="rId16"/>
+    <p:sldLayoutId id="2147483665" r:id="rId17"/>
   </p:sldLayoutIdLst>
   <p:hf sldNum="0" hdr="0" ftr="0" dt="0"/>
   <p:txStyles>
@@ -7713,7 +7648,7 @@
           <a:schemeClr val="tx1"/>
         </a:buClr>
         <a:buSzPct val="100000"/>
-        <a:buFont typeface="Arial"/>
+        <a:buFont typeface="Arial" panose="020B0604020202020204"/>
         <a:buChar char="•"/>
         <a:defRPr sz="1800" kern="1200" cap="none">
           <a:solidFill>
@@ -7736,7 +7671,7 @@
           <a:schemeClr val="tx1"/>
         </a:buClr>
         <a:buSzPct val="100000"/>
-        <a:buFont typeface="Arial"/>
+        <a:buFont typeface="Arial" panose="020B0604020202020204"/>
         <a:buChar char="•"/>
         <a:defRPr sz="1600" kern="1200" cap="none">
           <a:solidFill>
@@ -7759,7 +7694,7 @@
           <a:schemeClr val="tx1"/>
         </a:buClr>
         <a:buSzPct val="100000"/>
-        <a:buFont typeface="Arial"/>
+        <a:buFont typeface="Arial" panose="020B0604020202020204"/>
         <a:buChar char="•"/>
         <a:defRPr sz="1400" kern="1200" cap="none">
           <a:solidFill>
@@ -7782,7 +7717,7 @@
           <a:schemeClr val="tx1"/>
         </a:buClr>
         <a:buSzPct val="100000"/>
-        <a:buFont typeface="Arial"/>
+        <a:buFont typeface="Arial" panose="020B0604020202020204"/>
         <a:buChar char="•"/>
         <a:defRPr sz="1200" kern="1200" cap="none">
           <a:solidFill>
@@ -7805,7 +7740,7 @@
           <a:schemeClr val="tx1"/>
         </a:buClr>
         <a:buSzPct val="100000"/>
-        <a:buFont typeface="Arial"/>
+        <a:buFont typeface="Arial" panose="020B0604020202020204"/>
         <a:buChar char="•"/>
         <a:defRPr sz="1200" kern="1200" cap="none">
           <a:solidFill>
@@ -7828,7 +7763,7 @@
           <a:schemeClr val="tx1"/>
         </a:buClr>
         <a:buSzPct val="100000"/>
-        <a:buFont typeface="Arial"/>
+        <a:buFont typeface="Arial" panose="020B0604020202020204"/>
         <a:buChar char="•"/>
         <a:defRPr sz="1200" kern="1200" cap="none">
           <a:solidFill>
@@ -7851,7 +7786,7 @@
           <a:schemeClr val="tx1"/>
         </a:buClr>
         <a:buSzPct val="100000"/>
-        <a:buFont typeface="Arial"/>
+        <a:buFont typeface="Arial" panose="020B0604020202020204"/>
         <a:buChar char="•"/>
         <a:defRPr sz="1200" kern="1200" cap="none">
           <a:solidFill>
@@ -7874,7 +7809,7 @@
           <a:schemeClr val="tx1"/>
         </a:buClr>
         <a:buSzPct val="100000"/>
-        <a:buFont typeface="Arial"/>
+        <a:buFont typeface="Arial" panose="020B0604020202020204"/>
         <a:buChar char="•"/>
         <a:defRPr sz="1200" kern="1200" cap="none">
           <a:solidFill>
@@ -7897,7 +7832,7 @@
           <a:schemeClr val="tx1"/>
         </a:buClr>
         <a:buSzPct val="100000"/>
-        <a:buFont typeface="Arial"/>
+        <a:buFont typeface="Arial" panose="020B0604020202020204"/>
         <a:buChar char="•"/>
         <a:defRPr sz="1200" kern="1200" cap="none">
           <a:solidFill>
@@ -8015,8 +7950,10 @@
     <p:bg>
       <p:bgPr>
         <a:blipFill>
-          <a:blip r:embed="rId3"/>
-          <a:stretch/>
+          <a:blip r:embed="rId1"/>
+          <a:stretch>
+            <a:fillRect/>
+          </a:stretch>
         </a:blipFill>
         <a:effectLst/>
       </p:bgPr>
@@ -8037,20 +7974,14 @@
       </p:grpSpPr>
       <p:pic>
         <p:nvPicPr>
-          <p:cNvPr id="1026" name="Picture 2" descr="Image result for OZONE">
-            <a:extLst>
-              <a:ext uri="{FF2B5EF4-FFF2-40B4-BE49-F238E27FC236}">
-                <a16:creationId xmlns:a16="http://schemas.microsoft.com/office/drawing/2014/main" id="{C7488CE7-7546-40A5-9BA7-31750B764C0B}"/>
-              </a:ext>
-            </a:extLst>
-          </p:cNvPr>
+          <p:cNvPr id="1026" name="Picture 2" descr="Image result for OZONE"/>
           <p:cNvPicPr>
             <a:picLocks noChangeAspect="1" noChangeArrowheads="1"/>
           </p:cNvPicPr>
           <p:nvPr/>
         </p:nvPicPr>
         <p:blipFill rotWithShape="1">
-          <a:blip r:embed="rId4">
+          <a:blip r:embed="rId2">
             <a:extLst>
               <a:ext uri="{28A0092B-C50C-407E-A947-70E740481C1C}">
                 <a14:useLocalDpi xmlns:a14="http://schemas.microsoft.com/office/drawing/2010/main" val="0"/>
@@ -8058,7 +7989,9 @@
             </a:extLst>
           </a:blip>
           <a:srcRect l="9091" t="28481"/>
-          <a:stretch/>
+          <a:stretch>
+            <a:fillRect/>
+          </a:stretch>
         </p:blipFill>
         <p:spPr bwMode="auto">
           <a:xfrm>
@@ -8082,29 +8015,14 @@
       </p:pic>
       <p:pic>
         <p:nvPicPr>
-          <p:cNvPr id="135" name="Picture 134">
-            <a:extLst>
-              <a:ext uri="{FF2B5EF4-FFF2-40B4-BE49-F238E27FC236}">
-                <a16:creationId xmlns:a16="http://schemas.microsoft.com/office/drawing/2014/main" id="{545F67A4-7428-47F3-AE14-8CA43D976E11}"/>
-              </a:ext>
-              <a:ext uri="{C183D7F6-B498-43B3-948B-1728B52AA6E4}">
-                <adec:decorative xmlns:adec="http://schemas.microsoft.com/office/drawing/2017/decorative" val="1"/>
-              </a:ext>
-            </a:extLst>
-          </p:cNvPr>
+          <p:cNvPr id="135" name="Picture 134"/>
           <p:cNvPicPr>
             <a:picLocks noGrp="1" noRot="1" noChangeAspect="1" noMove="1" noResize="1" noEditPoints="1" noAdjustHandles="1" noChangeArrowheads="1" noChangeShapeType="1" noCrop="1"/>
           </p:cNvPicPr>
-          <p:nvPr>
-            <p:extLst>
-              <p:ext uri="{386F3935-93C4-4BCD-93E2-E3B085C9AB24}">
-                <p16:designElem xmlns:p16="http://schemas.microsoft.com/office/powerpoint/2015/main" val="1"/>
-              </p:ext>
-            </p:extLst>
-          </p:nvPr>
+          <p:nvPr/>
         </p:nvPicPr>
         <p:blipFill>
-          <a:blip r:embed="rId5">
+          <a:blip r:embed="rId3">
             <a:extLst>
               <a:ext uri="{28A0092B-C50C-407E-A947-70E740481C1C}">
                 <a14:useLocalDpi xmlns:a14="http://schemas.microsoft.com/office/drawing/2010/main" val="0"/>
@@ -8127,26 +8045,11 @@
       </p:pic>
       <p:sp>
         <p:nvSpPr>
-          <p:cNvPr id="137" name="Freeform 5">
-            <a:extLst>
-              <a:ext uri="{FF2B5EF4-FFF2-40B4-BE49-F238E27FC236}">
-                <a16:creationId xmlns:a16="http://schemas.microsoft.com/office/drawing/2014/main" id="{F4A20210-FA90-4B6D-8D2E-1B90054E097A}"/>
-              </a:ext>
-              <a:ext uri="{C183D7F6-B498-43B3-948B-1728B52AA6E4}">
-                <adec:decorative xmlns:adec="http://schemas.microsoft.com/office/drawing/2017/decorative" val="1"/>
-              </a:ext>
-            </a:extLst>
-          </p:cNvPr>
+          <p:cNvPr id="137" name="Freeform 5"/>
           <p:cNvSpPr>
             <a:spLocks noGrp="1" noRot="1" noChangeAspect="1" noMove="1" noResize="1" noEditPoints="1" noAdjustHandles="1" noChangeArrowheads="1" noChangeShapeType="1" noTextEdit="1"/>
           </p:cNvSpPr>
-          <p:nvPr>
-            <p:extLst>
-              <p:ext uri="{386F3935-93C4-4BCD-93E2-E3B085C9AB24}">
-                <p16:designElem xmlns:p16="http://schemas.microsoft.com/office/powerpoint/2015/main" val="1"/>
-              </p:ext>
-            </p:extLst>
-          </p:nvPr>
+          <p:nvPr/>
         </p:nvSpPr>
         <p:spPr bwMode="grayWhite">
           <a:xfrm>
@@ -8281,7 +8184,7 @@
                 <a:schemeClr val="tx1"/>
               </a:buClr>
               <a:buSzPct val="100000"/>
-              <a:buFont typeface="Arial"/>
+              <a:buFont typeface="Arial" panose="020B0604020202020204"/>
               <a:buNone/>
             </a:pPr>
             <a:endParaRPr lang="en-US" sz="1600" cap="all"/>
@@ -8290,26 +8193,11 @@
       </p:sp>
       <p:sp>
         <p:nvSpPr>
-          <p:cNvPr id="139" name="Freeform 14">
-            <a:extLst>
-              <a:ext uri="{FF2B5EF4-FFF2-40B4-BE49-F238E27FC236}">
-                <a16:creationId xmlns:a16="http://schemas.microsoft.com/office/drawing/2014/main" id="{39213B44-68B7-47E7-B506-5C79FCF80924}"/>
-              </a:ext>
-              <a:ext uri="{C183D7F6-B498-43B3-948B-1728B52AA6E4}">
-                <adec:decorative xmlns:adec="http://schemas.microsoft.com/office/drawing/2017/decorative" val="1"/>
-              </a:ext>
-            </a:extLst>
-          </p:cNvPr>
+          <p:cNvPr id="139" name="Freeform 14"/>
           <p:cNvSpPr>
             <a:spLocks noGrp="1" noRot="1" noChangeAspect="1" noMove="1" noResize="1" noEditPoints="1" noAdjustHandles="1" noChangeArrowheads="1" noChangeShapeType="1" noTextEdit="1"/>
           </p:cNvSpPr>
-          <p:nvPr>
-            <p:extLst>
-              <p:ext uri="{386F3935-93C4-4BCD-93E2-E3B085C9AB24}">
-                <p16:designElem xmlns:p16="http://schemas.microsoft.com/office/powerpoint/2015/main" val="1"/>
-              </p:ext>
-            </p:extLst>
-          </p:nvPr>
+          <p:nvPr/>
         </p:nvSpPr>
         <p:spPr>
           <a:xfrm>
@@ -8482,26 +8370,11 @@
       </p:sp>
       <p:grpSp>
         <p:nvGrpSpPr>
-          <p:cNvPr id="141" name="Group 140">
-            <a:extLst>
-              <a:ext uri="{FF2B5EF4-FFF2-40B4-BE49-F238E27FC236}">
-                <a16:creationId xmlns:a16="http://schemas.microsoft.com/office/drawing/2014/main" id="{39084D60-65A6-45F8-8C17-3529E43F1C39}"/>
-              </a:ext>
-              <a:ext uri="{C183D7F6-B498-43B3-948B-1728B52AA6E4}">
-                <adec:decorative xmlns:adec="http://schemas.microsoft.com/office/drawing/2017/decorative" val="1"/>
-              </a:ext>
-            </a:extLst>
-          </p:cNvPr>
+          <p:cNvPr id="141" name="Group 140"/>
           <p:cNvGrpSpPr>
-            <a:grpSpLocks noGrp="1" noUngrp="1" noRot="1" noChangeAspect="1" noMove="1" noResize="1"/>
+            <a:grpSpLocks noGrp="1" noRot="1" noChangeAspect="1" noMove="1" noResize="1" noUngrp="1"/>
           </p:cNvGrpSpPr>
-          <p:nvPr>
-            <p:extLst>
-              <p:ext uri="{386F3935-93C4-4BCD-93E2-E3B085C9AB24}">
-                <p16:designElem xmlns:p16="http://schemas.microsoft.com/office/powerpoint/2015/main" val="1"/>
-              </p:ext>
-            </p:extLst>
-          </p:nvPr>
+          <p:nvPr/>
         </p:nvGrpSpPr>
         <p:grpSpPr>
           <a:xfrm>
@@ -8513,24 +8386,9 @@
         </p:grpSpPr>
         <p:cxnSp>
           <p:nvCxnSpPr>
-            <p:cNvPr id="142" name="Straight Connector 141">
-              <a:extLst>
-                <a:ext uri="{FF2B5EF4-FFF2-40B4-BE49-F238E27FC236}">
-                  <a16:creationId xmlns:a16="http://schemas.microsoft.com/office/drawing/2014/main" id="{444A2572-2BF1-4C8E-AF59-F3AD411D894D}"/>
-                </a:ext>
-                <a:ext uri="{C183D7F6-B498-43B3-948B-1728B52AA6E4}">
-                  <adec:decorative xmlns:adec="http://schemas.microsoft.com/office/drawing/2017/decorative" val="1"/>
-                </a:ext>
-              </a:extLst>
-            </p:cNvPr>
+            <p:cNvPr id="142" name="Straight Connector 141"/>
             <p:cNvCxnSpPr/>
-            <p:nvPr>
-              <p:extLst>
-                <p:ext uri="{386F3935-93C4-4BCD-93E2-E3B085C9AB24}">
-                  <p16:designElem xmlns:p16="http://schemas.microsoft.com/office/powerpoint/2015/main" val="1"/>
-                </p:ext>
-              </p:extLst>
-            </p:nvPr>
+            <p:nvPr/>
           </p:nvCxnSpPr>
           <p:spPr>
             <a:xfrm flipH="1">
@@ -8565,24 +8423,9 @@
         </p:cxnSp>
         <p:cxnSp>
           <p:nvCxnSpPr>
-            <p:cNvPr id="143" name="Straight Connector 142">
-              <a:extLst>
-                <a:ext uri="{FF2B5EF4-FFF2-40B4-BE49-F238E27FC236}">
-                  <a16:creationId xmlns:a16="http://schemas.microsoft.com/office/drawing/2014/main" id="{F5DF3485-B455-470C-8FA8-A1BDE087B88C}"/>
-                </a:ext>
-                <a:ext uri="{C183D7F6-B498-43B3-948B-1728B52AA6E4}">
-                  <adec:decorative xmlns:adec="http://schemas.microsoft.com/office/drawing/2017/decorative" val="1"/>
-                </a:ext>
-              </a:extLst>
-            </p:cNvPr>
+            <p:cNvPr id="143" name="Straight Connector 142"/>
             <p:cNvCxnSpPr/>
-            <p:nvPr>
-              <p:extLst>
-                <p:ext uri="{386F3935-93C4-4BCD-93E2-E3B085C9AB24}">
-                  <p16:designElem xmlns:p16="http://schemas.microsoft.com/office/powerpoint/2015/main" val="1"/>
-                </p:ext>
-              </p:extLst>
-            </p:nvPr>
+            <p:nvPr/>
           </p:nvCxnSpPr>
           <p:spPr>
             <a:xfrm rot="120000" flipH="1">
@@ -8617,24 +8460,9 @@
         </p:cxnSp>
         <p:cxnSp>
           <p:nvCxnSpPr>
-            <p:cNvPr id="144" name="Straight Connector 143">
-              <a:extLst>
-                <a:ext uri="{FF2B5EF4-FFF2-40B4-BE49-F238E27FC236}">
-                  <a16:creationId xmlns:a16="http://schemas.microsoft.com/office/drawing/2014/main" id="{35E9DCD0-EE49-4CB4-89B6-C25F9861C358}"/>
-                </a:ext>
-                <a:ext uri="{C183D7F6-B498-43B3-948B-1728B52AA6E4}">
-                  <adec:decorative xmlns:adec="http://schemas.microsoft.com/office/drawing/2017/decorative" val="1"/>
-                </a:ext>
-              </a:extLst>
-            </p:cNvPr>
+            <p:cNvPr id="144" name="Straight Connector 143"/>
             <p:cNvCxnSpPr/>
-            <p:nvPr>
-              <p:extLst>
-                <p:ext uri="{386F3935-93C4-4BCD-93E2-E3B085C9AB24}">
-                  <p16:designElem xmlns:p16="http://schemas.microsoft.com/office/powerpoint/2015/main" val="1"/>
-                </p:ext>
-              </p:extLst>
-            </p:nvPr>
+            <p:nvPr/>
           </p:nvCxnSpPr>
           <p:spPr>
             <a:xfrm rot="240000" flipH="1">
@@ -8669,24 +8497,9 @@
         </p:cxnSp>
         <p:cxnSp>
           <p:nvCxnSpPr>
-            <p:cNvPr id="145" name="Straight Connector 144">
-              <a:extLst>
-                <a:ext uri="{FF2B5EF4-FFF2-40B4-BE49-F238E27FC236}">
-                  <a16:creationId xmlns:a16="http://schemas.microsoft.com/office/drawing/2014/main" id="{A713CF62-C96C-44E9-8C28-E3F2C6E7C62A}"/>
-                </a:ext>
-                <a:ext uri="{C183D7F6-B498-43B3-948B-1728B52AA6E4}">
-                  <adec:decorative xmlns:adec="http://schemas.microsoft.com/office/drawing/2017/decorative" val="1"/>
-                </a:ext>
-              </a:extLst>
-            </p:cNvPr>
+            <p:cNvPr id="145" name="Straight Connector 144"/>
             <p:cNvCxnSpPr/>
-            <p:nvPr>
-              <p:extLst>
-                <p:ext uri="{386F3935-93C4-4BCD-93E2-E3B085C9AB24}">
-                  <p16:designElem xmlns:p16="http://schemas.microsoft.com/office/powerpoint/2015/main" val="1"/>
-                </p:ext>
-              </p:extLst>
-            </p:nvPr>
+            <p:nvPr/>
           </p:nvCxnSpPr>
           <p:spPr>
             <a:xfrm rot="360000" flipH="1">
@@ -8721,24 +8534,9 @@
         </p:cxnSp>
         <p:cxnSp>
           <p:nvCxnSpPr>
-            <p:cNvPr id="146" name="Straight Connector 145">
-              <a:extLst>
-                <a:ext uri="{FF2B5EF4-FFF2-40B4-BE49-F238E27FC236}">
-                  <a16:creationId xmlns:a16="http://schemas.microsoft.com/office/drawing/2014/main" id="{2D06558F-07E9-4D78-A6F3-8BCFA9E73407}"/>
-                </a:ext>
-                <a:ext uri="{C183D7F6-B498-43B3-948B-1728B52AA6E4}">
-                  <adec:decorative xmlns:adec="http://schemas.microsoft.com/office/drawing/2017/decorative" val="1"/>
-                </a:ext>
-              </a:extLst>
-            </p:cNvPr>
+            <p:cNvPr id="146" name="Straight Connector 145"/>
             <p:cNvCxnSpPr/>
-            <p:nvPr>
-              <p:extLst>
-                <p:ext uri="{386F3935-93C4-4BCD-93E2-E3B085C9AB24}">
-                  <p16:designElem xmlns:p16="http://schemas.microsoft.com/office/powerpoint/2015/main" val="1"/>
-                </p:ext>
-              </p:extLst>
-            </p:nvPr>
+            <p:nvPr/>
           </p:nvCxnSpPr>
           <p:spPr>
             <a:xfrm rot="540000" flipH="1">
@@ -8773,24 +8571,9 @@
         </p:cxnSp>
         <p:cxnSp>
           <p:nvCxnSpPr>
-            <p:cNvPr id="147" name="Straight Connector 146">
-              <a:extLst>
-                <a:ext uri="{FF2B5EF4-FFF2-40B4-BE49-F238E27FC236}">
-                  <a16:creationId xmlns:a16="http://schemas.microsoft.com/office/drawing/2014/main" id="{512D8773-83C0-4D51-9E1F-046DA7DA0DF5}"/>
-                </a:ext>
-                <a:ext uri="{C183D7F6-B498-43B3-948B-1728B52AA6E4}">
-                  <adec:decorative xmlns:adec="http://schemas.microsoft.com/office/drawing/2017/decorative" val="1"/>
-                </a:ext>
-              </a:extLst>
-            </p:cNvPr>
+            <p:cNvPr id="147" name="Straight Connector 146"/>
             <p:cNvCxnSpPr/>
-            <p:nvPr>
-              <p:extLst>
-                <p:ext uri="{386F3935-93C4-4BCD-93E2-E3B085C9AB24}">
-                  <p16:designElem xmlns:p16="http://schemas.microsoft.com/office/powerpoint/2015/main" val="1"/>
-                </p:ext>
-              </p:extLst>
-            </p:nvPr>
+            <p:nvPr/>
           </p:nvCxnSpPr>
           <p:spPr>
             <a:xfrm rot="660000" flipH="1">
@@ -8825,24 +8608,9 @@
         </p:cxnSp>
         <p:cxnSp>
           <p:nvCxnSpPr>
-            <p:cNvPr id="148" name="Straight Connector 147">
-              <a:extLst>
-                <a:ext uri="{FF2B5EF4-FFF2-40B4-BE49-F238E27FC236}">
-                  <a16:creationId xmlns:a16="http://schemas.microsoft.com/office/drawing/2014/main" id="{5880C3FB-3E2E-4054-A6D1-38176D6E2E00}"/>
-                </a:ext>
-                <a:ext uri="{C183D7F6-B498-43B3-948B-1728B52AA6E4}">
-                  <adec:decorative xmlns:adec="http://schemas.microsoft.com/office/drawing/2017/decorative" val="1"/>
-                </a:ext>
-              </a:extLst>
-            </p:cNvPr>
+            <p:cNvPr id="148" name="Straight Connector 147"/>
             <p:cNvCxnSpPr/>
-            <p:nvPr>
-              <p:extLst>
-                <p:ext uri="{386F3935-93C4-4BCD-93E2-E3B085C9AB24}">
-                  <p16:designElem xmlns:p16="http://schemas.microsoft.com/office/powerpoint/2015/main" val="1"/>
-                </p:ext>
-              </p:extLst>
-            </p:nvPr>
+            <p:nvPr/>
           </p:nvCxnSpPr>
           <p:spPr>
             <a:xfrm rot="780000" flipH="1">
@@ -8877,24 +8645,9 @@
         </p:cxnSp>
         <p:cxnSp>
           <p:nvCxnSpPr>
-            <p:cNvPr id="149" name="Straight Connector 148">
-              <a:extLst>
-                <a:ext uri="{FF2B5EF4-FFF2-40B4-BE49-F238E27FC236}">
-                  <a16:creationId xmlns:a16="http://schemas.microsoft.com/office/drawing/2014/main" id="{8505591A-6112-4B84-8E9E-923E43C4ED61}"/>
-                </a:ext>
-                <a:ext uri="{C183D7F6-B498-43B3-948B-1728B52AA6E4}">
-                  <adec:decorative xmlns:adec="http://schemas.microsoft.com/office/drawing/2017/decorative" val="1"/>
-                </a:ext>
-              </a:extLst>
-            </p:cNvPr>
+            <p:cNvPr id="149" name="Straight Connector 148"/>
             <p:cNvCxnSpPr/>
-            <p:nvPr>
-              <p:extLst>
-                <p:ext uri="{386F3935-93C4-4BCD-93E2-E3B085C9AB24}">
-                  <p16:designElem xmlns:p16="http://schemas.microsoft.com/office/powerpoint/2015/main" val="1"/>
-                </p:ext>
-              </p:extLst>
-            </p:nvPr>
+            <p:nvPr/>
           </p:nvCxnSpPr>
           <p:spPr>
             <a:xfrm rot="900000" flipH="1">
@@ -8929,24 +8682,9 @@
         </p:cxnSp>
         <p:cxnSp>
           <p:nvCxnSpPr>
-            <p:cNvPr id="150" name="Straight Connector 149">
-              <a:extLst>
-                <a:ext uri="{FF2B5EF4-FFF2-40B4-BE49-F238E27FC236}">
-                  <a16:creationId xmlns:a16="http://schemas.microsoft.com/office/drawing/2014/main" id="{54884290-8E39-4425-BB4F-48D955C1F80D}"/>
-                </a:ext>
-                <a:ext uri="{C183D7F6-B498-43B3-948B-1728B52AA6E4}">
-                  <adec:decorative xmlns:adec="http://schemas.microsoft.com/office/drawing/2017/decorative" val="1"/>
-                </a:ext>
-              </a:extLst>
-            </p:cNvPr>
+            <p:cNvPr id="150" name="Straight Connector 149"/>
             <p:cNvCxnSpPr/>
-            <p:nvPr>
-              <p:extLst>
-                <p:ext uri="{386F3935-93C4-4BCD-93E2-E3B085C9AB24}">
-                  <p16:designElem xmlns:p16="http://schemas.microsoft.com/office/powerpoint/2015/main" val="1"/>
-                </p:ext>
-              </p:extLst>
-            </p:nvPr>
+            <p:nvPr/>
           </p:nvCxnSpPr>
           <p:spPr>
             <a:xfrm rot="1080000" flipH="1">
@@ -8981,24 +8719,9 @@
         </p:cxnSp>
         <p:cxnSp>
           <p:nvCxnSpPr>
-            <p:cNvPr id="151" name="Straight Connector 150">
-              <a:extLst>
-                <a:ext uri="{FF2B5EF4-FFF2-40B4-BE49-F238E27FC236}">
-                  <a16:creationId xmlns:a16="http://schemas.microsoft.com/office/drawing/2014/main" id="{00C383A3-6D77-41CE-8121-498BC3BA51FF}"/>
-                </a:ext>
-                <a:ext uri="{C183D7F6-B498-43B3-948B-1728B52AA6E4}">
-                  <adec:decorative xmlns:adec="http://schemas.microsoft.com/office/drawing/2017/decorative" val="1"/>
-                </a:ext>
-              </a:extLst>
-            </p:cNvPr>
+            <p:cNvPr id="151" name="Straight Connector 150"/>
             <p:cNvCxnSpPr/>
-            <p:nvPr>
-              <p:extLst>
-                <p:ext uri="{386F3935-93C4-4BCD-93E2-E3B085C9AB24}">
-                  <p16:designElem xmlns:p16="http://schemas.microsoft.com/office/powerpoint/2015/main" val="1"/>
-                </p:ext>
-              </p:extLst>
-            </p:nvPr>
+            <p:nvPr/>
           </p:nvCxnSpPr>
           <p:spPr>
             <a:xfrm rot="1200000" flipH="1">
@@ -9033,24 +8756,9 @@
         </p:cxnSp>
         <p:cxnSp>
           <p:nvCxnSpPr>
-            <p:cNvPr id="152" name="Straight Connector 151">
-              <a:extLst>
-                <a:ext uri="{FF2B5EF4-FFF2-40B4-BE49-F238E27FC236}">
-                  <a16:creationId xmlns:a16="http://schemas.microsoft.com/office/drawing/2014/main" id="{E120A319-4A10-4542-B48C-5FB2714C4AC4}"/>
-                </a:ext>
-                <a:ext uri="{C183D7F6-B498-43B3-948B-1728B52AA6E4}">
-                  <adec:decorative xmlns:adec="http://schemas.microsoft.com/office/drawing/2017/decorative" val="1"/>
-                </a:ext>
-              </a:extLst>
-            </p:cNvPr>
+            <p:cNvPr id="152" name="Straight Connector 151"/>
             <p:cNvCxnSpPr/>
-            <p:nvPr>
-              <p:extLst>
-                <p:ext uri="{386F3935-93C4-4BCD-93E2-E3B085C9AB24}">
-                  <p16:designElem xmlns:p16="http://schemas.microsoft.com/office/powerpoint/2015/main" val="1"/>
-                </p:ext>
-              </p:extLst>
-            </p:nvPr>
+            <p:nvPr/>
           </p:nvCxnSpPr>
           <p:spPr>
             <a:xfrm rot="1320000" flipH="1">
@@ -9085,24 +8793,9 @@
         </p:cxnSp>
         <p:cxnSp>
           <p:nvCxnSpPr>
-            <p:cNvPr id="153" name="Straight Connector 152">
-              <a:extLst>
-                <a:ext uri="{FF2B5EF4-FFF2-40B4-BE49-F238E27FC236}">
-                  <a16:creationId xmlns:a16="http://schemas.microsoft.com/office/drawing/2014/main" id="{5B15B038-50ED-419D-B142-C96EE418B5C8}"/>
-                </a:ext>
-                <a:ext uri="{C183D7F6-B498-43B3-948B-1728B52AA6E4}">
-                  <adec:decorative xmlns:adec="http://schemas.microsoft.com/office/drawing/2017/decorative" val="1"/>
-                </a:ext>
-              </a:extLst>
-            </p:cNvPr>
+            <p:cNvPr id="153" name="Straight Connector 152"/>
             <p:cNvCxnSpPr/>
-            <p:nvPr>
-              <p:extLst>
-                <p:ext uri="{386F3935-93C4-4BCD-93E2-E3B085C9AB24}">
-                  <p16:designElem xmlns:p16="http://schemas.microsoft.com/office/powerpoint/2015/main" val="1"/>
-                </p:ext>
-              </p:extLst>
-            </p:nvPr>
+            <p:nvPr/>
           </p:nvCxnSpPr>
           <p:spPr>
             <a:xfrm rot="1440000" flipH="1">
@@ -9137,24 +8830,9 @@
         </p:cxnSp>
         <p:cxnSp>
           <p:nvCxnSpPr>
-            <p:cNvPr id="154" name="Straight Connector 153">
-              <a:extLst>
-                <a:ext uri="{FF2B5EF4-FFF2-40B4-BE49-F238E27FC236}">
-                  <a16:creationId xmlns:a16="http://schemas.microsoft.com/office/drawing/2014/main" id="{9BAFF2F4-75B2-4498-8559-BAE80D89B493}"/>
-                </a:ext>
-                <a:ext uri="{C183D7F6-B498-43B3-948B-1728B52AA6E4}">
-                  <adec:decorative xmlns:adec="http://schemas.microsoft.com/office/drawing/2017/decorative" val="1"/>
-                </a:ext>
-              </a:extLst>
-            </p:cNvPr>
+            <p:cNvPr id="154" name="Straight Connector 153"/>
             <p:cNvCxnSpPr/>
-            <p:nvPr>
-              <p:extLst>
-                <p:ext uri="{386F3935-93C4-4BCD-93E2-E3B085C9AB24}">
-                  <p16:designElem xmlns:p16="http://schemas.microsoft.com/office/powerpoint/2015/main" val="1"/>
-                </p:ext>
-              </p:extLst>
-            </p:nvPr>
+            <p:nvPr/>
           </p:nvCxnSpPr>
           <p:spPr>
             <a:xfrm rot="1620000" flipH="1">
@@ -9189,24 +8867,9 @@
         </p:cxnSp>
         <p:cxnSp>
           <p:nvCxnSpPr>
-            <p:cNvPr id="155" name="Straight Connector 154">
-              <a:extLst>
-                <a:ext uri="{FF2B5EF4-FFF2-40B4-BE49-F238E27FC236}">
-                  <a16:creationId xmlns:a16="http://schemas.microsoft.com/office/drawing/2014/main" id="{B56AE167-8087-4A4B-B41D-5658EEBA6848}"/>
-                </a:ext>
-                <a:ext uri="{C183D7F6-B498-43B3-948B-1728B52AA6E4}">
-                  <adec:decorative xmlns:adec="http://schemas.microsoft.com/office/drawing/2017/decorative" val="1"/>
-                </a:ext>
-              </a:extLst>
-            </p:cNvPr>
+            <p:cNvPr id="155" name="Straight Connector 154"/>
             <p:cNvCxnSpPr/>
-            <p:nvPr>
-              <p:extLst>
-                <p:ext uri="{386F3935-93C4-4BCD-93E2-E3B085C9AB24}">
-                  <p16:designElem xmlns:p16="http://schemas.microsoft.com/office/powerpoint/2015/main" val="1"/>
-                </p:ext>
-              </p:extLst>
-            </p:nvPr>
+            <p:nvPr/>
           </p:nvCxnSpPr>
           <p:spPr>
             <a:xfrm rot="1740000" flipH="1">
@@ -9241,24 +8904,9 @@
         </p:cxnSp>
         <p:cxnSp>
           <p:nvCxnSpPr>
-            <p:cNvPr id="156" name="Straight Connector 155">
-              <a:extLst>
-                <a:ext uri="{FF2B5EF4-FFF2-40B4-BE49-F238E27FC236}">
-                  <a16:creationId xmlns:a16="http://schemas.microsoft.com/office/drawing/2014/main" id="{8D353E8A-CBA6-44F9-9C00-D0AD27C96C5E}"/>
-                </a:ext>
-                <a:ext uri="{C183D7F6-B498-43B3-948B-1728B52AA6E4}">
-                  <adec:decorative xmlns:adec="http://schemas.microsoft.com/office/drawing/2017/decorative" val="1"/>
-                </a:ext>
-              </a:extLst>
-            </p:cNvPr>
+            <p:cNvPr id="156" name="Straight Connector 155"/>
             <p:cNvCxnSpPr/>
-            <p:nvPr>
-              <p:extLst>
-                <p:ext uri="{386F3935-93C4-4BCD-93E2-E3B085C9AB24}">
-                  <p16:designElem xmlns:p16="http://schemas.microsoft.com/office/powerpoint/2015/main" val="1"/>
-                </p:ext>
-              </p:extLst>
-            </p:nvPr>
+            <p:nvPr/>
           </p:nvCxnSpPr>
           <p:spPr>
             <a:xfrm rot="1860000" flipH="1">
@@ -9293,24 +8941,9 @@
         </p:cxnSp>
         <p:cxnSp>
           <p:nvCxnSpPr>
-            <p:cNvPr id="157" name="Straight Connector 156">
-              <a:extLst>
-                <a:ext uri="{FF2B5EF4-FFF2-40B4-BE49-F238E27FC236}">
-                  <a16:creationId xmlns:a16="http://schemas.microsoft.com/office/drawing/2014/main" id="{CA2C318A-A79F-4CAD-BA7A-51427BF9ED2B}"/>
-                </a:ext>
-                <a:ext uri="{C183D7F6-B498-43B3-948B-1728B52AA6E4}">
-                  <adec:decorative xmlns:adec="http://schemas.microsoft.com/office/drawing/2017/decorative" val="1"/>
-                </a:ext>
-              </a:extLst>
-            </p:cNvPr>
+            <p:cNvPr id="157" name="Straight Connector 156"/>
             <p:cNvCxnSpPr/>
-            <p:nvPr>
-              <p:extLst>
-                <p:ext uri="{386F3935-93C4-4BCD-93E2-E3B085C9AB24}">
-                  <p16:designElem xmlns:p16="http://schemas.microsoft.com/office/powerpoint/2015/main" val="1"/>
-                </p:ext>
-              </p:extLst>
-            </p:nvPr>
+            <p:nvPr/>
           </p:nvCxnSpPr>
           <p:spPr>
             <a:xfrm rot="1980000" flipH="1">
@@ -9345,24 +8978,9 @@
         </p:cxnSp>
         <p:cxnSp>
           <p:nvCxnSpPr>
-            <p:cNvPr id="158" name="Straight Connector 157">
-              <a:extLst>
-                <a:ext uri="{FF2B5EF4-FFF2-40B4-BE49-F238E27FC236}">
-                  <a16:creationId xmlns:a16="http://schemas.microsoft.com/office/drawing/2014/main" id="{4F2996E3-5E01-4F22-B23C-7CD0CF72C45A}"/>
-                </a:ext>
-                <a:ext uri="{C183D7F6-B498-43B3-948B-1728B52AA6E4}">
-                  <adec:decorative xmlns:adec="http://schemas.microsoft.com/office/drawing/2017/decorative" val="1"/>
-                </a:ext>
-              </a:extLst>
-            </p:cNvPr>
+            <p:cNvPr id="158" name="Straight Connector 157"/>
             <p:cNvCxnSpPr/>
-            <p:nvPr>
-              <p:extLst>
-                <p:ext uri="{386F3935-93C4-4BCD-93E2-E3B085C9AB24}">
-                  <p16:designElem xmlns:p16="http://schemas.microsoft.com/office/powerpoint/2015/main" val="1"/>
-                </p:ext>
-              </p:extLst>
-            </p:nvPr>
+            <p:nvPr/>
           </p:nvCxnSpPr>
           <p:spPr>
             <a:xfrm rot="2160000" flipH="1">
@@ -9397,24 +9015,9 @@
         </p:cxnSp>
         <p:cxnSp>
           <p:nvCxnSpPr>
-            <p:cNvPr id="159" name="Straight Connector 158">
-              <a:extLst>
-                <a:ext uri="{FF2B5EF4-FFF2-40B4-BE49-F238E27FC236}">
-                  <a16:creationId xmlns:a16="http://schemas.microsoft.com/office/drawing/2014/main" id="{760F6BC4-AB51-4DE7-B83C-E71FE4EC8623}"/>
-                </a:ext>
-                <a:ext uri="{C183D7F6-B498-43B3-948B-1728B52AA6E4}">
-                  <adec:decorative xmlns:adec="http://schemas.microsoft.com/office/drawing/2017/decorative" val="1"/>
-                </a:ext>
-              </a:extLst>
-            </p:cNvPr>
+            <p:cNvPr id="159" name="Straight Connector 158"/>
             <p:cNvCxnSpPr/>
-            <p:nvPr>
-              <p:extLst>
-                <p:ext uri="{386F3935-93C4-4BCD-93E2-E3B085C9AB24}">
-                  <p16:designElem xmlns:p16="http://schemas.microsoft.com/office/powerpoint/2015/main" val="1"/>
-                </p:ext>
-              </p:extLst>
-            </p:nvPr>
+            <p:nvPr/>
           </p:nvCxnSpPr>
           <p:spPr>
             <a:xfrm rot="2280000" flipH="1">
@@ -9449,24 +9052,9 @@
         </p:cxnSp>
         <p:cxnSp>
           <p:nvCxnSpPr>
-            <p:cNvPr id="160" name="Straight Connector 159">
-              <a:extLst>
-                <a:ext uri="{FF2B5EF4-FFF2-40B4-BE49-F238E27FC236}">
-                  <a16:creationId xmlns:a16="http://schemas.microsoft.com/office/drawing/2014/main" id="{AF65FC1C-93BF-4ACA-BF17-17372DD108DA}"/>
-                </a:ext>
-                <a:ext uri="{C183D7F6-B498-43B3-948B-1728B52AA6E4}">
-                  <adec:decorative xmlns:adec="http://schemas.microsoft.com/office/drawing/2017/decorative" val="1"/>
-                </a:ext>
-              </a:extLst>
-            </p:cNvPr>
+            <p:cNvPr id="160" name="Straight Connector 159"/>
             <p:cNvCxnSpPr/>
-            <p:nvPr>
-              <p:extLst>
-                <p:ext uri="{386F3935-93C4-4BCD-93E2-E3B085C9AB24}">
-                  <p16:designElem xmlns:p16="http://schemas.microsoft.com/office/powerpoint/2015/main" val="1"/>
-                </p:ext>
-              </p:extLst>
-            </p:nvPr>
+            <p:nvPr/>
           </p:nvCxnSpPr>
           <p:spPr>
             <a:xfrm rot="2400000" flipH="1">
@@ -9501,24 +9089,9 @@
         </p:cxnSp>
         <p:cxnSp>
           <p:nvCxnSpPr>
-            <p:cNvPr id="161" name="Straight Connector 160">
-              <a:extLst>
-                <a:ext uri="{FF2B5EF4-FFF2-40B4-BE49-F238E27FC236}">
-                  <a16:creationId xmlns:a16="http://schemas.microsoft.com/office/drawing/2014/main" id="{89F9913C-8CCE-4D56-9D2A-0C2D68667696}"/>
-                </a:ext>
-                <a:ext uri="{C183D7F6-B498-43B3-948B-1728B52AA6E4}">
-                  <adec:decorative xmlns:adec="http://schemas.microsoft.com/office/drawing/2017/decorative" val="1"/>
-                </a:ext>
-              </a:extLst>
-            </p:cNvPr>
+            <p:cNvPr id="161" name="Straight Connector 160"/>
             <p:cNvCxnSpPr/>
-            <p:nvPr>
-              <p:extLst>
-                <p:ext uri="{386F3935-93C4-4BCD-93E2-E3B085C9AB24}">
-                  <p16:designElem xmlns:p16="http://schemas.microsoft.com/office/powerpoint/2015/main" val="1"/>
-                </p:ext>
-              </p:extLst>
-            </p:nvPr>
+            <p:nvPr/>
           </p:nvCxnSpPr>
           <p:spPr>
             <a:xfrm rot="2520000" flipH="1">
@@ -9553,24 +9126,9 @@
         </p:cxnSp>
         <p:cxnSp>
           <p:nvCxnSpPr>
-            <p:cNvPr id="162" name="Straight Connector 161">
-              <a:extLst>
-                <a:ext uri="{FF2B5EF4-FFF2-40B4-BE49-F238E27FC236}">
-                  <a16:creationId xmlns:a16="http://schemas.microsoft.com/office/drawing/2014/main" id="{40EDD18C-1AAD-48E5-AAAD-73F4B5643C3A}"/>
-                </a:ext>
-                <a:ext uri="{C183D7F6-B498-43B3-948B-1728B52AA6E4}">
-                  <adec:decorative xmlns:adec="http://schemas.microsoft.com/office/drawing/2017/decorative" val="1"/>
-                </a:ext>
-              </a:extLst>
-            </p:cNvPr>
+            <p:cNvPr id="162" name="Straight Connector 161"/>
             <p:cNvCxnSpPr/>
-            <p:nvPr>
-              <p:extLst>
-                <p:ext uri="{386F3935-93C4-4BCD-93E2-E3B085C9AB24}">
-                  <p16:designElem xmlns:p16="http://schemas.microsoft.com/office/powerpoint/2015/main" val="1"/>
-                </p:ext>
-              </p:extLst>
-            </p:nvPr>
+            <p:nvPr/>
           </p:nvCxnSpPr>
           <p:spPr>
             <a:xfrm rot="2700000" flipH="1">
@@ -9605,24 +9163,9 @@
         </p:cxnSp>
         <p:cxnSp>
           <p:nvCxnSpPr>
-            <p:cNvPr id="163" name="Straight Connector 162">
-              <a:extLst>
-                <a:ext uri="{FF2B5EF4-FFF2-40B4-BE49-F238E27FC236}">
-                  <a16:creationId xmlns:a16="http://schemas.microsoft.com/office/drawing/2014/main" id="{22D7A5C4-18C8-43E9-A50A-F87A362C8526}"/>
-                </a:ext>
-                <a:ext uri="{C183D7F6-B498-43B3-948B-1728B52AA6E4}">
-                  <adec:decorative xmlns:adec="http://schemas.microsoft.com/office/drawing/2017/decorative" val="1"/>
-                </a:ext>
-              </a:extLst>
-            </p:cNvPr>
+            <p:cNvPr id="163" name="Straight Connector 162"/>
             <p:cNvCxnSpPr/>
-            <p:nvPr>
-              <p:extLst>
-                <p:ext uri="{386F3935-93C4-4BCD-93E2-E3B085C9AB24}">
-                  <p16:designElem xmlns:p16="http://schemas.microsoft.com/office/powerpoint/2015/main" val="1"/>
-                </p:ext>
-              </p:extLst>
-            </p:nvPr>
+            <p:nvPr/>
           </p:nvCxnSpPr>
           <p:spPr>
             <a:xfrm rot="2820000" flipH="1">
@@ -9657,24 +9200,9 @@
         </p:cxnSp>
         <p:cxnSp>
           <p:nvCxnSpPr>
-            <p:cNvPr id="164" name="Straight Connector 163">
-              <a:extLst>
-                <a:ext uri="{FF2B5EF4-FFF2-40B4-BE49-F238E27FC236}">
-                  <a16:creationId xmlns:a16="http://schemas.microsoft.com/office/drawing/2014/main" id="{3A0C484E-A224-4DB0-8C34-89BE54BD12F3}"/>
-                </a:ext>
-                <a:ext uri="{C183D7F6-B498-43B3-948B-1728B52AA6E4}">
-                  <adec:decorative xmlns:adec="http://schemas.microsoft.com/office/drawing/2017/decorative" val="1"/>
-                </a:ext>
-              </a:extLst>
-            </p:cNvPr>
+            <p:cNvPr id="164" name="Straight Connector 163"/>
             <p:cNvCxnSpPr/>
-            <p:nvPr>
-              <p:extLst>
-                <p:ext uri="{386F3935-93C4-4BCD-93E2-E3B085C9AB24}">
-                  <p16:designElem xmlns:p16="http://schemas.microsoft.com/office/powerpoint/2015/main" val="1"/>
-                </p:ext>
-              </p:extLst>
-            </p:nvPr>
+            <p:nvPr/>
           </p:nvCxnSpPr>
           <p:spPr>
             <a:xfrm rot="2940000" flipH="1">
@@ -9709,24 +9237,9 @@
         </p:cxnSp>
         <p:cxnSp>
           <p:nvCxnSpPr>
-            <p:cNvPr id="165" name="Straight Connector 164">
-              <a:extLst>
-                <a:ext uri="{FF2B5EF4-FFF2-40B4-BE49-F238E27FC236}">
-                  <a16:creationId xmlns:a16="http://schemas.microsoft.com/office/drawing/2014/main" id="{79BB438E-A25F-4A7F-B209-8899B7CEC42F}"/>
-                </a:ext>
-                <a:ext uri="{C183D7F6-B498-43B3-948B-1728B52AA6E4}">
-                  <adec:decorative xmlns:adec="http://schemas.microsoft.com/office/drawing/2017/decorative" val="1"/>
-                </a:ext>
-              </a:extLst>
-            </p:cNvPr>
+            <p:cNvPr id="165" name="Straight Connector 164"/>
             <p:cNvCxnSpPr/>
-            <p:nvPr>
-              <p:extLst>
-                <p:ext uri="{386F3935-93C4-4BCD-93E2-E3B085C9AB24}">
-                  <p16:designElem xmlns:p16="http://schemas.microsoft.com/office/powerpoint/2015/main" val="1"/>
-                </p:ext>
-              </p:extLst>
-            </p:nvPr>
+            <p:nvPr/>
           </p:nvCxnSpPr>
           <p:spPr>
             <a:xfrm rot="3060000" flipH="1">
@@ -9761,24 +9274,9 @@
         </p:cxnSp>
         <p:cxnSp>
           <p:nvCxnSpPr>
-            <p:cNvPr id="166" name="Straight Connector 165">
-              <a:extLst>
-                <a:ext uri="{FF2B5EF4-FFF2-40B4-BE49-F238E27FC236}">
-                  <a16:creationId xmlns:a16="http://schemas.microsoft.com/office/drawing/2014/main" id="{7F8BA6DC-B1E9-4F32-A5CC-8F61976B697F}"/>
-                </a:ext>
-                <a:ext uri="{C183D7F6-B498-43B3-948B-1728B52AA6E4}">
-                  <adec:decorative xmlns:adec="http://schemas.microsoft.com/office/drawing/2017/decorative" val="1"/>
-                </a:ext>
-              </a:extLst>
-            </p:cNvPr>
+            <p:cNvPr id="166" name="Straight Connector 165"/>
             <p:cNvCxnSpPr/>
-            <p:nvPr>
-              <p:extLst>
-                <p:ext uri="{386F3935-93C4-4BCD-93E2-E3B085C9AB24}">
-                  <p16:designElem xmlns:p16="http://schemas.microsoft.com/office/powerpoint/2015/main" val="1"/>
-                </p:ext>
-              </p:extLst>
-            </p:nvPr>
+            <p:nvPr/>
           </p:nvCxnSpPr>
           <p:spPr>
             <a:xfrm flipH="1">
@@ -9813,24 +9311,9 @@
         </p:cxnSp>
         <p:cxnSp>
           <p:nvCxnSpPr>
-            <p:cNvPr id="167" name="Straight Connector 166">
-              <a:extLst>
-                <a:ext uri="{FF2B5EF4-FFF2-40B4-BE49-F238E27FC236}">
-                  <a16:creationId xmlns:a16="http://schemas.microsoft.com/office/drawing/2014/main" id="{CF6D95B2-1C8D-4156-AB05-523619B4FCD7}"/>
-                </a:ext>
-                <a:ext uri="{C183D7F6-B498-43B3-948B-1728B52AA6E4}">
-                  <adec:decorative xmlns:adec="http://schemas.microsoft.com/office/drawing/2017/decorative" val="1"/>
-                </a:ext>
-              </a:extLst>
-            </p:cNvPr>
+            <p:cNvPr id="167" name="Straight Connector 166"/>
             <p:cNvCxnSpPr/>
-            <p:nvPr>
-              <p:extLst>
-                <p:ext uri="{386F3935-93C4-4BCD-93E2-E3B085C9AB24}">
-                  <p16:designElem xmlns:p16="http://schemas.microsoft.com/office/powerpoint/2015/main" val="1"/>
-                </p:ext>
-              </p:extLst>
-            </p:nvPr>
+            <p:nvPr/>
           </p:nvCxnSpPr>
           <p:spPr>
             <a:xfrm flipH="1">
@@ -9865,24 +9348,9 @@
         </p:cxnSp>
         <p:cxnSp>
           <p:nvCxnSpPr>
-            <p:cNvPr id="168" name="Straight Connector 167">
-              <a:extLst>
-                <a:ext uri="{FF2B5EF4-FFF2-40B4-BE49-F238E27FC236}">
-                  <a16:creationId xmlns:a16="http://schemas.microsoft.com/office/drawing/2014/main" id="{288409AD-A77F-4304-9E8B-08A4891C7074}"/>
-                </a:ext>
-                <a:ext uri="{C183D7F6-B498-43B3-948B-1728B52AA6E4}">
-                  <adec:decorative xmlns:adec="http://schemas.microsoft.com/office/drawing/2017/decorative" val="1"/>
-                </a:ext>
-              </a:extLst>
-            </p:cNvPr>
+            <p:cNvPr id="168" name="Straight Connector 167"/>
             <p:cNvCxnSpPr/>
-            <p:nvPr>
-              <p:extLst>
-                <p:ext uri="{386F3935-93C4-4BCD-93E2-E3B085C9AB24}">
-                  <p16:designElem xmlns:p16="http://schemas.microsoft.com/office/powerpoint/2015/main" val="1"/>
-                </p:ext>
-              </p:extLst>
-            </p:nvPr>
+            <p:nvPr/>
           </p:nvCxnSpPr>
           <p:spPr>
             <a:xfrm rot="-180000" flipH="1">
@@ -9917,24 +9385,9 @@
         </p:cxnSp>
         <p:cxnSp>
           <p:nvCxnSpPr>
-            <p:cNvPr id="169" name="Straight Connector 168">
-              <a:extLst>
-                <a:ext uri="{FF2B5EF4-FFF2-40B4-BE49-F238E27FC236}">
-                  <a16:creationId xmlns:a16="http://schemas.microsoft.com/office/drawing/2014/main" id="{862AD08A-B385-4D18-B948-8D53B3918486}"/>
-                </a:ext>
-                <a:ext uri="{C183D7F6-B498-43B3-948B-1728B52AA6E4}">
-                  <adec:decorative xmlns:adec="http://schemas.microsoft.com/office/drawing/2017/decorative" val="1"/>
-                </a:ext>
-              </a:extLst>
-            </p:cNvPr>
+            <p:cNvPr id="169" name="Straight Connector 168"/>
             <p:cNvCxnSpPr/>
-            <p:nvPr>
-              <p:extLst>
-                <p:ext uri="{386F3935-93C4-4BCD-93E2-E3B085C9AB24}">
-                  <p16:designElem xmlns:p16="http://schemas.microsoft.com/office/powerpoint/2015/main" val="1"/>
-                </p:ext>
-              </p:extLst>
-            </p:nvPr>
+            <p:nvPr/>
           </p:nvCxnSpPr>
           <p:spPr>
             <a:xfrm rot="-300000" flipH="1">
@@ -9969,24 +9422,9 @@
         </p:cxnSp>
         <p:cxnSp>
           <p:nvCxnSpPr>
-            <p:cNvPr id="170" name="Straight Connector 169">
-              <a:extLst>
-                <a:ext uri="{FF2B5EF4-FFF2-40B4-BE49-F238E27FC236}">
-                  <a16:creationId xmlns:a16="http://schemas.microsoft.com/office/drawing/2014/main" id="{E32A413E-FF1A-46B1-BF8B-3C1C408B3440}"/>
-                </a:ext>
-                <a:ext uri="{C183D7F6-B498-43B3-948B-1728B52AA6E4}">
-                  <adec:decorative xmlns:adec="http://schemas.microsoft.com/office/drawing/2017/decorative" val="1"/>
-                </a:ext>
-              </a:extLst>
-            </p:cNvPr>
+            <p:cNvPr id="170" name="Straight Connector 169"/>
             <p:cNvCxnSpPr/>
-            <p:nvPr>
-              <p:extLst>
-                <p:ext uri="{386F3935-93C4-4BCD-93E2-E3B085C9AB24}">
-                  <p16:designElem xmlns:p16="http://schemas.microsoft.com/office/powerpoint/2015/main" val="1"/>
-                </p:ext>
-              </p:extLst>
-            </p:nvPr>
+            <p:nvPr/>
           </p:nvCxnSpPr>
           <p:spPr>
             <a:xfrm rot="-420000" flipH="1">
@@ -10021,24 +9459,9 @@
         </p:cxnSp>
         <p:cxnSp>
           <p:nvCxnSpPr>
-            <p:cNvPr id="171" name="Straight Connector 170">
-              <a:extLst>
-                <a:ext uri="{FF2B5EF4-FFF2-40B4-BE49-F238E27FC236}">
-                  <a16:creationId xmlns:a16="http://schemas.microsoft.com/office/drawing/2014/main" id="{3CFF4E44-2BEB-4FAE-97C9-BC6E8296D111}"/>
-                </a:ext>
-                <a:ext uri="{C183D7F6-B498-43B3-948B-1728B52AA6E4}">
-                  <adec:decorative xmlns:adec="http://schemas.microsoft.com/office/drawing/2017/decorative" val="1"/>
-                </a:ext>
-              </a:extLst>
-            </p:cNvPr>
+            <p:cNvPr id="171" name="Straight Connector 170"/>
             <p:cNvCxnSpPr/>
-            <p:nvPr>
-              <p:extLst>
-                <p:ext uri="{386F3935-93C4-4BCD-93E2-E3B085C9AB24}">
-                  <p16:designElem xmlns:p16="http://schemas.microsoft.com/office/powerpoint/2015/main" val="1"/>
-                </p:ext>
-              </p:extLst>
-            </p:nvPr>
+            <p:nvPr/>
           </p:nvCxnSpPr>
           <p:spPr>
             <a:xfrm rot="-540000" flipH="1">
@@ -10073,24 +9496,9 @@
         </p:cxnSp>
         <p:cxnSp>
           <p:nvCxnSpPr>
-            <p:cNvPr id="172" name="Straight Connector 171">
-              <a:extLst>
-                <a:ext uri="{FF2B5EF4-FFF2-40B4-BE49-F238E27FC236}">
-                  <a16:creationId xmlns:a16="http://schemas.microsoft.com/office/drawing/2014/main" id="{F0486C0A-9B93-46B8-932F-876BE26CEFE1}"/>
-                </a:ext>
-                <a:ext uri="{C183D7F6-B498-43B3-948B-1728B52AA6E4}">
-                  <adec:decorative xmlns:adec="http://schemas.microsoft.com/office/drawing/2017/decorative" val="1"/>
-                </a:ext>
-              </a:extLst>
-            </p:cNvPr>
+            <p:cNvPr id="172" name="Straight Connector 171"/>
             <p:cNvCxnSpPr/>
-            <p:nvPr>
-              <p:extLst>
-                <p:ext uri="{386F3935-93C4-4BCD-93E2-E3B085C9AB24}">
-                  <p16:designElem xmlns:p16="http://schemas.microsoft.com/office/powerpoint/2015/main" val="1"/>
-                </p:ext>
-              </p:extLst>
-            </p:nvPr>
+            <p:nvPr/>
           </p:nvCxnSpPr>
           <p:spPr>
             <a:xfrm rot="-720000" flipH="1">
@@ -10125,24 +9533,9 @@
         </p:cxnSp>
         <p:cxnSp>
           <p:nvCxnSpPr>
-            <p:cNvPr id="173" name="Straight Connector 172">
-              <a:extLst>
-                <a:ext uri="{FF2B5EF4-FFF2-40B4-BE49-F238E27FC236}">
-                  <a16:creationId xmlns:a16="http://schemas.microsoft.com/office/drawing/2014/main" id="{1429BF5D-8D5B-4A48-89EE-8B779826EEC6}"/>
-                </a:ext>
-                <a:ext uri="{C183D7F6-B498-43B3-948B-1728B52AA6E4}">
-                  <adec:decorative xmlns:adec="http://schemas.microsoft.com/office/drawing/2017/decorative" val="1"/>
-                </a:ext>
-              </a:extLst>
-            </p:cNvPr>
+            <p:cNvPr id="173" name="Straight Connector 172"/>
             <p:cNvCxnSpPr/>
-            <p:nvPr>
-              <p:extLst>
-                <p:ext uri="{386F3935-93C4-4BCD-93E2-E3B085C9AB24}">
-                  <p16:designElem xmlns:p16="http://schemas.microsoft.com/office/powerpoint/2015/main" val="1"/>
-                </p:ext>
-              </p:extLst>
-            </p:nvPr>
+            <p:nvPr/>
           </p:nvCxnSpPr>
           <p:spPr>
             <a:xfrm rot="-840000" flipH="1">
@@ -10177,24 +9570,9 @@
         </p:cxnSp>
         <p:cxnSp>
           <p:nvCxnSpPr>
-            <p:cNvPr id="174" name="Straight Connector 173">
-              <a:extLst>
-                <a:ext uri="{FF2B5EF4-FFF2-40B4-BE49-F238E27FC236}">
-                  <a16:creationId xmlns:a16="http://schemas.microsoft.com/office/drawing/2014/main" id="{CDC996EE-5EB1-4943-A1E8-70810CBD67FC}"/>
-                </a:ext>
-                <a:ext uri="{C183D7F6-B498-43B3-948B-1728B52AA6E4}">
-                  <adec:decorative xmlns:adec="http://schemas.microsoft.com/office/drawing/2017/decorative" val="1"/>
-                </a:ext>
-              </a:extLst>
-            </p:cNvPr>
+            <p:cNvPr id="174" name="Straight Connector 173"/>
             <p:cNvCxnSpPr/>
-            <p:nvPr>
-              <p:extLst>
-                <p:ext uri="{386F3935-93C4-4BCD-93E2-E3B085C9AB24}">
-                  <p16:designElem xmlns:p16="http://schemas.microsoft.com/office/powerpoint/2015/main" val="1"/>
-                </p:ext>
-              </p:extLst>
-            </p:nvPr>
+            <p:nvPr/>
           </p:nvCxnSpPr>
           <p:spPr>
             <a:xfrm rot="-960000" flipH="1">
@@ -10229,24 +9607,9 @@
         </p:cxnSp>
         <p:cxnSp>
           <p:nvCxnSpPr>
-            <p:cNvPr id="175" name="Straight Connector 174">
-              <a:extLst>
-                <a:ext uri="{FF2B5EF4-FFF2-40B4-BE49-F238E27FC236}">
-                  <a16:creationId xmlns:a16="http://schemas.microsoft.com/office/drawing/2014/main" id="{32F833C8-E3CE-4399-B78B-9DD0EEA64C6C}"/>
-                </a:ext>
-                <a:ext uri="{C183D7F6-B498-43B3-948B-1728B52AA6E4}">
-                  <adec:decorative xmlns:adec="http://schemas.microsoft.com/office/drawing/2017/decorative" val="1"/>
-                </a:ext>
-              </a:extLst>
-            </p:cNvPr>
+            <p:cNvPr id="175" name="Straight Connector 174"/>
             <p:cNvCxnSpPr/>
-            <p:nvPr>
-              <p:extLst>
-                <p:ext uri="{386F3935-93C4-4BCD-93E2-E3B085C9AB24}">
-                  <p16:designElem xmlns:p16="http://schemas.microsoft.com/office/powerpoint/2015/main" val="1"/>
-                </p:ext>
-              </p:extLst>
-            </p:nvPr>
+            <p:nvPr/>
           </p:nvCxnSpPr>
           <p:spPr>
             <a:xfrm rot="-1080000" flipH="1">
@@ -10281,24 +9644,9 @@
         </p:cxnSp>
         <p:cxnSp>
           <p:nvCxnSpPr>
-            <p:cNvPr id="176" name="Straight Connector 175">
-              <a:extLst>
-                <a:ext uri="{FF2B5EF4-FFF2-40B4-BE49-F238E27FC236}">
-                  <a16:creationId xmlns:a16="http://schemas.microsoft.com/office/drawing/2014/main" id="{07C92DB2-78F1-4872-B9C7-C658A78869C3}"/>
-                </a:ext>
-                <a:ext uri="{C183D7F6-B498-43B3-948B-1728B52AA6E4}">
-                  <adec:decorative xmlns:adec="http://schemas.microsoft.com/office/drawing/2017/decorative" val="1"/>
-                </a:ext>
-              </a:extLst>
-            </p:cNvPr>
+            <p:cNvPr id="176" name="Straight Connector 175"/>
             <p:cNvCxnSpPr/>
-            <p:nvPr>
-              <p:extLst>
-                <p:ext uri="{386F3935-93C4-4BCD-93E2-E3B085C9AB24}">
-                  <p16:designElem xmlns:p16="http://schemas.microsoft.com/office/powerpoint/2015/main" val="1"/>
-                </p:ext>
-              </p:extLst>
-            </p:nvPr>
+            <p:nvPr/>
           </p:nvCxnSpPr>
           <p:spPr>
             <a:xfrm rot="-1260000" flipH="1">
@@ -10333,24 +9681,9 @@
         </p:cxnSp>
         <p:cxnSp>
           <p:nvCxnSpPr>
-            <p:cNvPr id="177" name="Straight Connector 176">
-              <a:extLst>
-                <a:ext uri="{FF2B5EF4-FFF2-40B4-BE49-F238E27FC236}">
-                  <a16:creationId xmlns:a16="http://schemas.microsoft.com/office/drawing/2014/main" id="{1F8A2FAA-05E1-448E-A606-FA9D67036C2D}"/>
-                </a:ext>
-                <a:ext uri="{C183D7F6-B498-43B3-948B-1728B52AA6E4}">
-                  <adec:decorative xmlns:adec="http://schemas.microsoft.com/office/drawing/2017/decorative" val="1"/>
-                </a:ext>
-              </a:extLst>
-            </p:cNvPr>
+            <p:cNvPr id="177" name="Straight Connector 176"/>
             <p:cNvCxnSpPr/>
-            <p:nvPr>
-              <p:extLst>
-                <p:ext uri="{386F3935-93C4-4BCD-93E2-E3B085C9AB24}">
-                  <p16:designElem xmlns:p16="http://schemas.microsoft.com/office/powerpoint/2015/main" val="1"/>
-                </p:ext>
-              </p:extLst>
-            </p:nvPr>
+            <p:nvPr/>
           </p:nvCxnSpPr>
           <p:spPr>
             <a:xfrm rot="-1380000" flipH="1">
@@ -10385,24 +9718,9 @@
         </p:cxnSp>
         <p:cxnSp>
           <p:nvCxnSpPr>
-            <p:cNvPr id="178" name="Straight Connector 177">
-              <a:extLst>
-                <a:ext uri="{FF2B5EF4-FFF2-40B4-BE49-F238E27FC236}">
-                  <a16:creationId xmlns:a16="http://schemas.microsoft.com/office/drawing/2014/main" id="{E5AAB5D1-1672-4825-88A7-D93923475E27}"/>
-                </a:ext>
-                <a:ext uri="{C183D7F6-B498-43B3-948B-1728B52AA6E4}">
-                  <adec:decorative xmlns:adec="http://schemas.microsoft.com/office/drawing/2017/decorative" val="1"/>
-                </a:ext>
-              </a:extLst>
-            </p:cNvPr>
+            <p:cNvPr id="178" name="Straight Connector 177"/>
             <p:cNvCxnSpPr/>
-            <p:nvPr>
-              <p:extLst>
-                <p:ext uri="{386F3935-93C4-4BCD-93E2-E3B085C9AB24}">
-                  <p16:designElem xmlns:p16="http://schemas.microsoft.com/office/powerpoint/2015/main" val="1"/>
-                </p:ext>
-              </p:extLst>
-            </p:nvPr>
+            <p:nvPr/>
           </p:nvCxnSpPr>
           <p:spPr>
             <a:xfrm rot="-1500000" flipH="1">
@@ -10437,24 +9755,9 @@
         </p:cxnSp>
         <p:cxnSp>
           <p:nvCxnSpPr>
-            <p:cNvPr id="179" name="Straight Connector 178">
-              <a:extLst>
-                <a:ext uri="{FF2B5EF4-FFF2-40B4-BE49-F238E27FC236}">
-                  <a16:creationId xmlns:a16="http://schemas.microsoft.com/office/drawing/2014/main" id="{02CAAFDB-2BA2-4D04-8B8B-1241D5EC097B}"/>
-                </a:ext>
-                <a:ext uri="{C183D7F6-B498-43B3-948B-1728B52AA6E4}">
-                  <adec:decorative xmlns:adec="http://schemas.microsoft.com/office/drawing/2017/decorative" val="1"/>
-                </a:ext>
-              </a:extLst>
-            </p:cNvPr>
+            <p:cNvPr id="179" name="Straight Connector 178"/>
             <p:cNvCxnSpPr/>
-            <p:nvPr>
-              <p:extLst>
-                <p:ext uri="{386F3935-93C4-4BCD-93E2-E3B085C9AB24}">
-                  <p16:designElem xmlns:p16="http://schemas.microsoft.com/office/powerpoint/2015/main" val="1"/>
-                </p:ext>
-              </p:extLst>
-            </p:nvPr>
+            <p:nvPr/>
           </p:nvCxnSpPr>
           <p:spPr>
             <a:xfrm rot="-1620000" flipH="1">
@@ -10489,24 +9792,9 @@
         </p:cxnSp>
         <p:cxnSp>
           <p:nvCxnSpPr>
-            <p:cNvPr id="180" name="Straight Connector 179">
-              <a:extLst>
-                <a:ext uri="{FF2B5EF4-FFF2-40B4-BE49-F238E27FC236}">
-                  <a16:creationId xmlns:a16="http://schemas.microsoft.com/office/drawing/2014/main" id="{4C381B3C-0009-451B-BCB3-48F7810C1BAC}"/>
-                </a:ext>
-                <a:ext uri="{C183D7F6-B498-43B3-948B-1728B52AA6E4}">
-                  <adec:decorative xmlns:adec="http://schemas.microsoft.com/office/drawing/2017/decorative" val="1"/>
-                </a:ext>
-              </a:extLst>
-            </p:cNvPr>
+            <p:cNvPr id="180" name="Straight Connector 179"/>
             <p:cNvCxnSpPr/>
-            <p:nvPr>
-              <p:extLst>
-                <p:ext uri="{386F3935-93C4-4BCD-93E2-E3B085C9AB24}">
-                  <p16:designElem xmlns:p16="http://schemas.microsoft.com/office/powerpoint/2015/main" val="1"/>
-                </p:ext>
-              </p:extLst>
-            </p:nvPr>
+            <p:nvPr/>
           </p:nvCxnSpPr>
           <p:spPr>
             <a:xfrm rot="-1800000" flipH="1">
@@ -10541,24 +9829,9 @@
         </p:cxnSp>
         <p:cxnSp>
           <p:nvCxnSpPr>
-            <p:cNvPr id="181" name="Straight Connector 180">
-              <a:extLst>
-                <a:ext uri="{FF2B5EF4-FFF2-40B4-BE49-F238E27FC236}">
-                  <a16:creationId xmlns:a16="http://schemas.microsoft.com/office/drawing/2014/main" id="{2A10544C-1EAD-47FB-A17E-52C622282632}"/>
-                </a:ext>
-                <a:ext uri="{C183D7F6-B498-43B3-948B-1728B52AA6E4}">
-                  <adec:decorative xmlns:adec="http://schemas.microsoft.com/office/drawing/2017/decorative" val="1"/>
-                </a:ext>
-              </a:extLst>
-            </p:cNvPr>
+            <p:cNvPr id="181" name="Straight Connector 180"/>
             <p:cNvCxnSpPr/>
-            <p:nvPr>
-              <p:extLst>
-                <p:ext uri="{386F3935-93C4-4BCD-93E2-E3B085C9AB24}">
-                  <p16:designElem xmlns:p16="http://schemas.microsoft.com/office/powerpoint/2015/main" val="1"/>
-                </p:ext>
-              </p:extLst>
-            </p:nvPr>
+            <p:nvPr/>
           </p:nvCxnSpPr>
           <p:spPr>
             <a:xfrm rot="-1920000" flipH="1">
@@ -10593,24 +9866,9 @@
         </p:cxnSp>
         <p:cxnSp>
           <p:nvCxnSpPr>
-            <p:cNvPr id="182" name="Straight Connector 181">
-              <a:extLst>
-                <a:ext uri="{FF2B5EF4-FFF2-40B4-BE49-F238E27FC236}">
-                  <a16:creationId xmlns:a16="http://schemas.microsoft.com/office/drawing/2014/main" id="{A2540B37-D854-4525-93F8-410685438FEC}"/>
-                </a:ext>
-                <a:ext uri="{C183D7F6-B498-43B3-948B-1728B52AA6E4}">
-                  <adec:decorative xmlns:adec="http://schemas.microsoft.com/office/drawing/2017/decorative" val="1"/>
-                </a:ext>
-              </a:extLst>
-            </p:cNvPr>
+            <p:cNvPr id="182" name="Straight Connector 181"/>
             <p:cNvCxnSpPr/>
-            <p:nvPr>
-              <p:extLst>
-                <p:ext uri="{386F3935-93C4-4BCD-93E2-E3B085C9AB24}">
-                  <p16:designElem xmlns:p16="http://schemas.microsoft.com/office/powerpoint/2015/main" val="1"/>
-                </p:ext>
-              </p:extLst>
-            </p:nvPr>
+            <p:nvPr/>
           </p:nvCxnSpPr>
           <p:spPr>
             <a:xfrm rot="-2040000" flipH="1">
@@ -10645,24 +9903,9 @@
         </p:cxnSp>
         <p:cxnSp>
           <p:nvCxnSpPr>
-            <p:cNvPr id="183" name="Straight Connector 182">
-              <a:extLst>
-                <a:ext uri="{FF2B5EF4-FFF2-40B4-BE49-F238E27FC236}">
-                  <a16:creationId xmlns:a16="http://schemas.microsoft.com/office/drawing/2014/main" id="{7450DFE8-D07F-435C-B5A2-47D126FD9F8D}"/>
-                </a:ext>
-                <a:ext uri="{C183D7F6-B498-43B3-948B-1728B52AA6E4}">
-                  <adec:decorative xmlns:adec="http://schemas.microsoft.com/office/drawing/2017/decorative" val="1"/>
-                </a:ext>
-              </a:extLst>
-            </p:cNvPr>
+            <p:cNvPr id="183" name="Straight Connector 182"/>
             <p:cNvCxnSpPr/>
-            <p:nvPr>
-              <p:extLst>
-                <p:ext uri="{386F3935-93C4-4BCD-93E2-E3B085C9AB24}">
-                  <p16:designElem xmlns:p16="http://schemas.microsoft.com/office/powerpoint/2015/main" val="1"/>
-                </p:ext>
-              </p:extLst>
-            </p:nvPr>
+            <p:nvPr/>
           </p:nvCxnSpPr>
           <p:spPr>
             <a:xfrm rot="-2160000" flipH="1">
@@ -10697,24 +9940,9 @@
         </p:cxnSp>
         <p:cxnSp>
           <p:nvCxnSpPr>
-            <p:cNvPr id="184" name="Straight Connector 183">
-              <a:extLst>
-                <a:ext uri="{FF2B5EF4-FFF2-40B4-BE49-F238E27FC236}">
-                  <a16:creationId xmlns:a16="http://schemas.microsoft.com/office/drawing/2014/main" id="{6C1A6513-2D5D-458C-B841-D5DD9844B845}"/>
-                </a:ext>
-                <a:ext uri="{C183D7F6-B498-43B3-948B-1728B52AA6E4}">
-                  <adec:decorative xmlns:adec="http://schemas.microsoft.com/office/drawing/2017/decorative" val="1"/>
-                </a:ext>
-              </a:extLst>
-            </p:cNvPr>
+            <p:cNvPr id="184" name="Straight Connector 183"/>
             <p:cNvCxnSpPr/>
-            <p:nvPr>
-              <p:extLst>
-                <p:ext uri="{386F3935-93C4-4BCD-93E2-E3B085C9AB24}">
-                  <p16:designElem xmlns:p16="http://schemas.microsoft.com/office/powerpoint/2015/main" val="1"/>
-                </p:ext>
-              </p:extLst>
-            </p:nvPr>
+            <p:nvPr/>
           </p:nvCxnSpPr>
           <p:spPr>
             <a:xfrm rot="-2340000" flipH="1">
@@ -10749,24 +9977,9 @@
         </p:cxnSp>
         <p:cxnSp>
           <p:nvCxnSpPr>
-            <p:cNvPr id="185" name="Straight Connector 184">
-              <a:extLst>
-                <a:ext uri="{FF2B5EF4-FFF2-40B4-BE49-F238E27FC236}">
-                  <a16:creationId xmlns:a16="http://schemas.microsoft.com/office/drawing/2014/main" id="{9931CF18-850E-41CD-823E-D311BD5CCE1C}"/>
-                </a:ext>
-                <a:ext uri="{C183D7F6-B498-43B3-948B-1728B52AA6E4}">
-                  <adec:decorative xmlns:adec="http://schemas.microsoft.com/office/drawing/2017/decorative" val="1"/>
-                </a:ext>
-              </a:extLst>
-            </p:cNvPr>
+            <p:cNvPr id="185" name="Straight Connector 184"/>
             <p:cNvCxnSpPr/>
-            <p:nvPr>
-              <p:extLst>
-                <p:ext uri="{386F3935-93C4-4BCD-93E2-E3B085C9AB24}">
-                  <p16:designElem xmlns:p16="http://schemas.microsoft.com/office/powerpoint/2015/main" val="1"/>
-                </p:ext>
-              </p:extLst>
-            </p:nvPr>
+            <p:nvPr/>
           </p:nvCxnSpPr>
           <p:spPr>
             <a:xfrm rot="-2460000" flipH="1">
@@ -10801,24 +10014,9 @@
         </p:cxnSp>
         <p:cxnSp>
           <p:nvCxnSpPr>
-            <p:cNvPr id="186" name="Straight Connector 185">
-              <a:extLst>
-                <a:ext uri="{FF2B5EF4-FFF2-40B4-BE49-F238E27FC236}">
-                  <a16:creationId xmlns:a16="http://schemas.microsoft.com/office/drawing/2014/main" id="{44497A09-1B1C-4EB6-B728-6FC3A1C125FB}"/>
-                </a:ext>
-                <a:ext uri="{C183D7F6-B498-43B3-948B-1728B52AA6E4}">
-                  <adec:decorative xmlns:adec="http://schemas.microsoft.com/office/drawing/2017/decorative" val="1"/>
-                </a:ext>
-              </a:extLst>
-            </p:cNvPr>
+            <p:cNvPr id="186" name="Straight Connector 185"/>
             <p:cNvCxnSpPr/>
-            <p:nvPr>
-              <p:extLst>
-                <p:ext uri="{386F3935-93C4-4BCD-93E2-E3B085C9AB24}">
-                  <p16:designElem xmlns:p16="http://schemas.microsoft.com/office/powerpoint/2015/main" val="1"/>
-                </p:ext>
-              </p:extLst>
-            </p:nvPr>
+            <p:nvPr/>
           </p:nvCxnSpPr>
           <p:spPr>
             <a:xfrm rot="-2580000" flipH="1">
@@ -10853,24 +10051,9 @@
         </p:cxnSp>
         <p:cxnSp>
           <p:nvCxnSpPr>
-            <p:cNvPr id="187" name="Straight Connector 186">
-              <a:extLst>
-                <a:ext uri="{FF2B5EF4-FFF2-40B4-BE49-F238E27FC236}">
-                  <a16:creationId xmlns:a16="http://schemas.microsoft.com/office/drawing/2014/main" id="{FA60DE04-F3E8-437E-A2E4-A8A7BA01CB3A}"/>
-                </a:ext>
-                <a:ext uri="{C183D7F6-B498-43B3-948B-1728B52AA6E4}">
-                  <adec:decorative xmlns:adec="http://schemas.microsoft.com/office/drawing/2017/decorative" val="1"/>
-                </a:ext>
-              </a:extLst>
-            </p:cNvPr>
+            <p:cNvPr id="187" name="Straight Connector 186"/>
             <p:cNvCxnSpPr/>
-            <p:nvPr>
-              <p:extLst>
-                <p:ext uri="{386F3935-93C4-4BCD-93E2-E3B085C9AB24}">
-                  <p16:designElem xmlns:p16="http://schemas.microsoft.com/office/powerpoint/2015/main" val="1"/>
-                </p:ext>
-              </p:extLst>
-            </p:nvPr>
+            <p:nvPr/>
           </p:nvCxnSpPr>
           <p:spPr>
             <a:xfrm rot="-2700000" flipH="1">
@@ -10905,24 +10088,9 @@
         </p:cxnSp>
         <p:cxnSp>
           <p:nvCxnSpPr>
-            <p:cNvPr id="188" name="Straight Connector 187">
-              <a:extLst>
-                <a:ext uri="{FF2B5EF4-FFF2-40B4-BE49-F238E27FC236}">
-                  <a16:creationId xmlns:a16="http://schemas.microsoft.com/office/drawing/2014/main" id="{CDBBA541-852C-4AE6-82E8-6BD13AFB4FF2}"/>
-                </a:ext>
-                <a:ext uri="{C183D7F6-B498-43B3-948B-1728B52AA6E4}">
-                  <adec:decorative xmlns:adec="http://schemas.microsoft.com/office/drawing/2017/decorative" val="1"/>
-                </a:ext>
-              </a:extLst>
-            </p:cNvPr>
+            <p:cNvPr id="188" name="Straight Connector 187"/>
             <p:cNvCxnSpPr/>
-            <p:nvPr>
-              <p:extLst>
-                <p:ext uri="{386F3935-93C4-4BCD-93E2-E3B085C9AB24}">
-                  <p16:designElem xmlns:p16="http://schemas.microsoft.com/office/powerpoint/2015/main" val="1"/>
-                </p:ext>
-              </p:extLst>
-            </p:nvPr>
+            <p:nvPr/>
           </p:nvCxnSpPr>
           <p:spPr>
             <a:xfrm rot="-2880000" flipH="1">
@@ -10957,24 +10125,9 @@
         </p:cxnSp>
         <p:cxnSp>
           <p:nvCxnSpPr>
-            <p:cNvPr id="189" name="Straight Connector 188">
-              <a:extLst>
-                <a:ext uri="{FF2B5EF4-FFF2-40B4-BE49-F238E27FC236}">
-                  <a16:creationId xmlns:a16="http://schemas.microsoft.com/office/drawing/2014/main" id="{2FC3362F-AD7E-45D7-BE85-7C8DD81347C4}"/>
-                </a:ext>
-                <a:ext uri="{C183D7F6-B498-43B3-948B-1728B52AA6E4}">
-                  <adec:decorative xmlns:adec="http://schemas.microsoft.com/office/drawing/2017/decorative" val="1"/>
-                </a:ext>
-              </a:extLst>
-            </p:cNvPr>
+            <p:cNvPr id="189" name="Straight Connector 188"/>
             <p:cNvCxnSpPr/>
-            <p:nvPr>
-              <p:extLst>
-                <p:ext uri="{386F3935-93C4-4BCD-93E2-E3B085C9AB24}">
-                  <p16:designElem xmlns:p16="http://schemas.microsoft.com/office/powerpoint/2015/main" val="1"/>
-                </p:ext>
-              </p:extLst>
-            </p:nvPr>
+            <p:nvPr/>
           </p:nvCxnSpPr>
           <p:spPr>
             <a:xfrm rot="-3000000" flipH="1">
@@ -11009,24 +10162,9 @@
         </p:cxnSp>
         <p:cxnSp>
           <p:nvCxnSpPr>
-            <p:cNvPr id="190" name="Straight Connector 189">
-              <a:extLst>
-                <a:ext uri="{FF2B5EF4-FFF2-40B4-BE49-F238E27FC236}">
-                  <a16:creationId xmlns:a16="http://schemas.microsoft.com/office/drawing/2014/main" id="{FCD83E0F-C8AF-4D52-94DB-CD949A2B165D}"/>
-                </a:ext>
-                <a:ext uri="{C183D7F6-B498-43B3-948B-1728B52AA6E4}">
-                  <adec:decorative xmlns:adec="http://schemas.microsoft.com/office/drawing/2017/decorative" val="1"/>
-                </a:ext>
-              </a:extLst>
-            </p:cNvPr>
+            <p:cNvPr id="190" name="Straight Connector 189"/>
             <p:cNvCxnSpPr/>
-            <p:nvPr>
-              <p:extLst>
-                <p:ext uri="{386F3935-93C4-4BCD-93E2-E3B085C9AB24}">
-                  <p16:designElem xmlns:p16="http://schemas.microsoft.com/office/powerpoint/2015/main" val="1"/>
-                </p:ext>
-              </p:extLst>
-            </p:nvPr>
+            <p:nvPr/>
           </p:nvCxnSpPr>
           <p:spPr>
             <a:xfrm rot="-3120000" flipH="1">
@@ -11061,24 +10199,9 @@
         </p:cxnSp>
         <p:cxnSp>
           <p:nvCxnSpPr>
-            <p:cNvPr id="191" name="Straight Connector 190">
-              <a:extLst>
-                <a:ext uri="{FF2B5EF4-FFF2-40B4-BE49-F238E27FC236}">
-                  <a16:creationId xmlns:a16="http://schemas.microsoft.com/office/drawing/2014/main" id="{60D5F865-890F-483F-B407-516CE6D22224}"/>
-                </a:ext>
-                <a:ext uri="{C183D7F6-B498-43B3-948B-1728B52AA6E4}">
-                  <adec:decorative xmlns:adec="http://schemas.microsoft.com/office/drawing/2017/decorative" val="1"/>
-                </a:ext>
-              </a:extLst>
-            </p:cNvPr>
+            <p:cNvPr id="191" name="Straight Connector 190"/>
             <p:cNvCxnSpPr/>
-            <p:nvPr>
-              <p:extLst>
-                <p:ext uri="{386F3935-93C4-4BCD-93E2-E3B085C9AB24}">
-                  <p16:designElem xmlns:p16="http://schemas.microsoft.com/office/powerpoint/2015/main" val="1"/>
-                </p:ext>
-              </p:extLst>
-            </p:nvPr>
+            <p:nvPr/>
           </p:nvCxnSpPr>
           <p:spPr>
             <a:xfrm rot="-3240000" flipH="1">
@@ -11113,24 +10236,9 @@
         </p:cxnSp>
         <p:cxnSp>
           <p:nvCxnSpPr>
-            <p:cNvPr id="192" name="Straight Connector 191">
-              <a:extLst>
-                <a:ext uri="{FF2B5EF4-FFF2-40B4-BE49-F238E27FC236}">
-                  <a16:creationId xmlns:a16="http://schemas.microsoft.com/office/drawing/2014/main" id="{DE6A2505-E617-4419-AB05-10B779B5C23D}"/>
-                </a:ext>
-                <a:ext uri="{C183D7F6-B498-43B3-948B-1728B52AA6E4}">
-                  <adec:decorative xmlns:adec="http://schemas.microsoft.com/office/drawing/2017/decorative" val="1"/>
-                </a:ext>
-              </a:extLst>
-            </p:cNvPr>
+            <p:cNvPr id="192" name="Straight Connector 191"/>
             <p:cNvCxnSpPr/>
-            <p:nvPr>
-              <p:extLst>
-                <p:ext uri="{386F3935-93C4-4BCD-93E2-E3B085C9AB24}">
-                  <p16:designElem xmlns:p16="http://schemas.microsoft.com/office/powerpoint/2015/main" val="1"/>
-                </p:ext>
-              </p:extLst>
-            </p:nvPr>
+            <p:nvPr/>
           </p:nvCxnSpPr>
           <p:spPr>
             <a:xfrm rot="-3420000" flipH="1">
@@ -11165,24 +10273,9 @@
         </p:cxnSp>
         <p:cxnSp>
           <p:nvCxnSpPr>
-            <p:cNvPr id="193" name="Straight Connector 192">
-              <a:extLst>
-                <a:ext uri="{FF2B5EF4-FFF2-40B4-BE49-F238E27FC236}">
-                  <a16:creationId xmlns:a16="http://schemas.microsoft.com/office/drawing/2014/main" id="{BDFF0D66-52FC-4F64-B67F-72D9EFEED15D}"/>
-                </a:ext>
-                <a:ext uri="{C183D7F6-B498-43B3-948B-1728B52AA6E4}">
-                  <adec:decorative xmlns:adec="http://schemas.microsoft.com/office/drawing/2017/decorative" val="1"/>
-                </a:ext>
-              </a:extLst>
-            </p:cNvPr>
+            <p:cNvPr id="193" name="Straight Connector 192"/>
             <p:cNvCxnSpPr/>
-            <p:nvPr>
-              <p:extLst>
-                <p:ext uri="{386F3935-93C4-4BCD-93E2-E3B085C9AB24}">
-                  <p16:designElem xmlns:p16="http://schemas.microsoft.com/office/powerpoint/2015/main" val="1"/>
-                </p:ext>
-              </p:extLst>
-            </p:nvPr>
+            <p:nvPr/>
           </p:nvCxnSpPr>
           <p:spPr>
             <a:xfrm rot="-3540000" flipH="1">
@@ -11217,24 +10310,9 @@
         </p:cxnSp>
         <p:cxnSp>
           <p:nvCxnSpPr>
-            <p:cNvPr id="194" name="Straight Connector 193">
-              <a:extLst>
-                <a:ext uri="{FF2B5EF4-FFF2-40B4-BE49-F238E27FC236}">
-                  <a16:creationId xmlns:a16="http://schemas.microsoft.com/office/drawing/2014/main" id="{DCC72040-7945-4051-989C-2B728F6D5041}"/>
-                </a:ext>
-                <a:ext uri="{C183D7F6-B498-43B3-948B-1728B52AA6E4}">
-                  <adec:decorative xmlns:adec="http://schemas.microsoft.com/office/drawing/2017/decorative" val="1"/>
-                </a:ext>
-              </a:extLst>
-            </p:cNvPr>
+            <p:cNvPr id="194" name="Straight Connector 193"/>
             <p:cNvCxnSpPr/>
-            <p:nvPr>
-              <p:extLst>
-                <p:ext uri="{386F3935-93C4-4BCD-93E2-E3B085C9AB24}">
-                  <p16:designElem xmlns:p16="http://schemas.microsoft.com/office/powerpoint/2015/main" val="1"/>
-                </p:ext>
-              </p:extLst>
-            </p:nvPr>
+            <p:nvPr/>
           </p:nvCxnSpPr>
           <p:spPr>
             <a:xfrm rot="-3660000" flipH="1">
@@ -11269,24 +10347,9 @@
         </p:cxnSp>
         <p:cxnSp>
           <p:nvCxnSpPr>
-            <p:cNvPr id="195" name="Straight Connector 194">
-              <a:extLst>
-                <a:ext uri="{FF2B5EF4-FFF2-40B4-BE49-F238E27FC236}">
-                  <a16:creationId xmlns:a16="http://schemas.microsoft.com/office/drawing/2014/main" id="{96EB6302-2333-45D4-AE20-B0F6D45CC13E}"/>
-                </a:ext>
-                <a:ext uri="{C183D7F6-B498-43B3-948B-1728B52AA6E4}">
-                  <adec:decorative xmlns:adec="http://schemas.microsoft.com/office/drawing/2017/decorative" val="1"/>
-                </a:ext>
-              </a:extLst>
-            </p:cNvPr>
+            <p:cNvPr id="195" name="Straight Connector 194"/>
             <p:cNvCxnSpPr/>
-            <p:nvPr>
-              <p:extLst>
-                <p:ext uri="{386F3935-93C4-4BCD-93E2-E3B085C9AB24}">
-                  <p16:designElem xmlns:p16="http://schemas.microsoft.com/office/powerpoint/2015/main" val="1"/>
-                </p:ext>
-              </p:extLst>
-            </p:nvPr>
+            <p:nvPr/>
           </p:nvCxnSpPr>
           <p:spPr>
             <a:xfrm rot="-3780000" flipH="1">
@@ -11321,24 +10384,9 @@
         </p:cxnSp>
         <p:cxnSp>
           <p:nvCxnSpPr>
-            <p:cNvPr id="196" name="Straight Connector 195">
-              <a:extLst>
-                <a:ext uri="{FF2B5EF4-FFF2-40B4-BE49-F238E27FC236}">
-                  <a16:creationId xmlns:a16="http://schemas.microsoft.com/office/drawing/2014/main" id="{EECC1105-D16E-411D-B4B7-80BF039BF977}"/>
-                </a:ext>
-                <a:ext uri="{C183D7F6-B498-43B3-948B-1728B52AA6E4}">
-                  <adec:decorative xmlns:adec="http://schemas.microsoft.com/office/drawing/2017/decorative" val="1"/>
-                </a:ext>
-              </a:extLst>
-            </p:cNvPr>
+            <p:cNvPr id="196" name="Straight Connector 195"/>
             <p:cNvCxnSpPr/>
-            <p:nvPr>
-              <p:extLst>
-                <p:ext uri="{386F3935-93C4-4BCD-93E2-E3B085C9AB24}">
-                  <p16:designElem xmlns:p16="http://schemas.microsoft.com/office/powerpoint/2015/main" val="1"/>
-                </p:ext>
-              </p:extLst>
-            </p:nvPr>
+            <p:nvPr/>
           </p:nvCxnSpPr>
           <p:spPr>
             <a:xfrm rot="-3960000" flipH="1">
@@ -11373,24 +10421,9 @@
         </p:cxnSp>
         <p:cxnSp>
           <p:nvCxnSpPr>
-            <p:cNvPr id="197" name="Straight Connector 196">
-              <a:extLst>
-                <a:ext uri="{FF2B5EF4-FFF2-40B4-BE49-F238E27FC236}">
-                  <a16:creationId xmlns:a16="http://schemas.microsoft.com/office/drawing/2014/main" id="{C7D2F518-4540-44DE-BC62-7D598EC99BBC}"/>
-                </a:ext>
-                <a:ext uri="{C183D7F6-B498-43B3-948B-1728B52AA6E4}">
-                  <adec:decorative xmlns:adec="http://schemas.microsoft.com/office/drawing/2017/decorative" val="1"/>
-                </a:ext>
-              </a:extLst>
-            </p:cNvPr>
+            <p:cNvPr id="197" name="Straight Connector 196"/>
             <p:cNvCxnSpPr/>
-            <p:nvPr>
-              <p:extLst>
-                <p:ext uri="{386F3935-93C4-4BCD-93E2-E3B085C9AB24}">
-                  <p16:designElem xmlns:p16="http://schemas.microsoft.com/office/powerpoint/2015/main" val="1"/>
-                </p:ext>
-              </p:extLst>
-            </p:nvPr>
+            <p:nvPr/>
           </p:nvCxnSpPr>
           <p:spPr>
             <a:xfrm rot="-4080000" flipH="1">
@@ -11425,24 +10458,9 @@
         </p:cxnSp>
         <p:cxnSp>
           <p:nvCxnSpPr>
-            <p:cNvPr id="198" name="Straight Connector 197">
-              <a:extLst>
-                <a:ext uri="{FF2B5EF4-FFF2-40B4-BE49-F238E27FC236}">
-                  <a16:creationId xmlns:a16="http://schemas.microsoft.com/office/drawing/2014/main" id="{F19566BC-880A-4113-A9C4-0017E5184C19}"/>
-                </a:ext>
-                <a:ext uri="{C183D7F6-B498-43B3-948B-1728B52AA6E4}">
-                  <adec:decorative xmlns:adec="http://schemas.microsoft.com/office/drawing/2017/decorative" val="1"/>
-                </a:ext>
-              </a:extLst>
-            </p:cNvPr>
+            <p:cNvPr id="198" name="Straight Connector 197"/>
             <p:cNvCxnSpPr/>
-            <p:nvPr>
-              <p:extLst>
-                <p:ext uri="{386F3935-93C4-4BCD-93E2-E3B085C9AB24}">
-                  <p16:designElem xmlns:p16="http://schemas.microsoft.com/office/powerpoint/2015/main" val="1"/>
-                </p:ext>
-              </p:extLst>
-            </p:nvPr>
+            <p:nvPr/>
           </p:nvCxnSpPr>
           <p:spPr>
             <a:xfrm rot="-4200000" flipH="1">
@@ -11477,24 +10495,9 @@
         </p:cxnSp>
         <p:cxnSp>
           <p:nvCxnSpPr>
-            <p:cNvPr id="199" name="Straight Connector 198">
-              <a:extLst>
-                <a:ext uri="{FF2B5EF4-FFF2-40B4-BE49-F238E27FC236}">
-                  <a16:creationId xmlns:a16="http://schemas.microsoft.com/office/drawing/2014/main" id="{718E7D73-F4E4-4F5D-AFF9-EE491954A05C}"/>
-                </a:ext>
-                <a:ext uri="{C183D7F6-B498-43B3-948B-1728B52AA6E4}">
-                  <adec:decorative xmlns:adec="http://schemas.microsoft.com/office/drawing/2017/decorative" val="1"/>
-                </a:ext>
-              </a:extLst>
-            </p:cNvPr>
+            <p:cNvPr id="199" name="Straight Connector 198"/>
             <p:cNvCxnSpPr/>
-            <p:nvPr>
-              <p:extLst>
-                <p:ext uri="{386F3935-93C4-4BCD-93E2-E3B085C9AB24}">
-                  <p16:designElem xmlns:p16="http://schemas.microsoft.com/office/powerpoint/2015/main" val="1"/>
-                </p:ext>
-              </p:extLst>
-            </p:nvPr>
+            <p:nvPr/>
           </p:nvCxnSpPr>
           <p:spPr>
             <a:xfrm rot="-4320000" flipH="1">
@@ -11529,24 +10532,9 @@
         </p:cxnSp>
         <p:cxnSp>
           <p:nvCxnSpPr>
-            <p:cNvPr id="200" name="Straight Connector 199">
-              <a:extLst>
-                <a:ext uri="{FF2B5EF4-FFF2-40B4-BE49-F238E27FC236}">
-                  <a16:creationId xmlns:a16="http://schemas.microsoft.com/office/drawing/2014/main" id="{8D0988A2-3571-4C16-BDEF-58254F04E5B1}"/>
-                </a:ext>
-                <a:ext uri="{C183D7F6-B498-43B3-948B-1728B52AA6E4}">
-                  <adec:decorative xmlns:adec="http://schemas.microsoft.com/office/drawing/2017/decorative" val="1"/>
-                </a:ext>
-              </a:extLst>
-            </p:cNvPr>
+            <p:cNvPr id="200" name="Straight Connector 199"/>
             <p:cNvCxnSpPr/>
-            <p:nvPr>
-              <p:extLst>
-                <p:ext uri="{386F3935-93C4-4BCD-93E2-E3B085C9AB24}">
-                  <p16:designElem xmlns:p16="http://schemas.microsoft.com/office/powerpoint/2015/main" val="1"/>
-                </p:ext>
-              </p:extLst>
-            </p:nvPr>
+            <p:nvPr/>
           </p:nvCxnSpPr>
           <p:spPr>
             <a:xfrm rot="-4500000" flipH="1">
@@ -11581,24 +10569,9 @@
         </p:cxnSp>
         <p:cxnSp>
           <p:nvCxnSpPr>
-            <p:cNvPr id="201" name="Straight Connector 200">
-              <a:extLst>
-                <a:ext uri="{FF2B5EF4-FFF2-40B4-BE49-F238E27FC236}">
-                  <a16:creationId xmlns:a16="http://schemas.microsoft.com/office/drawing/2014/main" id="{4550BAC8-41FE-4300-910B-EE7BBD7A0C1D}"/>
-                </a:ext>
-                <a:ext uri="{C183D7F6-B498-43B3-948B-1728B52AA6E4}">
-                  <adec:decorative xmlns:adec="http://schemas.microsoft.com/office/drawing/2017/decorative" val="1"/>
-                </a:ext>
-              </a:extLst>
-            </p:cNvPr>
+            <p:cNvPr id="201" name="Straight Connector 200"/>
             <p:cNvCxnSpPr/>
-            <p:nvPr>
-              <p:extLst>
-                <p:ext uri="{386F3935-93C4-4BCD-93E2-E3B085C9AB24}">
-                  <p16:designElem xmlns:p16="http://schemas.microsoft.com/office/powerpoint/2015/main" val="1"/>
-                </p:ext>
-              </p:extLst>
-            </p:nvPr>
+            <p:nvPr/>
           </p:nvCxnSpPr>
           <p:spPr>
             <a:xfrm rot="-4620000" flipH="1">
@@ -11633,24 +10606,9 @@
         </p:cxnSp>
         <p:cxnSp>
           <p:nvCxnSpPr>
-            <p:cNvPr id="202" name="Straight Connector 201">
-              <a:extLst>
-                <a:ext uri="{FF2B5EF4-FFF2-40B4-BE49-F238E27FC236}">
-                  <a16:creationId xmlns:a16="http://schemas.microsoft.com/office/drawing/2014/main" id="{38CD175C-18A7-4589-8C46-A61FEF6D9996}"/>
-                </a:ext>
-                <a:ext uri="{C183D7F6-B498-43B3-948B-1728B52AA6E4}">
-                  <adec:decorative xmlns:adec="http://schemas.microsoft.com/office/drawing/2017/decorative" val="1"/>
-                </a:ext>
-              </a:extLst>
-            </p:cNvPr>
+            <p:cNvPr id="202" name="Straight Connector 201"/>
             <p:cNvCxnSpPr/>
-            <p:nvPr>
-              <p:extLst>
-                <p:ext uri="{386F3935-93C4-4BCD-93E2-E3B085C9AB24}">
-                  <p16:designElem xmlns:p16="http://schemas.microsoft.com/office/powerpoint/2015/main" val="1"/>
-                </p:ext>
-              </p:extLst>
-            </p:nvPr>
+            <p:nvPr/>
           </p:nvCxnSpPr>
           <p:spPr>
             <a:xfrm rot="-4740000" flipH="1">
@@ -11685,24 +10643,9 @@
         </p:cxnSp>
         <p:cxnSp>
           <p:nvCxnSpPr>
-            <p:cNvPr id="203" name="Straight Connector 202">
-              <a:extLst>
-                <a:ext uri="{FF2B5EF4-FFF2-40B4-BE49-F238E27FC236}">
-                  <a16:creationId xmlns:a16="http://schemas.microsoft.com/office/drawing/2014/main" id="{B6BE3031-FD1C-443C-9889-243CEEAEDF84}"/>
-                </a:ext>
-                <a:ext uri="{C183D7F6-B498-43B3-948B-1728B52AA6E4}">
-                  <adec:decorative xmlns:adec="http://schemas.microsoft.com/office/drawing/2017/decorative" val="1"/>
-                </a:ext>
-              </a:extLst>
-            </p:cNvPr>
+            <p:cNvPr id="203" name="Straight Connector 202"/>
             <p:cNvCxnSpPr/>
-            <p:nvPr>
-              <p:extLst>
-                <p:ext uri="{386F3935-93C4-4BCD-93E2-E3B085C9AB24}">
-                  <p16:designElem xmlns:p16="http://schemas.microsoft.com/office/powerpoint/2015/main" val="1"/>
-                </p:ext>
-              </p:extLst>
-            </p:nvPr>
+            <p:nvPr/>
           </p:nvCxnSpPr>
           <p:spPr>
             <a:xfrm rot="-4860000" flipH="1">
@@ -11737,24 +10680,9 @@
         </p:cxnSp>
         <p:cxnSp>
           <p:nvCxnSpPr>
-            <p:cNvPr id="204" name="Straight Connector 203">
-              <a:extLst>
-                <a:ext uri="{FF2B5EF4-FFF2-40B4-BE49-F238E27FC236}">
-                  <a16:creationId xmlns:a16="http://schemas.microsoft.com/office/drawing/2014/main" id="{7E37BF5D-3732-41F2-B9AF-A56C9214D63B}"/>
-                </a:ext>
-                <a:ext uri="{C183D7F6-B498-43B3-948B-1728B52AA6E4}">
-                  <adec:decorative xmlns:adec="http://schemas.microsoft.com/office/drawing/2017/decorative" val="1"/>
-                </a:ext>
-              </a:extLst>
-            </p:cNvPr>
+            <p:cNvPr id="204" name="Straight Connector 203"/>
             <p:cNvCxnSpPr/>
-            <p:nvPr>
-              <p:extLst>
-                <p:ext uri="{386F3935-93C4-4BCD-93E2-E3B085C9AB24}">
-                  <p16:designElem xmlns:p16="http://schemas.microsoft.com/office/powerpoint/2015/main" val="1"/>
-                </p:ext>
-              </p:extLst>
-            </p:nvPr>
+            <p:nvPr/>
           </p:nvCxnSpPr>
           <p:spPr>
             <a:xfrm rot="-5040000" flipH="1">
@@ -11789,24 +10717,9 @@
         </p:cxnSp>
         <p:cxnSp>
           <p:nvCxnSpPr>
-            <p:cNvPr id="205" name="Straight Connector 204">
-              <a:extLst>
-                <a:ext uri="{FF2B5EF4-FFF2-40B4-BE49-F238E27FC236}">
-                  <a16:creationId xmlns:a16="http://schemas.microsoft.com/office/drawing/2014/main" id="{077B6718-917A-4A01-BCF8-5C6E1217B2A0}"/>
-                </a:ext>
-                <a:ext uri="{C183D7F6-B498-43B3-948B-1728B52AA6E4}">
-                  <adec:decorative xmlns:adec="http://schemas.microsoft.com/office/drawing/2017/decorative" val="1"/>
-                </a:ext>
-              </a:extLst>
-            </p:cNvPr>
+            <p:cNvPr id="205" name="Straight Connector 204"/>
             <p:cNvCxnSpPr/>
-            <p:nvPr>
-              <p:extLst>
-                <p:ext uri="{386F3935-93C4-4BCD-93E2-E3B085C9AB24}">
-                  <p16:designElem xmlns:p16="http://schemas.microsoft.com/office/powerpoint/2015/main" val="1"/>
-                </p:ext>
-              </p:extLst>
-            </p:nvPr>
+            <p:nvPr/>
           </p:nvCxnSpPr>
           <p:spPr>
             <a:xfrm rot="-5160000" flipH="1">
@@ -11841,24 +10754,9 @@
         </p:cxnSp>
         <p:cxnSp>
           <p:nvCxnSpPr>
-            <p:cNvPr id="206" name="Straight Connector 205">
-              <a:extLst>
-                <a:ext uri="{FF2B5EF4-FFF2-40B4-BE49-F238E27FC236}">
-                  <a16:creationId xmlns:a16="http://schemas.microsoft.com/office/drawing/2014/main" id="{1C23AB5B-98FB-43F1-B590-BBA79814F21C}"/>
-                </a:ext>
-                <a:ext uri="{C183D7F6-B498-43B3-948B-1728B52AA6E4}">
-                  <adec:decorative xmlns:adec="http://schemas.microsoft.com/office/drawing/2017/decorative" val="1"/>
-                </a:ext>
-              </a:extLst>
-            </p:cNvPr>
+            <p:cNvPr id="206" name="Straight Connector 205"/>
             <p:cNvCxnSpPr/>
-            <p:nvPr>
-              <p:extLst>
-                <p:ext uri="{386F3935-93C4-4BCD-93E2-E3B085C9AB24}">
-                  <p16:designElem xmlns:p16="http://schemas.microsoft.com/office/powerpoint/2015/main" val="1"/>
-                </p:ext>
-              </p:extLst>
-            </p:nvPr>
+            <p:nvPr/>
           </p:nvCxnSpPr>
           <p:spPr>
             <a:xfrm rot="-5280000" flipH="1">
@@ -11893,24 +10791,9 @@
         </p:cxnSp>
         <p:cxnSp>
           <p:nvCxnSpPr>
-            <p:cNvPr id="207" name="Straight Connector 206">
-              <a:extLst>
-                <a:ext uri="{FF2B5EF4-FFF2-40B4-BE49-F238E27FC236}">
-                  <a16:creationId xmlns:a16="http://schemas.microsoft.com/office/drawing/2014/main" id="{D6EEC146-226B-4C83-9C1B-DD5495DE161D}"/>
-                </a:ext>
-                <a:ext uri="{C183D7F6-B498-43B3-948B-1728B52AA6E4}">
-                  <adec:decorative xmlns:adec="http://schemas.microsoft.com/office/drawing/2017/decorative" val="1"/>
-                </a:ext>
-              </a:extLst>
-            </p:cNvPr>
+            <p:cNvPr id="207" name="Straight Connector 206"/>
             <p:cNvCxnSpPr/>
-            <p:nvPr>
-              <p:extLst>
-                <p:ext uri="{386F3935-93C4-4BCD-93E2-E3B085C9AB24}">
-                  <p16:designElem xmlns:p16="http://schemas.microsoft.com/office/powerpoint/2015/main" val="1"/>
-                </p:ext>
-              </p:extLst>
-            </p:nvPr>
+            <p:nvPr/>
           </p:nvCxnSpPr>
           <p:spPr>
             <a:xfrm rot="-5400000" flipH="1">
@@ -11945,24 +10828,9 @@
         </p:cxnSp>
         <p:cxnSp>
           <p:nvCxnSpPr>
-            <p:cNvPr id="208" name="Straight Connector 207">
-              <a:extLst>
-                <a:ext uri="{FF2B5EF4-FFF2-40B4-BE49-F238E27FC236}">
-                  <a16:creationId xmlns:a16="http://schemas.microsoft.com/office/drawing/2014/main" id="{9C24D094-41EF-4CA2-9834-B04793FA12C4}"/>
-                </a:ext>
-                <a:ext uri="{C183D7F6-B498-43B3-948B-1728B52AA6E4}">
-                  <adec:decorative xmlns:adec="http://schemas.microsoft.com/office/drawing/2017/decorative" val="1"/>
-                </a:ext>
-              </a:extLst>
-            </p:cNvPr>
+            <p:cNvPr id="208" name="Straight Connector 207"/>
             <p:cNvCxnSpPr/>
-            <p:nvPr>
-              <p:extLst>
-                <p:ext uri="{386F3935-93C4-4BCD-93E2-E3B085C9AB24}">
-                  <p16:designElem xmlns:p16="http://schemas.microsoft.com/office/powerpoint/2015/main" val="1"/>
-                </p:ext>
-              </p:extLst>
-            </p:nvPr>
+            <p:nvPr/>
           </p:nvCxnSpPr>
           <p:spPr>
             <a:xfrm rot="-5580000" flipH="1">
@@ -11997,24 +10865,9 @@
         </p:cxnSp>
         <p:cxnSp>
           <p:nvCxnSpPr>
-            <p:cNvPr id="209" name="Straight Connector 208">
-              <a:extLst>
-                <a:ext uri="{FF2B5EF4-FFF2-40B4-BE49-F238E27FC236}">
-                  <a16:creationId xmlns:a16="http://schemas.microsoft.com/office/drawing/2014/main" id="{8DA46AD8-674F-46C3-8A22-280F78F91AC2}"/>
-                </a:ext>
-                <a:ext uri="{C183D7F6-B498-43B3-948B-1728B52AA6E4}">
-                  <adec:decorative xmlns:adec="http://schemas.microsoft.com/office/drawing/2017/decorative" val="1"/>
-                </a:ext>
-              </a:extLst>
-            </p:cNvPr>
+            <p:cNvPr id="209" name="Straight Connector 208"/>
             <p:cNvCxnSpPr/>
-            <p:nvPr>
-              <p:extLst>
-                <p:ext uri="{386F3935-93C4-4BCD-93E2-E3B085C9AB24}">
-                  <p16:designElem xmlns:p16="http://schemas.microsoft.com/office/powerpoint/2015/main" val="1"/>
-                </p:ext>
-              </p:extLst>
-            </p:nvPr>
+            <p:nvPr/>
           </p:nvCxnSpPr>
           <p:spPr>
             <a:xfrm rot="-5700000" flipH="1">
@@ -12049,24 +10902,9 @@
         </p:cxnSp>
         <p:cxnSp>
           <p:nvCxnSpPr>
-            <p:cNvPr id="210" name="Straight Connector 209">
-              <a:extLst>
-                <a:ext uri="{FF2B5EF4-FFF2-40B4-BE49-F238E27FC236}">
-                  <a16:creationId xmlns:a16="http://schemas.microsoft.com/office/drawing/2014/main" id="{AE9D757B-CD9D-447C-8780-79F2FF875113}"/>
-                </a:ext>
-                <a:ext uri="{C183D7F6-B498-43B3-948B-1728B52AA6E4}">
-                  <adec:decorative xmlns:adec="http://schemas.microsoft.com/office/drawing/2017/decorative" val="1"/>
-                </a:ext>
-              </a:extLst>
-            </p:cNvPr>
+            <p:cNvPr id="210" name="Straight Connector 209"/>
             <p:cNvCxnSpPr/>
-            <p:nvPr>
-              <p:extLst>
-                <p:ext uri="{386F3935-93C4-4BCD-93E2-E3B085C9AB24}">
-                  <p16:designElem xmlns:p16="http://schemas.microsoft.com/office/powerpoint/2015/main" val="1"/>
-                </p:ext>
-              </p:extLst>
-            </p:nvPr>
+            <p:nvPr/>
           </p:nvCxnSpPr>
           <p:spPr>
             <a:xfrm rot="-5820000" flipH="1">
@@ -12101,24 +10939,9 @@
         </p:cxnSp>
         <p:cxnSp>
           <p:nvCxnSpPr>
-            <p:cNvPr id="211" name="Straight Connector 210">
-              <a:extLst>
-                <a:ext uri="{FF2B5EF4-FFF2-40B4-BE49-F238E27FC236}">
-                  <a16:creationId xmlns:a16="http://schemas.microsoft.com/office/drawing/2014/main" id="{276B76E9-7342-43BC-B629-9180ABF5778A}"/>
-                </a:ext>
-                <a:ext uri="{C183D7F6-B498-43B3-948B-1728B52AA6E4}">
-                  <adec:decorative xmlns:adec="http://schemas.microsoft.com/office/drawing/2017/decorative" val="1"/>
-                </a:ext>
-              </a:extLst>
-            </p:cNvPr>
+            <p:cNvPr id="211" name="Straight Connector 210"/>
             <p:cNvCxnSpPr/>
-            <p:nvPr>
-              <p:extLst>
-                <p:ext uri="{386F3935-93C4-4BCD-93E2-E3B085C9AB24}">
-                  <p16:designElem xmlns:p16="http://schemas.microsoft.com/office/powerpoint/2015/main" val="1"/>
-                </p:ext>
-              </p:extLst>
-            </p:nvPr>
+            <p:nvPr/>
           </p:nvCxnSpPr>
           <p:spPr>
             <a:xfrm rot="-5940000" flipH="1">
@@ -12153,24 +10976,9 @@
         </p:cxnSp>
         <p:cxnSp>
           <p:nvCxnSpPr>
-            <p:cNvPr id="212" name="Straight Connector 211">
-              <a:extLst>
-                <a:ext uri="{FF2B5EF4-FFF2-40B4-BE49-F238E27FC236}">
-                  <a16:creationId xmlns:a16="http://schemas.microsoft.com/office/drawing/2014/main" id="{3F25F68A-2DCB-4183-86F1-3428326E595B}"/>
-                </a:ext>
-                <a:ext uri="{C183D7F6-B498-43B3-948B-1728B52AA6E4}">
-                  <adec:decorative xmlns:adec="http://schemas.microsoft.com/office/drawing/2017/decorative" val="1"/>
-                </a:ext>
-              </a:extLst>
-            </p:cNvPr>
+            <p:cNvPr id="212" name="Straight Connector 211"/>
             <p:cNvCxnSpPr/>
-            <p:nvPr>
-              <p:extLst>
-                <p:ext uri="{386F3935-93C4-4BCD-93E2-E3B085C9AB24}">
-                  <p16:designElem xmlns:p16="http://schemas.microsoft.com/office/powerpoint/2015/main" val="1"/>
-                </p:ext>
-              </p:extLst>
-            </p:nvPr>
+            <p:nvPr/>
           </p:nvCxnSpPr>
           <p:spPr>
             <a:xfrm rot="-6120000" flipH="1">
@@ -12205,24 +11013,9 @@
         </p:cxnSp>
         <p:cxnSp>
           <p:nvCxnSpPr>
-            <p:cNvPr id="213" name="Straight Connector 212">
-              <a:extLst>
-                <a:ext uri="{FF2B5EF4-FFF2-40B4-BE49-F238E27FC236}">
-                  <a16:creationId xmlns:a16="http://schemas.microsoft.com/office/drawing/2014/main" id="{BA5FA913-066C-4504-A753-026056454CE9}"/>
-                </a:ext>
-                <a:ext uri="{C183D7F6-B498-43B3-948B-1728B52AA6E4}">
-                  <adec:decorative xmlns:adec="http://schemas.microsoft.com/office/drawing/2017/decorative" val="1"/>
-                </a:ext>
-              </a:extLst>
-            </p:cNvPr>
+            <p:cNvPr id="213" name="Straight Connector 212"/>
             <p:cNvCxnSpPr/>
-            <p:nvPr>
-              <p:extLst>
-                <p:ext uri="{386F3935-93C4-4BCD-93E2-E3B085C9AB24}">
-                  <p16:designElem xmlns:p16="http://schemas.microsoft.com/office/powerpoint/2015/main" val="1"/>
-                </p:ext>
-              </p:extLst>
-            </p:nvPr>
+            <p:nvPr/>
           </p:nvCxnSpPr>
           <p:spPr>
             <a:xfrm rot="-6240000" flipH="1">
@@ -12257,24 +11050,9 @@
         </p:cxnSp>
         <p:cxnSp>
           <p:nvCxnSpPr>
-            <p:cNvPr id="214" name="Straight Connector 213">
-              <a:extLst>
-                <a:ext uri="{FF2B5EF4-FFF2-40B4-BE49-F238E27FC236}">
-                  <a16:creationId xmlns:a16="http://schemas.microsoft.com/office/drawing/2014/main" id="{6A6E50AC-CA1E-4DD3-B85F-1720C019E68B}"/>
-                </a:ext>
-                <a:ext uri="{C183D7F6-B498-43B3-948B-1728B52AA6E4}">
-                  <adec:decorative xmlns:adec="http://schemas.microsoft.com/office/drawing/2017/decorative" val="1"/>
-                </a:ext>
-              </a:extLst>
-            </p:cNvPr>
+            <p:cNvPr id="214" name="Straight Connector 213"/>
             <p:cNvCxnSpPr/>
-            <p:nvPr>
-              <p:extLst>
-                <p:ext uri="{386F3935-93C4-4BCD-93E2-E3B085C9AB24}">
-                  <p16:designElem xmlns:p16="http://schemas.microsoft.com/office/powerpoint/2015/main" val="1"/>
-                </p:ext>
-              </p:extLst>
-            </p:nvPr>
+            <p:nvPr/>
           </p:nvCxnSpPr>
           <p:spPr>
             <a:xfrm rot="-6360000" flipH="1">
@@ -12309,24 +11087,9 @@
         </p:cxnSp>
         <p:cxnSp>
           <p:nvCxnSpPr>
-            <p:cNvPr id="215" name="Straight Connector 214">
-              <a:extLst>
-                <a:ext uri="{FF2B5EF4-FFF2-40B4-BE49-F238E27FC236}">
-                  <a16:creationId xmlns:a16="http://schemas.microsoft.com/office/drawing/2014/main" id="{1224B2B1-DBD8-4BA8-8CEB-BFAC8A15D336}"/>
-                </a:ext>
-                <a:ext uri="{C183D7F6-B498-43B3-948B-1728B52AA6E4}">
-                  <adec:decorative xmlns:adec="http://schemas.microsoft.com/office/drawing/2017/decorative" val="1"/>
-                </a:ext>
-              </a:extLst>
-            </p:cNvPr>
+            <p:cNvPr id="215" name="Straight Connector 214"/>
             <p:cNvCxnSpPr/>
-            <p:nvPr>
-              <p:extLst>
-                <p:ext uri="{386F3935-93C4-4BCD-93E2-E3B085C9AB24}">
-                  <p16:designElem xmlns:p16="http://schemas.microsoft.com/office/powerpoint/2015/main" val="1"/>
-                </p:ext>
-              </p:extLst>
-            </p:nvPr>
+            <p:nvPr/>
           </p:nvCxnSpPr>
           <p:spPr>
             <a:xfrm rot="-6480000" flipH="1">
@@ -12361,24 +11124,9 @@
         </p:cxnSp>
         <p:cxnSp>
           <p:nvCxnSpPr>
-            <p:cNvPr id="216" name="Straight Connector 215">
-              <a:extLst>
-                <a:ext uri="{FF2B5EF4-FFF2-40B4-BE49-F238E27FC236}">
-                  <a16:creationId xmlns:a16="http://schemas.microsoft.com/office/drawing/2014/main" id="{4DEFE1E7-69A3-47F5-B8B8-C0898281B6AF}"/>
-                </a:ext>
-                <a:ext uri="{C183D7F6-B498-43B3-948B-1728B52AA6E4}">
-                  <adec:decorative xmlns:adec="http://schemas.microsoft.com/office/drawing/2017/decorative" val="1"/>
-                </a:ext>
-              </a:extLst>
-            </p:cNvPr>
+            <p:cNvPr id="216" name="Straight Connector 215"/>
             <p:cNvCxnSpPr/>
-            <p:nvPr>
-              <p:extLst>
-                <p:ext uri="{386F3935-93C4-4BCD-93E2-E3B085C9AB24}">
-                  <p16:designElem xmlns:p16="http://schemas.microsoft.com/office/powerpoint/2015/main" val="1"/>
-                </p:ext>
-              </p:extLst>
-            </p:nvPr>
+            <p:nvPr/>
           </p:nvCxnSpPr>
           <p:spPr>
             <a:xfrm rot="-6660000" flipH="1">
@@ -12413,24 +11161,9 @@
         </p:cxnSp>
         <p:cxnSp>
           <p:nvCxnSpPr>
-            <p:cNvPr id="217" name="Straight Connector 216">
-              <a:extLst>
-                <a:ext uri="{FF2B5EF4-FFF2-40B4-BE49-F238E27FC236}">
-                  <a16:creationId xmlns:a16="http://schemas.microsoft.com/office/drawing/2014/main" id="{66F1F489-762E-4979-9EBC-50A62330B8ED}"/>
-                </a:ext>
-                <a:ext uri="{C183D7F6-B498-43B3-948B-1728B52AA6E4}">
-                  <adec:decorative xmlns:adec="http://schemas.microsoft.com/office/drawing/2017/decorative" val="1"/>
-                </a:ext>
-              </a:extLst>
-            </p:cNvPr>
+            <p:cNvPr id="217" name="Straight Connector 216"/>
             <p:cNvCxnSpPr/>
-            <p:nvPr>
-              <p:extLst>
-                <p:ext uri="{386F3935-93C4-4BCD-93E2-E3B085C9AB24}">
-                  <p16:designElem xmlns:p16="http://schemas.microsoft.com/office/powerpoint/2015/main" val="1"/>
-                </p:ext>
-              </p:extLst>
-            </p:nvPr>
+            <p:nvPr/>
           </p:nvCxnSpPr>
           <p:spPr>
             <a:xfrm rot="-6780000" flipH="1">
@@ -12465,24 +11198,9 @@
         </p:cxnSp>
         <p:cxnSp>
           <p:nvCxnSpPr>
-            <p:cNvPr id="218" name="Straight Connector 217">
-              <a:extLst>
-                <a:ext uri="{FF2B5EF4-FFF2-40B4-BE49-F238E27FC236}">
-                  <a16:creationId xmlns:a16="http://schemas.microsoft.com/office/drawing/2014/main" id="{927DF22C-20E6-4DED-B405-1B26C521863F}"/>
-                </a:ext>
-                <a:ext uri="{C183D7F6-B498-43B3-948B-1728B52AA6E4}">
-                  <adec:decorative xmlns:adec="http://schemas.microsoft.com/office/drawing/2017/decorative" val="1"/>
-                </a:ext>
-              </a:extLst>
-            </p:cNvPr>
+            <p:cNvPr id="218" name="Straight Connector 217"/>
             <p:cNvCxnSpPr/>
-            <p:nvPr>
-              <p:extLst>
-                <p:ext uri="{386F3935-93C4-4BCD-93E2-E3B085C9AB24}">
-                  <p16:designElem xmlns:p16="http://schemas.microsoft.com/office/powerpoint/2015/main" val="1"/>
-                </p:ext>
-              </p:extLst>
-            </p:nvPr>
+            <p:nvPr/>
           </p:nvCxnSpPr>
           <p:spPr>
             <a:xfrm rot="-6900000" flipH="1">
@@ -12517,24 +11235,9 @@
         </p:cxnSp>
         <p:cxnSp>
           <p:nvCxnSpPr>
-            <p:cNvPr id="219" name="Straight Connector 218">
-              <a:extLst>
-                <a:ext uri="{FF2B5EF4-FFF2-40B4-BE49-F238E27FC236}">
-                  <a16:creationId xmlns:a16="http://schemas.microsoft.com/office/drawing/2014/main" id="{236FD8D7-6E0F-468E-B8C4-F4E6707112A5}"/>
-                </a:ext>
-                <a:ext uri="{C183D7F6-B498-43B3-948B-1728B52AA6E4}">
-                  <adec:decorative xmlns:adec="http://schemas.microsoft.com/office/drawing/2017/decorative" val="1"/>
-                </a:ext>
-              </a:extLst>
-            </p:cNvPr>
+            <p:cNvPr id="219" name="Straight Connector 218"/>
             <p:cNvCxnSpPr/>
-            <p:nvPr>
-              <p:extLst>
-                <p:ext uri="{386F3935-93C4-4BCD-93E2-E3B085C9AB24}">
-                  <p16:designElem xmlns:p16="http://schemas.microsoft.com/office/powerpoint/2015/main" val="1"/>
-                </p:ext>
-              </p:extLst>
-            </p:nvPr>
+            <p:nvPr/>
           </p:nvCxnSpPr>
           <p:spPr>
             <a:xfrm rot="-7020000" flipH="1">
@@ -12604,7 +11307,7 @@
                 <a:schemeClr val="dk1"/>
               </a:buClr>
               <a:buSzPts val="6000"/>
-              <a:buFont typeface="Calibri"/>
+              <a:buFont typeface="Calibri" panose="020F0502020204030204"/>
               <a:buNone/>
             </a:pPr>
             <a:r>
@@ -12660,6 +11363,7 @@
               <a:rPr lang="en-CA" sz="1300" dirty="0"/>
               <a:t>By: Shamil, Richard, Raphael</a:t>
             </a:r>
+            <a:endParaRPr lang="en-CA" sz="1300" dirty="0"/>
           </a:p>
           <a:p>
             <a:pPr marL="0" lvl="0" indent="0" rtl="0">
@@ -12682,6 +11386,7 @@
               <a:rPr lang="en-CA" sz="1300" dirty="0"/>
               <a:t>3253 –Machine Learning</a:t>
             </a:r>
+            <a:endParaRPr lang="en-CA" sz="1300" dirty="0"/>
           </a:p>
           <a:p>
             <a:pPr marL="0" lvl="0" indent="0" rtl="0">
@@ -12704,6 +11409,7 @@
               <a:rPr lang="en-CA" sz="1300" dirty="0"/>
               <a:t>Date: December 03, 2019</a:t>
             </a:r>
+            <a:endParaRPr lang="en-CA" sz="1300" dirty="0"/>
           </a:p>
         </p:txBody>
       </p:sp>
@@ -12715,21 +11421,23 @@
 </p:sld>
 </file>
 
-<file path=ppt/slides/slide2.xml><?xml version="1.0" encoding="utf-8"?>
+<file path=ppt/slides/slide10.xml><?xml version="1.0" encoding="utf-8"?>
 <p:sld xmlns:a="http://schemas.openxmlformats.org/drawingml/2006/main" xmlns:r="http://schemas.openxmlformats.org/officeDocument/2006/relationships" xmlns:p="http://schemas.openxmlformats.org/presentationml/2006/main">
   <p:cSld>
     <p:bg>
       <p:bgPr>
         <a:blipFill>
-          <a:blip r:embed="rId3"/>
-          <a:stretch/>
+          <a:blip r:embed="rId1"/>
+          <a:stretch>
+            <a:fillRect/>
+          </a:stretch>
         </a:blipFill>
         <a:effectLst/>
       </p:bgPr>
     </p:bg>
     <p:spTree>
       <p:nvGrpSpPr>
-        <p:cNvPr id="1" name="Shape 94"/>
+        <p:cNvPr id="1" name="Shape 106"/>
         <p:cNvGrpSpPr/>
         <p:nvPr/>
       </p:nvGrpSpPr>
@@ -12743,26 +11451,11 @@
       </p:grpSpPr>
       <p:sp useBgFill="1">
         <p:nvSpPr>
-          <p:cNvPr id="135" name="Rectangle 134">
-            <a:extLst>
-              <a:ext uri="{FF2B5EF4-FFF2-40B4-BE49-F238E27FC236}">
-                <a16:creationId xmlns:a16="http://schemas.microsoft.com/office/drawing/2014/main" id="{CBD94887-6A10-4F62-8EE1-B2BCFA1F380F}"/>
-              </a:ext>
-              <a:ext uri="{C183D7F6-B498-43B3-948B-1728B52AA6E4}">
-                <adec:decorative xmlns:adec="http://schemas.microsoft.com/office/drawing/2017/decorative" val="1"/>
-              </a:ext>
-            </a:extLst>
-          </p:cNvPr>
+          <p:cNvPr id="135" name="Rectangle 134"/>
           <p:cNvSpPr>
             <a:spLocks noGrp="1" noRot="1" noChangeAspect="1" noMove="1" noResize="1" noEditPoints="1" noAdjustHandles="1" noChangeArrowheads="1" noChangeShapeType="1" noTextEdit="1"/>
           </p:cNvSpPr>
-          <p:nvPr>
-            <p:extLst>
-              <p:ext uri="{386F3935-93C4-4BCD-93E2-E3B085C9AB24}">
-                <p16:designElem xmlns:p16="http://schemas.microsoft.com/office/powerpoint/2015/main" val="1"/>
-              </p:ext>
-            </p:extLst>
-          </p:nvPr>
+          <p:nvPr/>
         </p:nvSpPr>
         <p:spPr>
           <a:xfrm>
@@ -12803,20 +11496,911 @@
       </p:sp>
       <p:pic>
         <p:nvPicPr>
-          <p:cNvPr id="2050" name="Picture 2" descr="Image result for gas">
-            <a:extLst>
-              <a:ext uri="{FF2B5EF4-FFF2-40B4-BE49-F238E27FC236}">
-                <a16:creationId xmlns:a16="http://schemas.microsoft.com/office/drawing/2014/main" id="{4A0B4FC5-2E88-4C11-91D7-B56A927DCB54}"/>
-              </a:ext>
-            </a:extLst>
-          </p:cNvPr>
+          <p:cNvPr id="5122" name="Picture 2" descr="Image result for Neural Network"/>
           <p:cNvPicPr>
             <a:picLocks noChangeAspect="1" noChangeArrowheads="1"/>
           </p:cNvPicPr>
           <p:nvPr/>
         </p:nvPicPr>
         <p:blipFill rotWithShape="1">
-          <a:blip r:embed="rId4">
+          <a:blip r:embed="rId2">
+            <a:alphaModFix amt="20000"/>
+            <a:extLst>
+              <a:ext uri="{28A0092B-C50C-407E-A947-70E740481C1C}">
+                <a14:useLocalDpi xmlns:a14="http://schemas.microsoft.com/office/drawing/2010/main" val="0"/>
+              </a:ext>
+            </a:extLst>
+          </a:blip>
+          <a:srcRect t="1681" b="4569"/>
+          <a:stretch>
+            <a:fillRect/>
+          </a:stretch>
+        </p:blipFill>
+        <p:spPr bwMode="auto">
+          <a:xfrm>
+            <a:off x="20" y="10"/>
+            <a:ext cx="12191980" cy="6857990"/>
+          </a:xfrm>
+          <a:prstGeom prst="rect">
+            <a:avLst/>
+          </a:prstGeom>
+          <a:noFill/>
+          <a:extLst>
+            <a:ext uri="{909E8E84-426E-40DD-AFC4-6F175D3DCCD1}">
+              <a14:hiddenFill xmlns:a14="http://schemas.microsoft.com/office/drawing/2010/main">
+                <a:solidFill>
+                  <a:srgbClr val="FFFFFF"/>
+                </a:solidFill>
+              </a14:hiddenFill>
+            </a:ext>
+          </a:extLst>
+        </p:spPr>
+      </p:pic>
+      <p:pic>
+        <p:nvPicPr>
+          <p:cNvPr id="137" name="Picture 136"/>
+          <p:cNvPicPr>
+            <a:picLocks noGrp="1" noRot="1" noChangeAspect="1" noMove="1" noResize="1" noEditPoints="1" noAdjustHandles="1" noChangeArrowheads="1" noChangeShapeType="1" noCrop="1"/>
+          </p:cNvPicPr>
+          <p:nvPr/>
+        </p:nvPicPr>
+        <p:blipFill>
+          <a:blip r:embed="rId3">
+            <a:alphaModFix amt="39000"/>
+            <a:extLst>
+              <a:ext uri="{28A0092B-C50C-407E-A947-70E740481C1C}">
+                <a14:useLocalDpi xmlns:a14="http://schemas.microsoft.com/office/drawing/2010/main" val="0"/>
+              </a:ext>
+            </a:extLst>
+          </a:blip>
+          <a:stretch>
+            <a:fillRect/>
+          </a:stretch>
+        </p:blipFill>
+        <p:spPr>
+          <a:xfrm>
+            <a:off x="-3175" y="1905"/>
+            <a:ext cx="12188825" cy="6856214"/>
+          </a:xfrm>
+          <a:prstGeom prst="rect">
+            <a:avLst/>
+          </a:prstGeom>
+        </p:spPr>
+      </p:pic>
+      <p:sp>
+        <p:nvSpPr>
+          <p:cNvPr id="107" name="Google Shape;107;p16"/>
+          <p:cNvSpPr txBox="1">
+            <a:spLocks noGrp="1"/>
+          </p:cNvSpPr>
+          <p:nvPr>
+            <p:ph type="title"/>
+          </p:nvPr>
+        </p:nvSpPr>
+        <p:spPr>
+          <a:prstGeom prst="rect">
+            <a:avLst/>
+          </a:prstGeom>
+        </p:spPr>
+        <p:txBody>
+          <a:bodyPr spcFirstLastPara="1" lIns="91425" tIns="45700" rIns="91425" bIns="45700" anchorCtr="0">
+            <a:normAutofit/>
+          </a:bodyPr>
+          <a:lstStyle/>
+          <a:p>
+            <a:pPr marL="0" lvl="0" indent="0" rtl="0">
+              <a:spcBef>
+                <a:spcPts val="0"/>
+              </a:spcBef>
+              <a:spcAft>
+                <a:spcPts val="0"/>
+              </a:spcAft>
+              <a:buClr>
+                <a:schemeClr val="dk1"/>
+              </a:buClr>
+              <a:buSzPts val="4400"/>
+              <a:buFont typeface="Calibri" panose="020F0502020204030204"/>
+              <a:buNone/>
+            </a:pPr>
+            <a:r>
+              <a:rPr lang="en-CA" b="1" dirty="0"/>
+              <a:t>Conclusion</a:t>
+            </a:r>
+            <a:endParaRPr lang="en-US" b="1"/>
+          </a:p>
+        </p:txBody>
+      </p:sp>
+      <p:sp>
+        <p:nvSpPr>
+          <p:cNvPr id="108" name="Google Shape;108;p16"/>
+          <p:cNvSpPr txBox="1">
+            <a:spLocks noGrp="1"/>
+          </p:cNvSpPr>
+          <p:nvPr>
+            <p:ph sz="half" idx="1"/>
+          </p:nvPr>
+        </p:nvSpPr>
+        <p:spPr>
+          <a:prstGeom prst="rect">
+            <a:avLst/>
+          </a:prstGeom>
+        </p:spPr>
+        <p:txBody>
+          <a:bodyPr spcFirstLastPara="1" lIns="91425" tIns="45700" rIns="91425" bIns="45700" anchorCtr="0">
+            <a:normAutofit/>
+          </a:bodyPr>
+          <a:lstStyle/>
+          <a:p>
+            <a:r>
+              <a:rPr lang="en-US"/>
+              <a:t>It is important for use to make sure we can predict as many Ozone Days as possible. </a:t>
+            </a:r>
+            <a:endParaRPr lang="en-US"/>
+          </a:p>
+          <a:p>
+            <a:pPr lvl="1"/>
+            <a:r>
+              <a:rPr lang="en-US"/>
+              <a:t>This is because of the health effects due to the Ozone. </a:t>
+            </a:r>
+            <a:endParaRPr lang="en-US"/>
+          </a:p>
+          <a:p>
+            <a:r>
+              <a:rPr lang="en-US"/>
+              <a:t>Hence, we have chosen to use the Neural Network even though we have a lower precision compared to some of the other</a:t>
+            </a:r>
+            <a:endParaRPr lang="en-US"/>
+          </a:p>
+        </p:txBody>
+      </p:sp>
+      <p:graphicFrame>
+        <p:nvGraphicFramePr>
+          <p:cNvPr id="5" name="Content Placeholder 4"/>
+          <p:cNvGraphicFramePr/>
+          <p:nvPr>
+            <p:ph sz="half" idx="2"/>
+          </p:nvPr>
+        </p:nvGraphicFramePr>
+        <p:xfrm>
+          <a:off x="5882005" y="2586990"/>
+          <a:ext cx="5867400" cy="2538095"/>
+        </p:xfrm>
+        <a:graphic>
+          <a:graphicData uri="http://schemas.openxmlformats.org/drawingml/2006/table">
+            <a:tbl>
+              <a:tblPr firstRow="1" bandRow="1">
+                <a:tableStyleId>{5C22544A-7EE6-4342-B048-85BDC9FD1C3A}</a:tableStyleId>
+              </a:tblPr>
+              <a:tblGrid>
+                <a:gridCol w="1052830"/>
+                <a:gridCol w="1173480"/>
+                <a:gridCol w="1294130"/>
+                <a:gridCol w="1173480"/>
+                <a:gridCol w="1173480"/>
+              </a:tblGrid>
+              <a:tr h="942975">
+                <a:tc>
+                  <a:txBody>
+                    <a:bodyPr/>
+                    <a:p>
+                      <a:pPr>
+                        <a:buNone/>
+                      </a:pPr>
+                      <a:endParaRPr lang="en-US">
+                        <a:solidFill>
+                          <a:schemeClr val="tx1"/>
+                        </a:solidFill>
+                      </a:endParaRPr>
+                    </a:p>
+                  </a:txBody>
+                  <a:tcPr/>
+                </a:tc>
+                <a:tc>
+                  <a:txBody>
+                    <a:bodyPr/>
+                    <a:p>
+                      <a:pPr>
+                        <a:buNone/>
+                      </a:pPr>
+                      <a:r>
+                        <a:rPr lang="en-CA" altLang="en-US">
+                          <a:solidFill>
+                            <a:schemeClr val="tx1"/>
+                          </a:solidFill>
+                        </a:rPr>
+                        <a:t>Gaussian NB</a:t>
+                      </a:r>
+                      <a:endParaRPr lang="en-CA" altLang="en-US">
+                        <a:solidFill>
+                          <a:schemeClr val="tx1"/>
+                        </a:solidFill>
+                      </a:endParaRPr>
+                    </a:p>
+                  </a:txBody>
+                  <a:tcPr/>
+                </a:tc>
+                <a:tc>
+                  <a:txBody>
+                    <a:bodyPr/>
+                    <a:p>
+                      <a:pPr>
+                        <a:buNone/>
+                      </a:pPr>
+                      <a:r>
+                        <a:rPr lang="en-CA" altLang="en-US">
+                          <a:solidFill>
+                            <a:schemeClr val="tx1"/>
+                          </a:solidFill>
+                        </a:rPr>
+                        <a:t>Logistic </a:t>
+                      </a:r>
+                      <a:endParaRPr lang="en-CA" altLang="en-US">
+                        <a:solidFill>
+                          <a:schemeClr val="tx1"/>
+                        </a:solidFill>
+                      </a:endParaRPr>
+                    </a:p>
+                    <a:p>
+                      <a:pPr>
+                        <a:buNone/>
+                      </a:pPr>
+                      <a:r>
+                        <a:rPr lang="en-CA" altLang="en-US">
+                          <a:solidFill>
+                            <a:schemeClr val="tx1"/>
+                          </a:solidFill>
+                        </a:rPr>
+                        <a:t>Regression </a:t>
+                      </a:r>
+                      <a:endParaRPr lang="en-CA" altLang="en-US">
+                        <a:solidFill>
+                          <a:schemeClr val="tx1"/>
+                        </a:solidFill>
+                      </a:endParaRPr>
+                    </a:p>
+                    <a:p>
+                      <a:pPr>
+                        <a:buNone/>
+                      </a:pPr>
+                      <a:r>
+                        <a:rPr lang="en-CA" altLang="en-US">
+                          <a:solidFill>
+                            <a:schemeClr val="tx1"/>
+                          </a:solidFill>
+                        </a:rPr>
+                        <a:t>Classifier</a:t>
+                      </a:r>
+                      <a:endParaRPr lang="en-CA" altLang="en-US">
+                        <a:solidFill>
+                          <a:schemeClr val="tx1"/>
+                        </a:solidFill>
+                      </a:endParaRPr>
+                    </a:p>
+                  </a:txBody>
+                  <a:tcPr/>
+                </a:tc>
+                <a:tc>
+                  <a:txBody>
+                    <a:bodyPr/>
+                    <a:p>
+                      <a:pPr>
+                        <a:buNone/>
+                      </a:pPr>
+                      <a:r>
+                        <a:rPr lang="en-CA" altLang="en-US">
+                          <a:solidFill>
+                            <a:schemeClr val="tx1"/>
+                          </a:solidFill>
+                        </a:rPr>
+                        <a:t>Neural</a:t>
+                      </a:r>
+                      <a:endParaRPr lang="en-CA" altLang="en-US">
+                        <a:solidFill>
+                          <a:schemeClr val="tx1"/>
+                        </a:solidFill>
+                      </a:endParaRPr>
+                    </a:p>
+                    <a:p>
+                      <a:pPr>
+                        <a:buNone/>
+                      </a:pPr>
+                      <a:r>
+                        <a:rPr lang="en-CA" altLang="en-US">
+                          <a:solidFill>
+                            <a:schemeClr val="tx1"/>
+                          </a:solidFill>
+                        </a:rPr>
+                        <a:t>Network</a:t>
+                      </a:r>
+                      <a:endParaRPr lang="en-CA" altLang="en-US">
+                        <a:solidFill>
+                          <a:schemeClr val="tx1"/>
+                        </a:solidFill>
+                      </a:endParaRPr>
+                    </a:p>
+                    <a:p>
+                      <a:pPr>
+                        <a:buNone/>
+                      </a:pPr>
+                      <a:r>
+                        <a:rPr lang="en-CA" altLang="en-US">
+                          <a:solidFill>
+                            <a:schemeClr val="tx1"/>
+                          </a:solidFill>
+                        </a:rPr>
+                        <a:t>Classifier</a:t>
+                      </a:r>
+                      <a:endParaRPr lang="en-CA" altLang="en-US">
+                        <a:solidFill>
+                          <a:schemeClr val="tx1"/>
+                        </a:solidFill>
+                      </a:endParaRPr>
+                    </a:p>
+                  </a:txBody>
+                  <a:tcPr/>
+                </a:tc>
+                <a:tc>
+                  <a:txBody>
+                    <a:bodyPr/>
+                    <a:p>
+                      <a:pPr>
+                        <a:buNone/>
+                      </a:pPr>
+                      <a:r>
+                        <a:rPr lang="en-CA" altLang="en-US">
+                          <a:solidFill>
+                            <a:schemeClr val="tx1"/>
+                          </a:solidFill>
+                        </a:rPr>
+                        <a:t>Voting </a:t>
+                      </a:r>
+                      <a:endParaRPr lang="en-CA" altLang="en-US">
+                        <a:solidFill>
+                          <a:schemeClr val="tx1"/>
+                        </a:solidFill>
+                      </a:endParaRPr>
+                    </a:p>
+                    <a:p>
+                      <a:pPr>
+                        <a:buNone/>
+                      </a:pPr>
+                      <a:r>
+                        <a:rPr lang="en-CA" altLang="en-US">
+                          <a:solidFill>
+                            <a:schemeClr val="tx1"/>
+                          </a:solidFill>
+                        </a:rPr>
+                        <a:t>Classifier</a:t>
+                      </a:r>
+                      <a:endParaRPr lang="en-CA" altLang="en-US">
+                        <a:solidFill>
+                          <a:schemeClr val="tx1"/>
+                        </a:solidFill>
+                      </a:endParaRPr>
+                    </a:p>
+                  </a:txBody>
+                  <a:tcPr/>
+                </a:tc>
+              </a:tr>
+              <a:tr h="797560">
+                <a:tc>
+                  <a:txBody>
+                    <a:bodyPr/>
+                    <a:p>
+                      <a:pPr>
+                        <a:buNone/>
+                      </a:pPr>
+                      <a:r>
+                        <a:rPr lang="en-CA" altLang="en-US">
+                          <a:solidFill>
+                            <a:schemeClr val="tx1"/>
+                          </a:solidFill>
+                        </a:rPr>
+                        <a:t>Precision</a:t>
+                      </a:r>
+                      <a:endParaRPr lang="en-CA" altLang="en-US">
+                        <a:solidFill>
+                          <a:schemeClr val="tx1"/>
+                        </a:solidFill>
+                      </a:endParaRPr>
+                    </a:p>
+                  </a:txBody>
+                  <a:tcPr/>
+                </a:tc>
+                <a:tc>
+                  <a:txBody>
+                    <a:bodyPr/>
+                    <a:p>
+                      <a:pPr>
+                        <a:buNone/>
+                      </a:pPr>
+                      <a:r>
+                        <a:rPr lang="en-US">
+                          <a:solidFill>
+                            <a:schemeClr val="tx1"/>
+                          </a:solidFill>
+                        </a:rPr>
+                        <a:t>0.613547</a:t>
+                      </a:r>
+                      <a:endParaRPr lang="en-US">
+                        <a:solidFill>
+                          <a:schemeClr val="tx1"/>
+                        </a:solidFill>
+                      </a:endParaRPr>
+                    </a:p>
+                  </a:txBody>
+                  <a:tcPr/>
+                </a:tc>
+                <a:tc>
+                  <a:txBody>
+                    <a:bodyPr/>
+                    <a:p>
+                      <a:pPr>
+                        <a:buNone/>
+                      </a:pPr>
+                      <a:r>
+                        <a:rPr lang="en-US">
+                          <a:solidFill>
+                            <a:schemeClr val="tx1"/>
+                          </a:solidFill>
+                        </a:rPr>
+                        <a:t>0.620214</a:t>
+                      </a:r>
+                      <a:endParaRPr lang="en-US">
+                        <a:solidFill>
+                          <a:schemeClr val="tx1"/>
+                        </a:solidFill>
+                      </a:endParaRPr>
+                    </a:p>
+                  </a:txBody>
+                  <a:tcPr/>
+                </a:tc>
+                <a:tc>
+                  <a:txBody>
+                    <a:bodyPr/>
+                    <a:p>
+                      <a:pPr>
+                        <a:buNone/>
+                      </a:pPr>
+                      <a:r>
+                        <a:rPr lang="en-US">
+                          <a:solidFill>
+                            <a:schemeClr val="tx1"/>
+                          </a:solidFill>
+                        </a:rPr>
+                        <a:t>0.578056</a:t>
+                      </a:r>
+                      <a:endParaRPr lang="en-US">
+                        <a:solidFill>
+                          <a:schemeClr val="tx1"/>
+                        </a:solidFill>
+                      </a:endParaRPr>
+                    </a:p>
+                  </a:txBody>
+                  <a:tcPr/>
+                </a:tc>
+                <a:tc>
+                  <a:txBody>
+                    <a:bodyPr/>
+                    <a:p>
+                      <a:pPr>
+                        <a:buNone/>
+                      </a:pPr>
+                      <a:r>
+                        <a:rPr lang="en-US">
+                          <a:solidFill>
+                            <a:schemeClr val="tx1"/>
+                          </a:solidFill>
+                        </a:rPr>
+                        <a:t>0.671958</a:t>
+                      </a:r>
+                      <a:endParaRPr lang="en-US">
+                        <a:solidFill>
+                          <a:schemeClr val="tx1"/>
+                        </a:solidFill>
+                      </a:endParaRPr>
+                    </a:p>
+                  </a:txBody>
+                  <a:tcPr/>
+                </a:tc>
+              </a:tr>
+              <a:tr h="797560">
+                <a:tc>
+                  <a:txBody>
+                    <a:bodyPr/>
+                    <a:p>
+                      <a:pPr>
+                        <a:buNone/>
+                      </a:pPr>
+                      <a:r>
+                        <a:rPr lang="en-CA" altLang="en-US">
+                          <a:solidFill>
+                            <a:schemeClr val="tx1"/>
+                          </a:solidFill>
+                        </a:rPr>
+                        <a:t>Recall</a:t>
+                      </a:r>
+                      <a:endParaRPr lang="en-CA" altLang="en-US">
+                        <a:solidFill>
+                          <a:schemeClr val="tx1"/>
+                        </a:solidFill>
+                      </a:endParaRPr>
+                    </a:p>
+                  </a:txBody>
+                  <a:tcPr/>
+                </a:tc>
+                <a:tc>
+                  <a:txBody>
+                    <a:bodyPr/>
+                    <a:p>
+                      <a:pPr>
+                        <a:buNone/>
+                      </a:pPr>
+                      <a:r>
+                        <a:rPr lang="en-US">
+                          <a:solidFill>
+                            <a:schemeClr val="tx1"/>
+                          </a:solidFill>
+                        </a:rPr>
+                        <a:t>0.300000</a:t>
+                      </a:r>
+                      <a:endParaRPr lang="en-US">
+                        <a:solidFill>
+                          <a:schemeClr val="tx1"/>
+                        </a:solidFill>
+                      </a:endParaRPr>
+                    </a:p>
+                  </a:txBody>
+                  <a:tcPr/>
+                </a:tc>
+                <a:tc>
+                  <a:txBody>
+                    <a:bodyPr/>
+                    <a:p>
+                      <a:pPr>
+                        <a:buNone/>
+                      </a:pPr>
+                      <a:r>
+                        <a:rPr lang="en-US">
+                          <a:solidFill>
+                            <a:schemeClr val="tx1"/>
+                          </a:solidFill>
+                        </a:rPr>
+                        <a:t>0.300000</a:t>
+                      </a:r>
+                      <a:endParaRPr lang="en-US">
+                        <a:solidFill>
+                          <a:schemeClr val="tx1"/>
+                        </a:solidFill>
+                      </a:endParaRPr>
+                    </a:p>
+                  </a:txBody>
+                  <a:tcPr/>
+                </a:tc>
+                <a:tc>
+                  <a:txBody>
+                    <a:bodyPr/>
+                    <a:p>
+                      <a:pPr>
+                        <a:buNone/>
+                      </a:pPr>
+                      <a:r>
+                        <a:rPr lang="en-US">
+                          <a:solidFill>
+                            <a:schemeClr val="tx1"/>
+                          </a:solidFill>
+                        </a:rPr>
+                        <a:t>0.602778</a:t>
+                      </a:r>
+                      <a:endParaRPr lang="en-US">
+                        <a:solidFill>
+                          <a:schemeClr val="tx1"/>
+                        </a:solidFill>
+                      </a:endParaRPr>
+                    </a:p>
+                  </a:txBody>
+                  <a:tcPr/>
+                </a:tc>
+                <a:tc>
+                  <a:txBody>
+                    <a:bodyPr/>
+                    <a:p>
+                      <a:pPr>
+                        <a:buNone/>
+                      </a:pPr>
+                      <a:r>
+                        <a:rPr lang="en-US">
+                          <a:solidFill>
+                            <a:schemeClr val="tx1"/>
+                          </a:solidFill>
+                        </a:rPr>
+                        <a:t>0.350000</a:t>
+                      </a:r>
+                      <a:endParaRPr lang="en-US">
+                        <a:solidFill>
+                          <a:schemeClr val="tx1"/>
+                        </a:solidFill>
+                      </a:endParaRPr>
+                    </a:p>
+                  </a:txBody>
+                  <a:tcPr/>
+                </a:tc>
+              </a:tr>
+            </a:tbl>
+          </a:graphicData>
+        </a:graphic>
+      </p:graphicFrame>
+    </p:spTree>
+  </p:cSld>
+  <p:clrMapOvr>
+    <a:masterClrMapping/>
+  </p:clrMapOvr>
+</p:sld>
+</file>
+
+<file path=ppt/slides/slide11.xml><?xml version="1.0" encoding="utf-8"?>
+<p:sld xmlns:a="http://schemas.openxmlformats.org/drawingml/2006/main" xmlns:r="http://schemas.openxmlformats.org/officeDocument/2006/relationships" xmlns:p="http://schemas.openxmlformats.org/presentationml/2006/main">
+  <p:cSld>
+    <p:spTree>
+      <p:nvGrpSpPr>
+        <p:cNvPr id="1" name="Shape 112"/>
+        <p:cNvGrpSpPr/>
+        <p:nvPr/>
+      </p:nvGrpSpPr>
+      <p:grpSpPr>
+        <a:xfrm>
+          <a:off x="0" y="0"/>
+          <a:ext cx="0" cy="0"/>
+          <a:chOff x="0" y="0"/>
+          <a:chExt cx="0" cy="0"/>
+        </a:xfrm>
+      </p:grpSpPr>
+      <p:sp>
+        <p:nvSpPr>
+          <p:cNvPr id="113" name="Google Shape;113;p17"/>
+          <p:cNvSpPr txBox="1">
+            <a:spLocks noGrp="1"/>
+          </p:cNvSpPr>
+          <p:nvPr>
+            <p:ph type="title"/>
+          </p:nvPr>
+        </p:nvSpPr>
+        <p:spPr>
+          <a:xfrm>
+            <a:off x="838200" y="365126"/>
+            <a:ext cx="10515600" cy="1117446"/>
+          </a:xfrm>
+          <a:prstGeom prst="rect">
+            <a:avLst/>
+          </a:prstGeom>
+          <a:noFill/>
+          <a:ln>
+            <a:noFill/>
+          </a:ln>
+        </p:spPr>
+        <p:txBody>
+          <a:bodyPr spcFirstLastPara="1" wrap="square" lIns="91425" tIns="45700" rIns="91425" bIns="45700" anchor="ctr" anchorCtr="0">
+            <a:noAutofit/>
+          </a:bodyPr>
+          <a:lstStyle/>
+          <a:p>
+            <a:pPr marL="0" lvl="0" indent="0" algn="l" rtl="0">
+              <a:lnSpc>
+                <a:spcPct val="90000"/>
+              </a:lnSpc>
+              <a:spcBef>
+                <a:spcPts val="0"/>
+              </a:spcBef>
+              <a:spcAft>
+                <a:spcPts val="0"/>
+              </a:spcAft>
+              <a:buClr>
+                <a:schemeClr val="dk1"/>
+              </a:buClr>
+              <a:buSzPts val="4400"/>
+              <a:buFont typeface="Calibri" panose="020F0502020204030204"/>
+              <a:buNone/>
+            </a:pPr>
+            <a:r>
+              <a:rPr lang="en-CA" b="1"/>
+              <a:t>Reference</a:t>
+            </a:r>
+            <a:endParaRPr b="1"/>
+          </a:p>
+        </p:txBody>
+      </p:sp>
+      <p:sp>
+        <p:nvSpPr>
+          <p:cNvPr id="114" name="Google Shape;114;p17"/>
+          <p:cNvSpPr txBox="1">
+            <a:spLocks noGrp="1"/>
+          </p:cNvSpPr>
+          <p:nvPr>
+            <p:ph idx="1"/>
+          </p:nvPr>
+        </p:nvSpPr>
+        <p:spPr>
+          <a:xfrm>
+            <a:off x="838200" y="1482572"/>
+            <a:ext cx="10515600" cy="4694391"/>
+          </a:xfrm>
+          <a:prstGeom prst="rect">
+            <a:avLst/>
+          </a:prstGeom>
+          <a:noFill/>
+          <a:ln>
+            <a:noFill/>
+          </a:ln>
+        </p:spPr>
+        <p:txBody>
+          <a:bodyPr spcFirstLastPara="1" wrap="square" lIns="91425" tIns="45700" rIns="91425" bIns="45700" anchor="t" anchorCtr="0">
+            <a:noAutofit/>
+          </a:bodyPr>
+          <a:lstStyle/>
+          <a:p>
+            <a:pPr marL="228600" lvl="0" indent="-228600" algn="l" rtl="0">
+              <a:lnSpc>
+                <a:spcPct val="90000"/>
+              </a:lnSpc>
+              <a:spcBef>
+                <a:spcPts val="0"/>
+              </a:spcBef>
+              <a:spcAft>
+                <a:spcPts val="0"/>
+              </a:spcAft>
+              <a:buSzPts val="2800"/>
+              <a:buChar char="•"/>
+            </a:pPr>
+            <a:r>
+              <a:rPr lang="en-CA"/>
+              <a:t>Zhang K, Fan W, Yuan X (2008). </a:t>
+            </a:r>
+            <a:r>
+              <a:rPr lang="en-CA" i="1"/>
+              <a:t>Forecasting skewed biased stochastic ozone days: analyses, solutions and beyond, Knowledge and Information Systems. </a:t>
+            </a:r>
+            <a:r>
+              <a:rPr lang="en-CA"/>
+              <a:t>Department of Computer Science, Xavier University. Retrieved from </a:t>
+            </a:r>
+            <a:r>
+              <a:rPr lang="en-CA" sz="2400" u="sng">
+                <a:solidFill>
+                  <a:schemeClr val="hlink"/>
+                </a:solidFill>
+                <a:hlinkClick r:id="rId1"/>
+              </a:rPr>
+              <a:t>http://citeseerx.ist.psu.edu/viewdoc/download?doi=10.1.1.435.8329&amp;rep=rep1&amp;type=pdf</a:t>
+            </a:r>
+            <a:endParaRPr sz="2300"/>
+          </a:p>
+          <a:p>
+            <a:pPr marL="228600" lvl="0" indent="0" algn="l" rtl="0">
+              <a:lnSpc>
+                <a:spcPct val="90000"/>
+              </a:lnSpc>
+              <a:spcBef>
+                <a:spcPts val="0"/>
+              </a:spcBef>
+              <a:spcAft>
+                <a:spcPts val="0"/>
+              </a:spcAft>
+              <a:buNone/>
+            </a:pPr>
+            <a:endParaRPr sz="2300"/>
+          </a:p>
+          <a:p>
+            <a:pPr marL="228600" lvl="0" indent="-50800" algn="l" rtl="0">
+              <a:lnSpc>
+                <a:spcPct val="90000"/>
+              </a:lnSpc>
+              <a:spcBef>
+                <a:spcPts val="1000"/>
+              </a:spcBef>
+              <a:spcAft>
+                <a:spcPts val="0"/>
+              </a:spcAft>
+              <a:buClr>
+                <a:schemeClr val="dk1"/>
+              </a:buClr>
+              <a:buSzPts val="2800"/>
+              <a:buNone/>
+            </a:pPr>
+          </a:p>
+        </p:txBody>
+      </p:sp>
+    </p:spTree>
+  </p:cSld>
+  <p:clrMapOvr>
+    <a:masterClrMapping/>
+  </p:clrMapOvr>
+</p:sld>
+</file>
+
+<file path=ppt/slides/slide2.xml><?xml version="1.0" encoding="utf-8"?>
+<p:sld xmlns:a="http://schemas.openxmlformats.org/drawingml/2006/main" xmlns:r="http://schemas.openxmlformats.org/officeDocument/2006/relationships" xmlns:p="http://schemas.openxmlformats.org/presentationml/2006/main">
+  <p:cSld>
+    <p:bg>
+      <p:bgPr>
+        <a:blipFill>
+          <a:blip r:embed="rId1"/>
+          <a:stretch>
+            <a:fillRect/>
+          </a:stretch>
+        </a:blipFill>
+        <a:effectLst/>
+      </p:bgPr>
+    </p:bg>
+    <p:spTree>
+      <p:nvGrpSpPr>
+        <p:cNvPr id="1" name="Shape 94"/>
+        <p:cNvGrpSpPr/>
+        <p:nvPr/>
+      </p:nvGrpSpPr>
+      <p:grpSpPr>
+        <a:xfrm>
+          <a:off x="0" y="0"/>
+          <a:ext cx="0" cy="0"/>
+          <a:chOff x="0" y="0"/>
+          <a:chExt cx="0" cy="0"/>
+        </a:xfrm>
+      </p:grpSpPr>
+      <p:sp useBgFill="1">
+        <p:nvSpPr>
+          <p:cNvPr id="135" name="Rectangle 134"/>
+          <p:cNvSpPr>
+            <a:spLocks noGrp="1" noRot="1" noChangeAspect="1" noMove="1" noResize="1" noEditPoints="1" noAdjustHandles="1" noChangeArrowheads="1" noChangeShapeType="1" noTextEdit="1"/>
+          </p:cNvSpPr>
+          <p:nvPr/>
+        </p:nvSpPr>
+        <p:spPr>
+          <a:xfrm>
+            <a:off x="-3175" y="-1786"/>
+            <a:ext cx="12188825" cy="6856214"/>
+          </a:xfrm>
+          <a:prstGeom prst="rect">
+            <a:avLst/>
+          </a:prstGeom>
+          <a:ln>
+            <a:noFill/>
+          </a:ln>
+        </p:spPr>
+        <p:style>
+          <a:lnRef idx="2">
+            <a:schemeClr val="accent1">
+              <a:shade val="50000"/>
+            </a:schemeClr>
+          </a:lnRef>
+          <a:fillRef idx="1">
+            <a:schemeClr val="accent1"/>
+          </a:fillRef>
+          <a:effectRef idx="0">
+            <a:schemeClr val="accent1"/>
+          </a:effectRef>
+          <a:fontRef idx="minor">
+            <a:schemeClr val="lt1"/>
+          </a:fontRef>
+        </p:style>
+        <p:txBody>
+          <a:bodyPr rtlCol="0" anchor="ctr"/>
+          <a:lstStyle/>
+          <a:p>
+            <a:pPr algn="ctr"/>
+            <a:endParaRPr lang="en-US"/>
+          </a:p>
+        </p:txBody>
+      </p:sp>
+      <p:pic>
+        <p:nvPicPr>
+          <p:cNvPr id="2050" name="Picture 2" descr="Image result for gas"/>
+          <p:cNvPicPr>
+            <a:picLocks noChangeAspect="1" noChangeArrowheads="1"/>
+          </p:cNvPicPr>
+          <p:nvPr/>
+        </p:nvPicPr>
+        <p:blipFill rotWithShape="1">
+          <a:blip r:embed="rId2">
             <a:alphaModFix amt="20000"/>
             <a:extLst>
               <a:ext uri="{28A0092B-C50C-407E-A947-70E740481C1C}">
@@ -12825,7 +12409,9 @@
             </a:extLst>
           </a:blip>
           <a:srcRect t="2172" b="13558"/>
-          <a:stretch/>
+          <a:stretch>
+            <a:fillRect/>
+          </a:stretch>
         </p:blipFill>
         <p:spPr bwMode="auto">
           <a:xfrm>
@@ -12849,29 +12435,14 @@
       </p:pic>
       <p:pic>
         <p:nvPicPr>
-          <p:cNvPr id="137" name="Picture 136">
-            <a:extLst>
-              <a:ext uri="{FF2B5EF4-FFF2-40B4-BE49-F238E27FC236}">
-                <a16:creationId xmlns:a16="http://schemas.microsoft.com/office/drawing/2014/main" id="{A3D512BA-228A-4979-9312-ACD246E1099D}"/>
-              </a:ext>
-              <a:ext uri="{C183D7F6-B498-43B3-948B-1728B52AA6E4}">
-                <adec:decorative xmlns:adec="http://schemas.microsoft.com/office/drawing/2017/decorative" val="1"/>
-              </a:ext>
-            </a:extLst>
-          </p:cNvPr>
+          <p:cNvPr id="137" name="Picture 136"/>
           <p:cNvPicPr>
             <a:picLocks noGrp="1" noRot="1" noChangeAspect="1" noMove="1" noResize="1" noEditPoints="1" noAdjustHandles="1" noChangeArrowheads="1" noChangeShapeType="1" noCrop="1"/>
           </p:cNvPicPr>
-          <p:nvPr>
-            <p:extLst>
-              <p:ext uri="{386F3935-93C4-4BCD-93E2-E3B085C9AB24}">
-                <p16:designElem xmlns:p16="http://schemas.microsoft.com/office/powerpoint/2015/main" val="1"/>
-              </p:ext>
-            </p:extLst>
-          </p:nvPr>
+          <p:nvPr/>
         </p:nvPicPr>
         <p:blipFill>
-          <a:blip r:embed="rId5">
+          <a:blip r:embed="rId3">
             <a:alphaModFix amt="39000"/>
             <a:extLst>
               <a:ext uri="{28A0092B-C50C-407E-A947-70E740481C1C}">
@@ -12929,7 +12500,7 @@
                 <a:schemeClr val="dk1"/>
               </a:buClr>
               <a:buSzPts val="4400"/>
-              <a:buFont typeface="Calibri"/>
+              <a:buFont typeface="Calibri" panose="020F0502020204030204"/>
               <a:buNone/>
             </a:pPr>
             <a:r>
@@ -12982,6 +12553,7 @@
               <a:rPr lang="en-US" b="1" dirty="0"/>
               <a:t>Ozone is a gas composed of three atoms of oxygen (O3)</a:t>
             </a:r>
+            <a:endParaRPr lang="en-US" b="1" dirty="0"/>
           </a:p>
           <a:p>
             <a:pPr marL="1143000" lvl="2" indent="-228600">
@@ -12997,6 +12569,7 @@
               <a:rPr lang="en-US" b="1" dirty="0"/>
               <a:t>Protects us from the sun’s ultraviolet rays</a:t>
             </a:r>
+            <a:endParaRPr lang="en-US" b="1" dirty="0"/>
           </a:p>
           <a:p>
             <a:pPr marL="1143000" lvl="2" indent="-228600">
@@ -13012,6 +12585,7 @@
               <a:rPr lang="en-US" b="1" dirty="0"/>
               <a:t>Breathing it can trigger a variety of health problems </a:t>
             </a:r>
+            <a:endParaRPr lang="en-US" b="1" dirty="0"/>
           </a:p>
           <a:p>
             <a:pPr marL="1143000" lvl="2" indent="-228600">
@@ -13027,6 +12601,7 @@
               <a:rPr lang="en-US" b="1" dirty="0"/>
               <a:t>Formed from sophisticated physical and chemical reactions</a:t>
             </a:r>
+            <a:endParaRPr lang="en-US" b="1" dirty="0"/>
           </a:p>
           <a:p>
             <a:pPr marL="1143000" lvl="2" indent="-228600">
@@ -13067,6 +12642,7 @@
               <a:rPr lang="en-US" b="1" dirty="0"/>
               <a:t>Motivation:</a:t>
             </a:r>
+            <a:endParaRPr lang="en-US" b="1" dirty="0"/>
           </a:p>
           <a:p>
             <a:pPr marL="457200" lvl="1" indent="0">
@@ -13087,6 +12663,7 @@
               <a:rPr lang="en-CA" sz="1400" b="1" dirty="0"/>
               <a:t>ozone level alarm forecasting model for air </a:t>
             </a:r>
+            <a:endParaRPr lang="en-CA" sz="1400" b="1" dirty="0"/>
           </a:p>
           <a:p>
             <a:pPr marL="457200" lvl="1" indent="0">
@@ -13149,20 +12726,14 @@
       </p:sp>
       <p:pic>
         <p:nvPicPr>
-          <p:cNvPr id="2" name="Picture 4" descr="Pyramid of Effects ">
-            <a:extLst>
-              <a:ext uri="{FF2B5EF4-FFF2-40B4-BE49-F238E27FC236}">
-                <a16:creationId xmlns:a16="http://schemas.microsoft.com/office/drawing/2014/main" id="{2CAE3409-C6DF-4406-B68C-132165281E12}"/>
-              </a:ext>
-            </a:extLst>
-          </p:cNvPr>
+          <p:cNvPr id="2" name="Picture 4" descr="Pyramid of Effects "/>
           <p:cNvPicPr>
             <a:picLocks noChangeAspect="1" noChangeArrowheads="1"/>
           </p:cNvPicPr>
           <p:nvPr/>
         </p:nvPicPr>
         <p:blipFill>
-          <a:blip r:embed="rId6">
+          <a:blip r:embed="rId4">
             <a:extLst>
               <a:ext uri="{28A0092B-C50C-407E-A947-70E740481C1C}">
                 <a14:useLocalDpi xmlns:a14="http://schemas.microsoft.com/office/drawing/2010/main" val="0"/>
@@ -13208,8 +12779,10 @@
     <p:bg>
       <p:bgPr>
         <a:blipFill>
-          <a:blip r:embed="rId3"/>
-          <a:stretch/>
+          <a:blip r:embed="rId1"/>
+          <a:stretch>
+            <a:fillRect/>
+          </a:stretch>
         </a:blipFill>
         <a:effectLst/>
       </p:bgPr>
@@ -13230,26 +12803,11 @@
       </p:grpSpPr>
       <p:sp useBgFill="1">
         <p:nvSpPr>
-          <p:cNvPr id="135" name="Rectangle 134">
-            <a:extLst>
-              <a:ext uri="{FF2B5EF4-FFF2-40B4-BE49-F238E27FC236}">
-                <a16:creationId xmlns:a16="http://schemas.microsoft.com/office/drawing/2014/main" id="{CBD94887-6A10-4F62-8EE1-B2BCFA1F380F}"/>
-              </a:ext>
-              <a:ext uri="{C183D7F6-B498-43B3-948B-1728B52AA6E4}">
-                <adec:decorative xmlns:adec="http://schemas.microsoft.com/office/drawing/2017/decorative" val="1"/>
-              </a:ext>
-            </a:extLst>
-          </p:cNvPr>
+          <p:cNvPr id="135" name="Rectangle 134"/>
           <p:cNvSpPr>
             <a:spLocks noGrp="1" noRot="1" noChangeAspect="1" noMove="1" noResize="1" noEditPoints="1" noAdjustHandles="1" noChangeArrowheads="1" noChangeShapeType="1" noTextEdit="1"/>
           </p:cNvSpPr>
-          <p:nvPr>
-            <p:extLst>
-              <p:ext uri="{386F3935-93C4-4BCD-93E2-E3B085C9AB24}">
-                <p16:designElem xmlns:p16="http://schemas.microsoft.com/office/powerpoint/2015/main" val="1"/>
-              </p:ext>
-            </p:extLst>
-          </p:nvPr>
+          <p:nvPr/>
         </p:nvSpPr>
         <p:spPr>
           <a:xfrm>
@@ -13290,20 +12848,14 @@
       </p:sp>
       <p:pic>
         <p:nvPicPr>
-          <p:cNvPr id="3074" name="Picture 2" descr="Image result for data">
-            <a:extLst>
-              <a:ext uri="{FF2B5EF4-FFF2-40B4-BE49-F238E27FC236}">
-                <a16:creationId xmlns:a16="http://schemas.microsoft.com/office/drawing/2014/main" id="{003CBBAF-3D52-4D59-A000-1219A8E617CF}"/>
-              </a:ext>
-            </a:extLst>
-          </p:cNvPr>
+          <p:cNvPr id="3074" name="Picture 2" descr="Image result for data"/>
           <p:cNvPicPr>
             <a:picLocks noChangeAspect="1" noChangeArrowheads="1"/>
           </p:cNvPicPr>
           <p:nvPr/>
         </p:nvPicPr>
         <p:blipFill rotWithShape="1">
-          <a:blip r:embed="rId4">
+          <a:blip r:embed="rId2">
             <a:alphaModFix amt="20000"/>
             <a:extLst>
               <a:ext uri="{28A0092B-C50C-407E-A947-70E740481C1C}">
@@ -13312,7 +12864,9 @@
             </a:extLst>
           </a:blip>
           <a:srcRect t="13064" b="10665"/>
-          <a:stretch/>
+          <a:stretch>
+            <a:fillRect/>
+          </a:stretch>
         </p:blipFill>
         <p:spPr bwMode="auto">
           <a:xfrm>
@@ -13336,29 +12890,14 @@
       </p:pic>
       <p:pic>
         <p:nvPicPr>
-          <p:cNvPr id="137" name="Picture 136">
-            <a:extLst>
-              <a:ext uri="{FF2B5EF4-FFF2-40B4-BE49-F238E27FC236}">
-                <a16:creationId xmlns:a16="http://schemas.microsoft.com/office/drawing/2014/main" id="{A3D512BA-228A-4979-9312-ACD246E1099D}"/>
-              </a:ext>
-              <a:ext uri="{C183D7F6-B498-43B3-948B-1728B52AA6E4}">
-                <adec:decorative xmlns:adec="http://schemas.microsoft.com/office/drawing/2017/decorative" val="1"/>
-              </a:ext>
-            </a:extLst>
-          </p:cNvPr>
+          <p:cNvPr id="137" name="Picture 136"/>
           <p:cNvPicPr>
             <a:picLocks noGrp="1" noRot="1" noChangeAspect="1" noMove="1" noResize="1" noEditPoints="1" noAdjustHandles="1" noChangeArrowheads="1" noChangeShapeType="1" noCrop="1"/>
           </p:cNvPicPr>
-          <p:nvPr>
-            <p:extLst>
-              <p:ext uri="{386F3935-93C4-4BCD-93E2-E3B085C9AB24}">
-                <p16:designElem xmlns:p16="http://schemas.microsoft.com/office/powerpoint/2015/main" val="1"/>
-              </p:ext>
-            </p:extLst>
-          </p:nvPr>
+          <p:nvPr/>
         </p:nvPicPr>
         <p:blipFill>
-          <a:blip r:embed="rId5">
+          <a:blip r:embed="rId3">
             <a:alphaModFix amt="39000"/>
             <a:extLst>
               <a:ext uri="{28A0092B-C50C-407E-A947-70E740481C1C}">
@@ -13416,7 +12955,7 @@
                 <a:schemeClr val="dk1"/>
               </a:buClr>
               <a:buSzPts val="4400"/>
-              <a:buFont typeface="Calibri"/>
+              <a:buFont typeface="Calibri" panose="020F0502020204030204"/>
               <a:buNone/>
             </a:pPr>
             <a:r>
@@ -13599,8 +13138,10 @@
     <p:bg>
       <p:bgPr>
         <a:blipFill>
-          <a:blip r:embed="rId3"/>
-          <a:stretch/>
+          <a:blip r:embed="rId1"/>
+          <a:stretch>
+            <a:fillRect/>
+          </a:stretch>
         </a:blipFill>
         <a:effectLst/>
       </p:bgPr>
@@ -13621,29 +13162,14 @@
       </p:grpSpPr>
       <p:pic>
         <p:nvPicPr>
-          <p:cNvPr id="8" name="Picture 7">
-            <a:extLst>
-              <a:ext uri="{FF2B5EF4-FFF2-40B4-BE49-F238E27FC236}">
-                <a16:creationId xmlns:a16="http://schemas.microsoft.com/office/drawing/2014/main" id="{6AF6706C-CF07-43A1-BCC4-CBA5D33820DA}"/>
-              </a:ext>
-              <a:ext uri="{C183D7F6-B498-43B3-948B-1728B52AA6E4}">
-                <adec:decorative xmlns:adec="http://schemas.microsoft.com/office/drawing/2017/decorative" val="1"/>
-              </a:ext>
-            </a:extLst>
-          </p:cNvPr>
+          <p:cNvPr id="8" name="Picture 7"/>
           <p:cNvPicPr>
             <a:picLocks noGrp="1" noRot="1" noChangeAspect="1" noMove="1" noResize="1" noEditPoints="1" noAdjustHandles="1" noChangeArrowheads="1" noChangeShapeType="1" noCrop="1"/>
           </p:cNvPicPr>
-          <p:nvPr>
-            <p:extLst>
-              <p:ext uri="{386F3935-93C4-4BCD-93E2-E3B085C9AB24}">
-                <p16:designElem xmlns:p16="http://schemas.microsoft.com/office/powerpoint/2015/main" val="1"/>
-              </p:ext>
-            </p:extLst>
-          </p:nvPr>
+          <p:nvPr/>
         </p:nvPicPr>
         <p:blipFill>
-          <a:blip r:embed="rId4">
+          <a:blip r:embed="rId2">
             <a:extLst>
               <a:ext uri="{28A0092B-C50C-407E-A947-70E740481C1C}">
                 <a14:useLocalDpi xmlns:a14="http://schemas.microsoft.com/office/drawing/2010/main" val="0"/>
@@ -13666,13 +13192,7 @@
       </p:pic>
       <p:sp>
         <p:nvSpPr>
-          <p:cNvPr id="2" name="Title 1">
-            <a:extLst>
-              <a:ext uri="{FF2B5EF4-FFF2-40B4-BE49-F238E27FC236}">
-                <a16:creationId xmlns:a16="http://schemas.microsoft.com/office/drawing/2014/main" id="{F663023E-B608-4615-BD57-D9AD20BFA5F2}"/>
-              </a:ext>
-            </a:extLst>
-          </p:cNvPr>
+          <p:cNvPr id="2" name="Title 1"/>
           <p:cNvSpPr>
             <a:spLocks noGrp="1"/>
           </p:cNvSpPr>
@@ -13697,25 +13217,20 @@
               <a:rPr lang="en-US" sz="4800" dirty="0"/>
               <a:t>Correlation Heat Map</a:t>
             </a:r>
+            <a:endParaRPr lang="en-US" sz="4800" dirty="0"/>
           </a:p>
         </p:txBody>
       </p:sp>
       <p:pic>
         <p:nvPicPr>
-          <p:cNvPr id="3" name="Picture 2">
-            <a:extLst>
-              <a:ext uri="{FF2B5EF4-FFF2-40B4-BE49-F238E27FC236}">
-                <a16:creationId xmlns:a16="http://schemas.microsoft.com/office/drawing/2014/main" id="{D89F4A11-A50B-4587-97CF-6A305A38A37D}"/>
-              </a:ext>
-            </a:extLst>
-          </p:cNvPr>
+          <p:cNvPr id="3" name="Picture 2"/>
           <p:cNvPicPr>
             <a:picLocks noChangeAspect="1"/>
           </p:cNvPicPr>
           <p:nvPr/>
         </p:nvPicPr>
         <p:blipFill>
-          <a:blip r:embed="rId5"/>
+          <a:blip r:embed="rId3"/>
           <a:stretch>
             <a:fillRect/>
           </a:stretch>
@@ -13748,6 +13263,8 @@
               <a:tileRect/>
             </a:gradFill>
             <a:miter lim="800000"/>
+            <a:headEnd/>
+            <a:tailEnd/>
           </a:ln>
           <a:effectLst>
             <a:outerShdw blurRad="254000" algn="tl" rotWithShape="0">
@@ -13759,11 +13276,6 @@
         </p:spPr>
       </p:pic>
     </p:spTree>
-    <p:extLst>
-      <p:ext uri="{BB962C8B-B14F-4D97-AF65-F5344CB8AC3E}">
-        <p14:creationId xmlns:p14="http://schemas.microsoft.com/office/powerpoint/2010/main" val="1581447039"/>
-      </p:ext>
-    </p:extLst>
   </p:cSld>
   <p:clrMapOvr>
     <a:masterClrMapping/>
@@ -13774,11 +13286,236 @@
 <file path=ppt/slides/slide5.xml><?xml version="1.0" encoding="utf-8"?>
 <p:sld xmlns:a="http://schemas.openxmlformats.org/drawingml/2006/main" xmlns:r="http://schemas.openxmlformats.org/officeDocument/2006/relationships" xmlns:p="http://schemas.openxmlformats.org/presentationml/2006/main">
   <p:cSld>
+    <p:spTree>
+      <p:nvGrpSpPr>
+        <p:cNvPr id="1" name=""/>
+        <p:cNvGrpSpPr/>
+        <p:nvPr/>
+      </p:nvGrpSpPr>
+      <p:grpSpPr/>
+      <p:sp>
+        <p:nvSpPr>
+          <p:cNvPr id="2" name="Title 1"/>
+          <p:cNvSpPr>
+            <a:spLocks noGrp="1"/>
+          </p:cNvSpPr>
+          <p:nvPr>
+            <p:ph type="title"/>
+          </p:nvPr>
+        </p:nvSpPr>
+        <p:spPr/>
+        <p:txBody>
+          <a:bodyPr/>
+          <a:p>
+            <a:r>
+              <a:rPr lang="en-CA" altLang="en-US" b="1">
+                <a:sym typeface="+mn-ea"/>
+              </a:rPr>
+              <a:t>Scrubbing</a:t>
+            </a:r>
+            <a:endParaRPr lang="en-US"/>
+          </a:p>
+        </p:txBody>
+      </p:sp>
+      <p:sp>
+        <p:nvSpPr>
+          <p:cNvPr id="108" name="Google Shape;108;p16"/>
+          <p:cNvSpPr txBox="1">
+            <a:spLocks noGrp="1"/>
+          </p:cNvSpPr>
+          <p:nvPr>
+            <p:ph type="body" idx="1"/>
+          </p:nvPr>
+        </p:nvSpPr>
+        <p:spPr>
+          <a:xfrm>
+            <a:off x="881380" y="1979930"/>
+            <a:ext cx="10429240" cy="1551940"/>
+          </a:xfrm>
+          <a:prstGeom prst="rect">
+            <a:avLst/>
+          </a:prstGeom>
+          <a:noFill/>
+          <a:ln>
+            <a:noFill/>
+          </a:ln>
+        </p:spPr>
+        <p:txBody>
+          <a:bodyPr spcFirstLastPara="1" wrap="square" lIns="91425" tIns="45700" rIns="91425" bIns="45700" anchor="t" anchorCtr="0">
+            <a:noAutofit/>
+          </a:bodyPr>
+          <a:p>
+            <a:pPr marL="228600" lvl="0" indent="-82550" algn="l" rtl="0">
+              <a:lnSpc>
+                <a:spcPct val="90000"/>
+              </a:lnSpc>
+              <a:spcBef>
+                <a:spcPts val="0"/>
+              </a:spcBef>
+              <a:spcAft>
+                <a:spcPts val="0"/>
+              </a:spcAft>
+              <a:buClr>
+                <a:schemeClr val="dk1"/>
+              </a:buClr>
+              <a:buSzPts val="2300"/>
+              <a:buNone/>
+            </a:pPr>
+            <a:r>
+              <a:rPr lang="en-CA"/>
+              <a:t>Train test split with stratify - high volume of data that is labelled as normal date</a:t>
+            </a:r>
+            <a:endParaRPr lang="en-CA"/>
+          </a:p>
+          <a:p>
+            <a:pPr marL="228600" lvl="0" indent="-82550" algn="l" rtl="0">
+              <a:lnSpc>
+                <a:spcPct val="90000"/>
+              </a:lnSpc>
+              <a:spcBef>
+                <a:spcPts val="0"/>
+              </a:spcBef>
+              <a:spcAft>
+                <a:spcPts val="0"/>
+              </a:spcAft>
+              <a:buClr>
+                <a:schemeClr val="dk1"/>
+              </a:buClr>
+              <a:buSzPts val="2300"/>
+              <a:buNone/>
+            </a:pPr>
+            <a:endParaRPr lang="en-CA"/>
+          </a:p>
+          <a:p>
+            <a:pPr marL="228600" lvl="0" indent="-82550" algn="l" rtl="0">
+              <a:lnSpc>
+                <a:spcPct val="90000"/>
+              </a:lnSpc>
+              <a:spcBef>
+                <a:spcPts val="0"/>
+              </a:spcBef>
+              <a:spcAft>
+                <a:spcPts val="0"/>
+              </a:spcAft>
+              <a:buClr>
+                <a:schemeClr val="dk1"/>
+              </a:buClr>
+              <a:buSzPts val="2300"/>
+              <a:buNone/>
+            </a:pPr>
+            <a:r>
+              <a:rPr lang="en-CA"/>
+              <a:t>Transformed data with MinMax - independent variable value varies from small decimals to few thousands</a:t>
+            </a:r>
+            <a:endParaRPr lang="en-CA"/>
+          </a:p>
+          <a:p>
+            <a:pPr marL="228600" lvl="0" indent="-82550" algn="l" rtl="0">
+              <a:lnSpc>
+                <a:spcPct val="90000"/>
+              </a:lnSpc>
+              <a:spcBef>
+                <a:spcPts val="0"/>
+              </a:spcBef>
+              <a:spcAft>
+                <a:spcPts val="0"/>
+              </a:spcAft>
+              <a:buClr>
+                <a:schemeClr val="dk1"/>
+              </a:buClr>
+              <a:buSzPts val="2300"/>
+              <a:buNone/>
+            </a:pPr>
+            <a:endParaRPr lang="en-CA"/>
+          </a:p>
+          <a:p>
+            <a:pPr marL="228600" lvl="0" indent="-82550" algn="l" rtl="0">
+              <a:lnSpc>
+                <a:spcPct val="90000"/>
+              </a:lnSpc>
+              <a:spcBef>
+                <a:spcPts val="0"/>
+              </a:spcBef>
+              <a:spcAft>
+                <a:spcPts val="0"/>
+              </a:spcAft>
+              <a:buClr>
+                <a:schemeClr val="dk1"/>
+              </a:buClr>
+              <a:buSzPts val="2300"/>
+              <a:buNone/>
+            </a:pPr>
+            <a:r>
+              <a:rPr lang="en-CA"/>
+              <a:t>No missing data</a:t>
+            </a:r>
+            <a:endParaRPr lang="en-CA" sz="2300"/>
+          </a:p>
+          <a:p>
+            <a:pPr marL="228600" lvl="0" indent="-82550" algn="l" rtl="0">
+              <a:lnSpc>
+                <a:spcPct val="90000"/>
+              </a:lnSpc>
+              <a:spcBef>
+                <a:spcPts val="0"/>
+              </a:spcBef>
+              <a:spcAft>
+                <a:spcPts val="0"/>
+              </a:spcAft>
+              <a:buClr>
+                <a:schemeClr val="dk1"/>
+              </a:buClr>
+              <a:buSzPts val="2300"/>
+              <a:buNone/>
+            </a:pPr>
+            <a:endParaRPr lang="en-CA" sz="2300"/>
+          </a:p>
+        </p:txBody>
+      </p:sp>
+      <p:pic>
+        <p:nvPicPr>
+          <p:cNvPr id="4" name="Picture Placeholder 3"/>
+          <p:cNvPicPr>
+            <a:picLocks noChangeAspect="1"/>
+          </p:cNvPicPr>
+          <p:nvPr>
+            <p:ph type="pic" idx="2"/>
+          </p:nvPr>
+        </p:nvPicPr>
+        <p:blipFill>
+          <a:blip r:embed="rId1"/>
+          <a:stretch>
+            <a:fillRect/>
+          </a:stretch>
+        </p:blipFill>
+        <p:spPr>
+          <a:xfrm>
+            <a:off x="368300" y="3919220"/>
+            <a:ext cx="11456035" cy="1976755"/>
+          </a:xfrm>
+          <a:prstGeom prst="rect">
+            <a:avLst/>
+          </a:prstGeom>
+        </p:spPr>
+      </p:pic>
+    </p:spTree>
+  </p:cSld>
+  <p:clrMapOvr>
+    <a:masterClrMapping/>
+  </p:clrMapOvr>
+</p:sld>
+</file>
+
+<file path=ppt/slides/slide6.xml><?xml version="1.0" encoding="utf-8"?>
+<p:sld xmlns:a="http://schemas.openxmlformats.org/drawingml/2006/main" xmlns:r="http://schemas.openxmlformats.org/officeDocument/2006/relationships" xmlns:p="http://schemas.openxmlformats.org/presentationml/2006/main">
+  <p:cSld>
     <p:bg>
       <p:bgPr>
         <a:blipFill>
-          <a:blip r:embed="rId3"/>
-          <a:stretch/>
+          <a:blip r:embed="rId1"/>
+          <a:stretch>
+            <a:fillRect/>
+          </a:stretch>
         </a:blipFill>
         <a:effectLst/>
       </p:bgPr>
@@ -13799,13 +13536,7 @@
       </p:grpSpPr>
       <p:sp>
         <p:nvSpPr>
-          <p:cNvPr id="2" name="Title 1">
-            <a:extLst>
-              <a:ext uri="{FF2B5EF4-FFF2-40B4-BE49-F238E27FC236}">
-                <a16:creationId xmlns:a16="http://schemas.microsoft.com/office/drawing/2014/main" id="{4414AE89-2FBC-47DD-9E05-DE873535EC71}"/>
-              </a:ext>
-            </a:extLst>
-          </p:cNvPr>
+          <p:cNvPr id="2" name="Title 1"/>
           <p:cNvSpPr>
             <a:spLocks noGrp="1"/>
           </p:cNvSpPr>
@@ -13815,8 +13546,8 @@
         </p:nvSpPr>
         <p:spPr>
           <a:xfrm>
-            <a:off x="6400800" y="609600"/>
-            <a:ext cx="5147730" cy="1641987"/>
+            <a:off x="298450" y="139065"/>
+            <a:ext cx="7704455" cy="822325"/>
           </a:xfrm>
         </p:spPr>
         <p:txBody>
@@ -13829,18 +13560,13 @@
               <a:rPr lang="en-US" dirty="0"/>
               <a:t>Dimensionality Reduction</a:t>
             </a:r>
+            <a:endParaRPr lang="en-US" dirty="0"/>
           </a:p>
         </p:txBody>
       </p:sp>
       <p:sp>
         <p:nvSpPr>
-          <p:cNvPr id="3" name="Content Placeholder 2">
-            <a:extLst>
-              <a:ext uri="{FF2B5EF4-FFF2-40B4-BE49-F238E27FC236}">
-                <a16:creationId xmlns:a16="http://schemas.microsoft.com/office/drawing/2014/main" id="{20E4FE7E-4B23-4C98-9CE2-06A9D5F1C9EF}"/>
-              </a:ext>
-            </a:extLst>
-          </p:cNvPr>
+          <p:cNvPr id="3" name="Content Placeholder 2"/>
           <p:cNvSpPr>
             <a:spLocks noGrp="1"/>
           </p:cNvSpPr>
@@ -13850,13 +13576,13 @@
         </p:nvSpPr>
         <p:spPr>
           <a:xfrm>
-            <a:off x="6400800" y="2251587"/>
-            <a:ext cx="5147730" cy="3637935"/>
+            <a:off x="7611745" y="3625215"/>
+            <a:ext cx="4400550" cy="3059430"/>
           </a:xfrm>
         </p:spPr>
         <p:txBody>
           <a:bodyPr>
-            <a:normAutofit/>
+            <a:normAutofit fontScale="90000"/>
           </a:bodyPr>
           <a:lstStyle/>
           <a:p>
@@ -13864,37 +13590,104 @@
               <a:buNone/>
             </a:pPr>
             <a:r>
-              <a:rPr lang="en-US" dirty="0"/>
-              <a:t>We tried the following:</a:t>
+              <a:rPr lang="en-CA" altLang="en-US">
+                <a:sym typeface="+mn-ea"/>
+              </a:rPr>
+              <a:t>Top row (left - right): </a:t>
             </a:r>
-          </a:p>
-          <a:p>
-            <a:pPr lvl="1"/>
             <a:r>
-              <a:rPr lang="en-US" dirty="0"/>
+              <a:rPr lang="en-US" sz="1800" dirty="0">
+                <a:sym typeface="+mn-ea"/>
+              </a:rPr>
               <a:t>Locally Linear Embedding</a:t>
             </a:r>
-          </a:p>
-          <a:p>
-            <a:pPr lvl="1"/>
             <a:r>
-              <a:rPr lang="en-US" dirty="0"/>
+              <a:rPr lang="en-CA" altLang="en-US" sz="1800" dirty="0">
+                <a:sym typeface="+mn-ea"/>
+              </a:rPr>
+              <a:t>,</a:t>
+            </a:r>
+            <a:endParaRPr lang="en-US" sz="1800" dirty="0"/>
+          </a:p>
+          <a:p>
+            <a:pPr marL="0" lvl="1" indent="0">
+              <a:buNone/>
+            </a:pPr>
+            <a:r>
+              <a:rPr lang="en-US" sz="1800" dirty="0">
+                <a:sym typeface="+mn-ea"/>
+              </a:rPr>
               <a:t>Multi-Dimensional Scaling</a:t>
             </a:r>
-          </a:p>
-          <a:p>
-            <a:pPr lvl="1"/>
             <a:r>
-              <a:rPr lang="en-US" dirty="0"/>
+              <a:rPr lang="en-CA" altLang="en-US" sz="1800" dirty="0">
+                <a:sym typeface="+mn-ea"/>
+              </a:rPr>
+              <a:t>,</a:t>
+            </a:r>
+            <a:endParaRPr lang="en-US" sz="1800" dirty="0"/>
+          </a:p>
+          <a:p>
+            <a:pPr marL="0" indent="0">
+              <a:buNone/>
+            </a:pPr>
+            <a:r>
+              <a:rPr lang="en-US" dirty="0">
+                <a:sym typeface="+mn-ea"/>
+              </a:rPr>
               <a:t>Linear Discriminant Analysis</a:t>
             </a:r>
-          </a:p>
-          <a:p>
-            <a:pPr lvl="1"/>
+            <a:endParaRPr lang="en-CA" altLang="en-US"/>
+          </a:p>
+          <a:p>
+            <a:pPr marL="0" indent="0">
+              <a:buNone/>
+            </a:pPr>
             <a:r>
-              <a:rPr lang="en-US" dirty="0"/>
+              <a:rPr lang="en-CA" altLang="en-US">
+                <a:sym typeface="+mn-ea"/>
+              </a:rPr>
+              <a:t>Bottom row (left - right): </a:t>
+            </a:r>
+            <a:r>
+              <a:rPr lang="en-US" dirty="0">
+                <a:sym typeface="+mn-ea"/>
+              </a:rPr>
               <a:t>Principal Component Analysis</a:t>
             </a:r>
+            <a:r>
+              <a:rPr lang="en-CA" altLang="en-US">
+                <a:sym typeface="+mn-ea"/>
+              </a:rPr>
+              <a:t>,</a:t>
+            </a:r>
+            <a:endParaRPr lang="en-CA" altLang="en-US">
+              <a:sym typeface="+mn-ea"/>
+            </a:endParaRPr>
+          </a:p>
+          <a:p>
+            <a:pPr marL="0" indent="0">
+              <a:buNone/>
+            </a:pPr>
+            <a:r>
+              <a:rPr lang="en-US" dirty="0">
+                <a:sym typeface="+mn-ea"/>
+              </a:rPr>
+              <a:t>Principal Component Analysis </a:t>
+            </a:r>
+            <a:r>
+              <a:rPr lang="en-CA" altLang="en-US" dirty="0">
+                <a:sym typeface="+mn-ea"/>
+              </a:rPr>
+              <a:t>+ </a:t>
+            </a:r>
+            <a:r>
+              <a:rPr lang="en-US" dirty="0">
+                <a:sym typeface="+mn-ea"/>
+              </a:rPr>
+              <a:t>Locally Linear Embedding</a:t>
+            </a:r>
+            <a:endParaRPr lang="en-US" dirty="0"/>
           </a:p>
           <a:p>
             <a:pPr marL="0" indent="0">
@@ -13904,18 +13697,63 @@
               <a:rPr lang="en-US" dirty="0"/>
               <a:t>The one that provided the best result is LDA</a:t>
             </a:r>
+            <a:endParaRPr lang="en-US" dirty="0"/>
           </a:p>
         </p:txBody>
       </p:sp>
       <p:pic>
         <p:nvPicPr>
-          <p:cNvPr id="4" name="Picture 3">
-            <a:extLst>
-              <a:ext uri="{FF2B5EF4-FFF2-40B4-BE49-F238E27FC236}">
-                <a16:creationId xmlns:a16="http://schemas.microsoft.com/office/drawing/2014/main" id="{2FC06CB7-06AE-47BF-865F-F210ADEFA611}"/>
-              </a:ext>
-            </a:extLst>
-          </p:cNvPr>
+          <p:cNvPr id="5" name="Picture Placeholder 4" descr="lda"/>
+          <p:cNvPicPr>
+            <a:picLocks noChangeAspect="1"/>
+          </p:cNvPicPr>
+          <p:nvPr>
+            <p:ph type="pic" idx="2"/>
+          </p:nvPr>
+        </p:nvPicPr>
+        <p:blipFill>
+          <a:blip r:embed="rId2"/>
+          <a:stretch>
+            <a:fillRect/>
+          </a:stretch>
+        </p:blipFill>
+        <p:spPr>
+          <a:xfrm>
+            <a:off x="7376160" y="902335"/>
+            <a:ext cx="3227705" cy="2564130"/>
+          </a:xfrm>
+          <a:prstGeom prst="rect">
+            <a:avLst/>
+          </a:prstGeom>
+        </p:spPr>
+      </p:pic>
+      <p:pic>
+        <p:nvPicPr>
+          <p:cNvPr id="7" name="Picture 6" descr="lle"/>
+          <p:cNvPicPr>
+            <a:picLocks noChangeAspect="1"/>
+          </p:cNvPicPr>
+          <p:nvPr/>
+        </p:nvPicPr>
+        <p:blipFill>
+          <a:blip r:embed="rId3"/>
+          <a:stretch>
+            <a:fillRect/>
+          </a:stretch>
+        </p:blipFill>
+        <p:spPr>
+          <a:xfrm>
+            <a:off x="596900" y="858520"/>
+            <a:ext cx="3375025" cy="2593975"/>
+          </a:xfrm>
+          <a:prstGeom prst="rect">
+            <a:avLst/>
+          </a:prstGeom>
+        </p:spPr>
+      </p:pic>
+      <p:pic>
+        <p:nvPicPr>
+          <p:cNvPr id="8" name="Picture 7" descr="md5"/>
           <p:cNvPicPr>
             <a:picLocks noChangeAspect="1"/>
           </p:cNvPicPr>
@@ -13929,48 +13767,63 @@
         </p:blipFill>
         <p:spPr>
           <a:xfrm>
-            <a:off x="648930" y="1003776"/>
-            <a:ext cx="5447070" cy="4521067"/>
+            <a:off x="4066540" y="901700"/>
+            <a:ext cx="3221355" cy="2565400"/>
           </a:xfrm>
-          <a:prstGeom prst="roundRect">
-            <a:avLst>
-              <a:gd name="adj" fmla="val 4380"/>
-            </a:avLst>
+          <a:prstGeom prst="rect">
+            <a:avLst/>
           </a:prstGeom>
-          <a:ln w="50800" cap="sq" cmpd="dbl">
-            <a:gradFill flip="none" rotWithShape="1">
-              <a:gsLst>
-                <a:gs pos="0">
-                  <a:srgbClr val="FFFFFF"/>
-                </a:gs>
-                <a:gs pos="100000">
-                  <a:schemeClr val="tx1">
-                    <a:alpha val="0"/>
-                  </a:schemeClr>
-                </a:gs>
-              </a:gsLst>
-              <a:path path="circle">
-                <a:fillToRect l="50000" t="50000" r="50000" b="50000"/>
-              </a:path>
-              <a:tileRect/>
-            </a:gradFill>
-            <a:miter lim="800000"/>
-          </a:ln>
-          <a:effectLst>
-            <a:outerShdw blurRad="254000" algn="tl" rotWithShape="0">
-              <a:srgbClr val="000000">
-                <a:alpha val="43000"/>
-              </a:srgbClr>
-            </a:outerShdw>
-          </a:effectLst>
+        </p:spPr>
+      </p:pic>
+      <p:pic>
+        <p:nvPicPr>
+          <p:cNvPr id="9" name="Picture 8" descr="pca"/>
+          <p:cNvPicPr>
+            <a:picLocks noChangeAspect="1"/>
+          </p:cNvPicPr>
+          <p:nvPr/>
+        </p:nvPicPr>
+        <p:blipFill>
+          <a:blip r:embed="rId5"/>
+          <a:stretch>
+            <a:fillRect/>
+          </a:stretch>
+        </p:blipFill>
+        <p:spPr>
+          <a:xfrm>
+            <a:off x="596900" y="3721735"/>
+            <a:ext cx="3374390" cy="2735580"/>
+          </a:xfrm>
+          <a:prstGeom prst="rect">
+            <a:avLst/>
+          </a:prstGeom>
+        </p:spPr>
+      </p:pic>
+      <p:pic>
+        <p:nvPicPr>
+          <p:cNvPr id="10" name="Picture 9" descr="pca_lle"/>
+          <p:cNvPicPr>
+            <a:picLocks noChangeAspect="1"/>
+          </p:cNvPicPr>
+          <p:nvPr/>
+        </p:nvPicPr>
+        <p:blipFill>
+          <a:blip r:embed="rId6"/>
+          <a:stretch>
+            <a:fillRect/>
+          </a:stretch>
+        </p:blipFill>
+        <p:spPr>
+          <a:xfrm>
+            <a:off x="4066540" y="3721735"/>
+            <a:ext cx="3221990" cy="2734945"/>
+          </a:xfrm>
+          <a:prstGeom prst="rect">
+            <a:avLst/>
+          </a:prstGeom>
         </p:spPr>
       </p:pic>
     </p:spTree>
-    <p:extLst>
-      <p:ext uri="{BB962C8B-B14F-4D97-AF65-F5344CB8AC3E}">
-        <p14:creationId xmlns:p14="http://schemas.microsoft.com/office/powerpoint/2010/main" val="712021391"/>
-      </p:ext>
-    </p:extLst>
   </p:cSld>
   <p:clrMapOvr>
     <a:masterClrMapping/>
@@ -13978,7 +13831,228 @@
 </p:sld>
 </file>
 
-<file path=ppt/slides/slide6.xml><?xml version="1.0" encoding="utf-8"?>
+<file path=ppt/slides/slide7.xml><?xml version="1.0" encoding="utf-8"?>
+<p:sld xmlns:a="http://schemas.openxmlformats.org/drawingml/2006/main" xmlns:r="http://schemas.openxmlformats.org/officeDocument/2006/relationships" xmlns:p="http://schemas.openxmlformats.org/presentationml/2006/main">
+  <p:cSld>
+    <p:spTree>
+      <p:nvGrpSpPr>
+        <p:cNvPr id="1" name=""/>
+        <p:cNvGrpSpPr/>
+        <p:nvPr/>
+      </p:nvGrpSpPr>
+      <p:grpSpPr/>
+      <p:sp>
+        <p:nvSpPr>
+          <p:cNvPr id="2" name="Title 1"/>
+          <p:cNvSpPr>
+            <a:spLocks noGrp="1"/>
+          </p:cNvSpPr>
+          <p:nvPr>
+            <p:ph type="title"/>
+          </p:nvPr>
+        </p:nvSpPr>
+        <p:spPr>
+          <a:xfrm>
+            <a:off x="685800" y="609600"/>
+            <a:ext cx="10131425" cy="852805"/>
+          </a:xfrm>
+        </p:spPr>
+        <p:txBody>
+          <a:bodyPr>
+            <a:normAutofit fontScale="90000"/>
+          </a:bodyPr>
+          <a:p>
+            <a:r>
+              <a:rPr lang="en-US" dirty="0">
+                <a:sym typeface="+mn-ea"/>
+              </a:rPr>
+              <a:t>Modelling</a:t>
+            </a:r>
+            <a:br>
+              <a:rPr lang="en-US" dirty="0"/>
+            </a:br>
+            <a:endParaRPr lang="en-US"/>
+          </a:p>
+        </p:txBody>
+      </p:sp>
+      <p:sp>
+        <p:nvSpPr>
+          <p:cNvPr id="3" name="Content Placeholder 2"/>
+          <p:cNvSpPr>
+            <a:spLocks noGrp="1"/>
+          </p:cNvSpPr>
+          <p:nvPr>
+            <p:ph idx="1"/>
+          </p:nvPr>
+        </p:nvSpPr>
+        <p:spPr>
+          <a:xfrm>
+            <a:off x="685800" y="1463040"/>
+            <a:ext cx="10131425" cy="4328160"/>
+          </a:xfrm>
+        </p:spPr>
+        <p:txBody>
+          <a:bodyPr>
+            <a:normAutofit lnSpcReduction="10000"/>
+          </a:bodyPr>
+          <a:p>
+            <a:pPr marL="0" indent="0">
+              <a:buNone/>
+            </a:pPr>
+            <a:r>
+              <a:rPr lang="en-CA" altLang="en-US">
+                <a:sym typeface="+mn-ea"/>
+              </a:rPr>
+              <a:t>Compared the performance of the following classifiers </a:t>
+            </a:r>
+            <a:endParaRPr lang="en-CA" altLang="en-US"/>
+          </a:p>
+          <a:p>
+            <a:endParaRPr lang="en-CA" altLang="en-US"/>
+          </a:p>
+          <a:p>
+            <a:pPr marL="514350" indent="-285750">
+              <a:buFont typeface="Arial" panose="020B0604020202020204" pitchFamily="34" charset="0"/>
+              <a:buChar char="•"/>
+            </a:pPr>
+            <a:r>
+              <a:rPr lang="en-CA" altLang="en-US">
+                <a:sym typeface="+mn-ea"/>
+              </a:rPr>
+              <a:t>LogisticRegression</a:t>
+            </a:r>
+            <a:endParaRPr lang="en-CA" altLang="en-US"/>
+          </a:p>
+          <a:p>
+            <a:pPr marL="514350" indent="-285750">
+              <a:buFont typeface="Arial" panose="020B0604020202020204" pitchFamily="34" charset="0"/>
+              <a:buChar char="•"/>
+            </a:pPr>
+            <a:r>
+              <a:rPr lang="en-CA" altLang="en-US">
+                <a:sym typeface="+mn-ea"/>
+              </a:rPr>
+              <a:t>GaussianNB</a:t>
+            </a:r>
+            <a:endParaRPr lang="en-CA" altLang="en-US"/>
+          </a:p>
+          <a:p>
+            <a:pPr marL="514350" indent="-285750">
+              <a:buFont typeface="Arial" panose="020B0604020202020204" pitchFamily="34" charset="0"/>
+              <a:buChar char="•"/>
+            </a:pPr>
+            <a:r>
+              <a:rPr lang="en-CA" altLang="en-US">
+                <a:sym typeface="+mn-ea"/>
+              </a:rPr>
+              <a:t>KNeighbors Classifier</a:t>
+            </a:r>
+            <a:endParaRPr lang="en-CA" altLang="en-US"/>
+          </a:p>
+          <a:p>
+            <a:pPr marL="514350" indent="-285750">
+              <a:buFont typeface="Arial" panose="020B0604020202020204" pitchFamily="34" charset="0"/>
+              <a:buChar char="•"/>
+            </a:pPr>
+            <a:r>
+              <a:rPr lang="en-CA" altLang="en-US">
+                <a:sym typeface="+mn-ea"/>
+              </a:rPr>
+              <a:t>Decision Tree Classifier</a:t>
+            </a:r>
+            <a:endParaRPr lang="en-CA" altLang="en-US"/>
+          </a:p>
+          <a:p>
+            <a:pPr marL="514350" indent="-285750">
+              <a:buFont typeface="Arial" panose="020B0604020202020204" pitchFamily="34" charset="0"/>
+              <a:buChar char="•"/>
+            </a:pPr>
+            <a:r>
+              <a:rPr lang="en-CA" altLang="en-US">
+                <a:sym typeface="+mn-ea"/>
+              </a:rPr>
+              <a:t>Random Forest Classifier</a:t>
+            </a:r>
+            <a:endParaRPr lang="en-CA" altLang="en-US"/>
+          </a:p>
+          <a:p>
+            <a:pPr marL="514350" indent="-285750">
+              <a:buFont typeface="Arial" panose="020B0604020202020204" pitchFamily="34" charset="0"/>
+              <a:buChar char="•"/>
+            </a:pPr>
+            <a:r>
+              <a:rPr lang="en-CA" altLang="en-US">
+                <a:sym typeface="+mn-ea"/>
+              </a:rPr>
+              <a:t>SVC</a:t>
+            </a:r>
+            <a:endParaRPr lang="en-CA" altLang="en-US"/>
+          </a:p>
+          <a:p>
+            <a:pPr marL="514350" indent="-285750">
+              <a:buFont typeface="Arial" panose="020B0604020202020204" pitchFamily="34" charset="0"/>
+              <a:buChar char="•"/>
+            </a:pPr>
+            <a:r>
+              <a:rPr lang="en-CA" altLang="en-US">
+                <a:sym typeface="+mn-ea"/>
+              </a:rPr>
+              <a:t>SGD Classifier</a:t>
+            </a:r>
+            <a:endParaRPr lang="en-CA" altLang="en-US"/>
+          </a:p>
+          <a:p>
+            <a:pPr marL="514350" indent="-285750">
+              <a:buFont typeface="Arial" panose="020B0604020202020204" pitchFamily="34" charset="0"/>
+              <a:buChar char="•"/>
+            </a:pPr>
+            <a:r>
+              <a:rPr lang="en-CA" altLang="en-US">
+                <a:sym typeface="+mn-ea"/>
+              </a:rPr>
+              <a:t>Voting Classifier (E</a:t>
+            </a:r>
+            <a:r>
+              <a:rPr lang="en-US" dirty="0">
+                <a:sym typeface="+mn-ea"/>
+              </a:rPr>
+              <a:t>nsemble of all other classifiers except Neural Network</a:t>
+            </a:r>
+            <a:r>
+              <a:rPr lang="en-CA" altLang="en-US" dirty="0">
+                <a:sym typeface="+mn-ea"/>
+              </a:rPr>
+              <a:t>)</a:t>
+            </a:r>
+            <a:endParaRPr lang="en-CA" altLang="en-US"/>
+          </a:p>
+          <a:p>
+            <a:pPr marL="514350" indent="-285750">
+              <a:buFont typeface="Arial" panose="020B0604020202020204" pitchFamily="34" charset="0"/>
+              <a:buChar char="•"/>
+            </a:pPr>
+            <a:r>
+              <a:rPr lang="en-CA" altLang="en-US">
+                <a:sym typeface="+mn-ea"/>
+              </a:rPr>
+              <a:t>Neural Network Classifier</a:t>
+            </a:r>
+            <a:endParaRPr lang="en-CA" altLang="en-US"/>
+          </a:p>
+          <a:p>
+            <a:endParaRPr lang="en-US"/>
+          </a:p>
+        </p:txBody>
+      </p:sp>
+    </p:spTree>
+  </p:cSld>
+  <p:clrMapOvr>
+    <a:masterClrMapping/>
+  </p:clrMapOvr>
+</p:sld>
+</file>
+
+<file path=ppt/slides/slide8.xml><?xml version="1.0" encoding="utf-8"?>
 <p:sld xmlns:a="http://schemas.openxmlformats.org/drawingml/2006/main" xmlns:r="http://schemas.openxmlformats.org/officeDocument/2006/relationships" xmlns:p="http://schemas.openxmlformats.org/presentationml/2006/main">
   <p:cSld>
     <p:spTree>
@@ -13997,13 +14071,1533 @@
       </p:grpSpPr>
       <p:sp>
         <p:nvSpPr>
-          <p:cNvPr id="2" name="Title 1">
-            <a:extLst>
-              <a:ext uri="{FF2B5EF4-FFF2-40B4-BE49-F238E27FC236}">
-                <a16:creationId xmlns:a16="http://schemas.microsoft.com/office/drawing/2014/main" id="{C86E3742-F184-4273-8BB0-9A166C814BED}"/>
-              </a:ext>
-            </a:extLst>
-          </p:cNvPr>
+          <p:cNvPr id="2" name="Title 1"/>
+          <p:cNvSpPr>
+            <a:spLocks noGrp="1"/>
+          </p:cNvSpPr>
+          <p:nvPr>
+            <p:ph type="title"/>
+          </p:nvPr>
+        </p:nvSpPr>
+        <p:spPr>
+          <a:xfrm>
+            <a:off x="637540" y="356235"/>
+            <a:ext cx="10131425" cy="1010285"/>
+          </a:xfrm>
+        </p:spPr>
+        <p:txBody>
+          <a:bodyPr>
+            <a:normAutofit/>
+          </a:bodyPr>
+          <a:lstStyle/>
+          <a:p>
+            <a:r>
+              <a:rPr lang="en-US" dirty="0"/>
+              <a:t>Modelling</a:t>
+            </a:r>
+            <a:endParaRPr lang="en-US" dirty="0"/>
+          </a:p>
+        </p:txBody>
+      </p:sp>
+      <p:graphicFrame>
+        <p:nvGraphicFramePr>
+          <p:cNvPr id="7" name="Content Placeholder 6"/>
+          <p:cNvGraphicFramePr/>
+          <p:nvPr>
+            <p:ph idx="1"/>
+          </p:nvPr>
+        </p:nvGraphicFramePr>
+        <p:xfrm>
+          <a:off x="306705" y="1366520"/>
+          <a:ext cx="11734800" cy="5039995"/>
+        </p:xfrm>
+        <a:graphic>
+          <a:graphicData uri="http://schemas.openxmlformats.org/drawingml/2006/table">
+            <a:tbl>
+              <a:tblPr firstRow="1" bandRow="1">
+                <a:tableStyleId>{5C22544A-7EE6-4342-B048-85BDC9FD1C3A}</a:tableStyleId>
+              </a:tblPr>
+              <a:tblGrid>
+                <a:gridCol w="1029335"/>
+                <a:gridCol w="1244600"/>
+                <a:gridCol w="1223645"/>
+                <a:gridCol w="1301750"/>
+                <a:gridCol w="1289050"/>
+                <a:gridCol w="1238250"/>
+                <a:gridCol w="1077595"/>
+                <a:gridCol w="1103630"/>
+                <a:gridCol w="1092200"/>
+                <a:gridCol w="1134745"/>
+              </a:tblGrid>
+              <a:tr h="1350010">
+                <a:tc>
+                  <a:txBody>
+                    <a:bodyPr/>
+                    <a:p>
+                      <a:pPr>
+                        <a:buNone/>
+                      </a:pPr>
+                      <a:endParaRPr lang="en-US">
+                        <a:solidFill>
+                          <a:schemeClr val="tx1"/>
+                        </a:solidFill>
+                      </a:endParaRPr>
+                    </a:p>
+                  </a:txBody>
+                  <a:tcPr/>
+                </a:tc>
+                <a:tc>
+                  <a:txBody>
+                    <a:bodyPr/>
+                    <a:p>
+                      <a:pPr>
+                        <a:buNone/>
+                      </a:pPr>
+                      <a:r>
+                        <a:rPr lang="en-US">
+                          <a:solidFill>
+                            <a:schemeClr val="tx1"/>
+                          </a:solidFill>
+                        </a:rPr>
+                        <a:t>Logistic Regression</a:t>
+                      </a:r>
+                      <a:endParaRPr lang="en-US">
+                        <a:solidFill>
+                          <a:schemeClr val="tx1"/>
+                        </a:solidFill>
+                      </a:endParaRPr>
+                    </a:p>
+                  </a:txBody>
+                  <a:tcPr/>
+                </a:tc>
+                <a:tc>
+                  <a:txBody>
+                    <a:bodyPr/>
+                    <a:p>
+                      <a:pPr>
+                        <a:buNone/>
+                      </a:pPr>
+                      <a:r>
+                        <a:rPr lang="en-US">
+                          <a:solidFill>
+                            <a:schemeClr val="tx1"/>
+                          </a:solidFill>
+                        </a:rPr>
+                        <a:t>Gaussian NB</a:t>
+                      </a:r>
+                      <a:endParaRPr lang="en-US">
+                        <a:solidFill>
+                          <a:schemeClr val="tx1"/>
+                        </a:solidFill>
+                      </a:endParaRPr>
+                    </a:p>
+                  </a:txBody>
+                  <a:tcPr/>
+                </a:tc>
+                <a:tc>
+                  <a:txBody>
+                    <a:bodyPr/>
+                    <a:p>
+                      <a:pPr>
+                        <a:buNone/>
+                      </a:pPr>
+                      <a:r>
+                        <a:rPr lang="en-US">
+                          <a:solidFill>
+                            <a:schemeClr val="tx1"/>
+                          </a:solidFill>
+                        </a:rPr>
+                        <a:t>KNeighbors Classifier</a:t>
+                      </a:r>
+                      <a:endParaRPr lang="en-US">
+                        <a:solidFill>
+                          <a:schemeClr val="tx1"/>
+                        </a:solidFill>
+                      </a:endParaRPr>
+                    </a:p>
+                  </a:txBody>
+                  <a:tcPr/>
+                </a:tc>
+                <a:tc>
+                  <a:txBody>
+                    <a:bodyPr/>
+                    <a:p>
+                      <a:pPr>
+                        <a:buNone/>
+                      </a:pPr>
+                      <a:r>
+                        <a:rPr lang="en-US">
+                          <a:solidFill>
+                            <a:schemeClr val="tx1"/>
+                          </a:solidFill>
+                        </a:rPr>
+                        <a:t>Random Forest Classifier</a:t>
+                      </a:r>
+                      <a:endParaRPr lang="en-US">
+                        <a:solidFill>
+                          <a:schemeClr val="tx1"/>
+                        </a:solidFill>
+                      </a:endParaRPr>
+                    </a:p>
+                  </a:txBody>
+                  <a:tcPr/>
+                </a:tc>
+                <a:tc>
+                  <a:txBody>
+                    <a:bodyPr/>
+                    <a:p>
+                      <a:pPr>
+                        <a:buNone/>
+                      </a:pPr>
+                      <a:r>
+                        <a:rPr lang="en-US">
+                          <a:solidFill>
+                            <a:schemeClr val="tx1"/>
+                          </a:solidFill>
+                        </a:rPr>
+                        <a:t>Decision Tree Classifier</a:t>
+                      </a:r>
+                      <a:endParaRPr lang="en-US">
+                        <a:solidFill>
+                          <a:schemeClr val="tx1"/>
+                        </a:solidFill>
+                      </a:endParaRPr>
+                    </a:p>
+                  </a:txBody>
+                  <a:tcPr/>
+                </a:tc>
+                <a:tc>
+                  <a:txBody>
+                    <a:bodyPr/>
+                    <a:p>
+                      <a:pPr>
+                        <a:buNone/>
+                      </a:pPr>
+                      <a:r>
+                        <a:rPr lang="en-US">
+                          <a:solidFill>
+                            <a:schemeClr val="tx1"/>
+                          </a:solidFill>
+                        </a:rPr>
+                        <a:t>SVC</a:t>
+                      </a:r>
+                      <a:endParaRPr lang="en-US">
+                        <a:solidFill>
+                          <a:schemeClr val="tx1"/>
+                        </a:solidFill>
+                      </a:endParaRPr>
+                    </a:p>
+                  </a:txBody>
+                  <a:tcPr/>
+                </a:tc>
+                <a:tc>
+                  <a:txBody>
+                    <a:bodyPr/>
+                    <a:p>
+                      <a:pPr>
+                        <a:buNone/>
+                      </a:pPr>
+                      <a:r>
+                        <a:rPr lang="en-US">
+                          <a:solidFill>
+                            <a:schemeClr val="tx1"/>
+                          </a:solidFill>
+                        </a:rPr>
+                        <a:t>SGD Classifier</a:t>
+                      </a:r>
+                      <a:endParaRPr lang="en-US">
+                        <a:solidFill>
+                          <a:schemeClr val="tx1"/>
+                        </a:solidFill>
+                      </a:endParaRPr>
+                    </a:p>
+                  </a:txBody>
+                  <a:tcPr/>
+                </a:tc>
+                <a:tc>
+                  <a:txBody>
+                    <a:bodyPr/>
+                    <a:p>
+                      <a:pPr>
+                        <a:buNone/>
+                      </a:pPr>
+                      <a:r>
+                        <a:rPr lang="en-US">
+                          <a:solidFill>
+                            <a:schemeClr val="tx1"/>
+                          </a:solidFill>
+                        </a:rPr>
+                        <a:t>Neural Network</a:t>
+                      </a:r>
+                      <a:endParaRPr lang="en-US">
+                        <a:solidFill>
+                          <a:schemeClr val="tx1"/>
+                        </a:solidFill>
+                      </a:endParaRPr>
+                    </a:p>
+                  </a:txBody>
+                  <a:tcPr/>
+                </a:tc>
+                <a:tc>
+                  <a:txBody>
+                    <a:bodyPr/>
+                    <a:p>
+                      <a:pPr>
+                        <a:buNone/>
+                      </a:pPr>
+                      <a:r>
+                        <a:rPr lang="en-US">
+                          <a:solidFill>
+                            <a:schemeClr val="tx1"/>
+                          </a:solidFill>
+                        </a:rPr>
+                        <a:t>Voting Classifier</a:t>
+                      </a:r>
+                      <a:endParaRPr lang="en-US">
+                        <a:solidFill>
+                          <a:schemeClr val="tx1"/>
+                        </a:solidFill>
+                      </a:endParaRPr>
+                    </a:p>
+                  </a:txBody>
+                  <a:tcPr/>
+                </a:tc>
+              </a:tr>
+              <a:tr h="737870">
+                <a:tc>
+                  <a:txBody>
+                    <a:bodyPr/>
+                    <a:p>
+                      <a:pPr>
+                        <a:buNone/>
+                      </a:pPr>
+                      <a:r>
+                        <a:rPr lang="en-US">
+                          <a:solidFill>
+                            <a:schemeClr val="tx1"/>
+                          </a:solidFill>
+                        </a:rPr>
+                        <a:t>Accuracy</a:t>
+                      </a:r>
+                      <a:endParaRPr lang="en-US">
+                        <a:solidFill>
+                          <a:schemeClr val="tx1"/>
+                        </a:solidFill>
+                      </a:endParaRPr>
+                    </a:p>
+                  </a:txBody>
+                  <a:tcPr/>
+                </a:tc>
+                <a:tc>
+                  <a:txBody>
+                    <a:bodyPr/>
+                    <a:p>
+                      <a:pPr>
+                        <a:buNone/>
+                      </a:pPr>
+                      <a:r>
+                        <a:rPr lang="en-US">
+                          <a:solidFill>
+                            <a:schemeClr val="tx1"/>
+                          </a:solidFill>
+                        </a:rPr>
+                        <a:t>0.944737</a:t>
+                      </a:r>
+                      <a:endParaRPr lang="en-US">
+                        <a:solidFill>
+                          <a:schemeClr val="tx1"/>
+                        </a:solidFill>
+                      </a:endParaRPr>
+                    </a:p>
+                  </a:txBody>
+                  <a:tcPr/>
+                </a:tc>
+                <a:tc>
+                  <a:txBody>
+                    <a:bodyPr/>
+                    <a:p>
+                      <a:pPr>
+                        <a:buNone/>
+                      </a:pPr>
+                      <a:r>
+                        <a:rPr lang="en-US">
+                          <a:solidFill>
+                            <a:schemeClr val="tx1"/>
+                          </a:solidFill>
+                        </a:rPr>
+                        <a:t>0.944211</a:t>
+                      </a:r>
+                      <a:endParaRPr lang="en-US">
+                        <a:solidFill>
+                          <a:schemeClr val="tx1"/>
+                        </a:solidFill>
+                      </a:endParaRPr>
+                    </a:p>
+                  </a:txBody>
+                  <a:tcPr/>
+                </a:tc>
+                <a:tc>
+                  <a:txBody>
+                    <a:bodyPr/>
+                    <a:p>
+                      <a:pPr>
+                        <a:buNone/>
+                      </a:pPr>
+                      <a:r>
+                        <a:rPr lang="en-US">
+                          <a:solidFill>
+                            <a:schemeClr val="tx1"/>
+                          </a:solidFill>
+                        </a:rPr>
+                        <a:t>0.943684</a:t>
+                      </a:r>
+                      <a:endParaRPr lang="en-US">
+                        <a:solidFill>
+                          <a:schemeClr val="tx1"/>
+                        </a:solidFill>
+                      </a:endParaRPr>
+                    </a:p>
+                  </a:txBody>
+                  <a:tcPr/>
+                </a:tc>
+                <a:tc>
+                  <a:txBody>
+                    <a:bodyPr/>
+                    <a:p>
+                      <a:pPr>
+                        <a:buNone/>
+                      </a:pPr>
+                      <a:r>
+                        <a:rPr lang="en-US">
+                          <a:solidFill>
+                            <a:schemeClr val="tx1"/>
+                          </a:solidFill>
+                        </a:rPr>
+                        <a:t>0.923158</a:t>
+                      </a:r>
+                      <a:endParaRPr lang="en-US">
+                        <a:solidFill>
+                          <a:schemeClr val="tx1"/>
+                        </a:solidFill>
+                      </a:endParaRPr>
+                    </a:p>
+                  </a:txBody>
+                  <a:tcPr/>
+                </a:tc>
+                <a:tc>
+                  <a:txBody>
+                    <a:bodyPr/>
+                    <a:p>
+                      <a:pPr>
+                        <a:buNone/>
+                      </a:pPr>
+                      <a:r>
+                        <a:rPr lang="en-US">
+                          <a:solidFill>
+                            <a:schemeClr val="tx1"/>
+                          </a:solidFill>
+                        </a:rPr>
+                        <a:t>0.923158</a:t>
+                      </a:r>
+                      <a:endParaRPr lang="en-US">
+                        <a:solidFill>
+                          <a:schemeClr val="tx1"/>
+                        </a:solidFill>
+                      </a:endParaRPr>
+                    </a:p>
+                  </a:txBody>
+                  <a:tcPr/>
+                </a:tc>
+                <a:tc>
+                  <a:txBody>
+                    <a:bodyPr/>
+                    <a:p>
+                      <a:pPr>
+                        <a:buNone/>
+                      </a:pPr>
+                      <a:r>
+                        <a:rPr lang="en-US">
+                          <a:solidFill>
+                            <a:schemeClr val="tx1"/>
+                          </a:solidFill>
+                        </a:rPr>
+                        <a:t>0.946842</a:t>
+                      </a:r>
+                      <a:endParaRPr lang="en-US">
+                        <a:solidFill>
+                          <a:schemeClr val="tx1"/>
+                        </a:solidFill>
+                      </a:endParaRPr>
+                    </a:p>
+                  </a:txBody>
+                  <a:tcPr/>
+                </a:tc>
+                <a:tc>
+                  <a:txBody>
+                    <a:bodyPr/>
+                    <a:p>
+                      <a:pPr>
+                        <a:buNone/>
+                      </a:pPr>
+                      <a:r>
+                        <a:rPr lang="en-US">
+                          <a:solidFill>
+                            <a:schemeClr val="tx1"/>
+                          </a:solidFill>
+                        </a:rPr>
+                        <a:t>0.942105</a:t>
+                      </a:r>
+                      <a:endParaRPr lang="en-US">
+                        <a:solidFill>
+                          <a:schemeClr val="tx1"/>
+                        </a:solidFill>
+                      </a:endParaRPr>
+                    </a:p>
+                  </a:txBody>
+                  <a:tcPr/>
+                </a:tc>
+                <a:tc>
+                  <a:txBody>
+                    <a:bodyPr/>
+                    <a:p>
+                      <a:pPr>
+                        <a:buNone/>
+                      </a:pPr>
+                      <a:r>
+                        <a:rPr lang="en-US">
+                          <a:solidFill>
+                            <a:schemeClr val="tx1"/>
+                          </a:solidFill>
+                        </a:rPr>
+                        <a:t>0.958947</a:t>
+                      </a:r>
+                      <a:endParaRPr lang="en-US">
+                        <a:solidFill>
+                          <a:schemeClr val="tx1"/>
+                        </a:solidFill>
+                      </a:endParaRPr>
+                    </a:p>
+                  </a:txBody>
+                  <a:tcPr/>
+                </a:tc>
+                <a:tc>
+                  <a:txBody>
+                    <a:bodyPr/>
+                    <a:p>
+                      <a:pPr>
+                        <a:buNone/>
+                      </a:pPr>
+                      <a:r>
+                        <a:rPr lang="en-US">
+                          <a:solidFill>
+                            <a:schemeClr val="tx1"/>
+                          </a:solidFill>
+                        </a:rPr>
+                        <a:t>0.947895</a:t>
+                      </a:r>
+                      <a:endParaRPr lang="en-US">
+                        <a:solidFill>
+                          <a:schemeClr val="tx1"/>
+                        </a:solidFill>
+                      </a:endParaRPr>
+                    </a:p>
+                  </a:txBody>
+                  <a:tcPr/>
+                </a:tc>
+              </a:tr>
+              <a:tr h="737870">
+                <a:tc>
+                  <a:txBody>
+                    <a:bodyPr/>
+                    <a:p>
+                      <a:pPr>
+                        <a:buNone/>
+                      </a:pPr>
+                      <a:r>
+                        <a:rPr lang="en-US">
+                          <a:solidFill>
+                            <a:schemeClr val="tx1"/>
+                          </a:solidFill>
+                        </a:rPr>
+                        <a:t>Precision</a:t>
+                      </a:r>
+                      <a:endParaRPr lang="en-US">
+                        <a:solidFill>
+                          <a:schemeClr val="tx1"/>
+                        </a:solidFill>
+                      </a:endParaRPr>
+                    </a:p>
+                  </a:txBody>
+                  <a:tcPr/>
+                </a:tc>
+                <a:tc>
+                  <a:txBody>
+                    <a:bodyPr/>
+                    <a:p>
+                      <a:pPr>
+                        <a:buNone/>
+                      </a:pPr>
+                      <a:r>
+                        <a:rPr lang="en-US">
+                          <a:solidFill>
+                            <a:schemeClr val="tx1"/>
+                          </a:solidFill>
+                        </a:rPr>
+                        <a:t>0.620214</a:t>
+                      </a:r>
+                      <a:endParaRPr lang="en-US">
+                        <a:solidFill>
+                          <a:schemeClr val="tx1"/>
+                        </a:solidFill>
+                      </a:endParaRPr>
+                    </a:p>
+                  </a:txBody>
+                  <a:tcPr/>
+                </a:tc>
+                <a:tc>
+                  <a:txBody>
+                    <a:bodyPr/>
+                    <a:p>
+                      <a:pPr>
+                        <a:buNone/>
+                      </a:pPr>
+                      <a:r>
+                        <a:rPr lang="en-US">
+                          <a:solidFill>
+                            <a:schemeClr val="tx1"/>
+                          </a:solidFill>
+                        </a:rPr>
+                        <a:t>0.613547</a:t>
+                      </a:r>
+                      <a:endParaRPr lang="en-US">
+                        <a:solidFill>
+                          <a:schemeClr val="tx1"/>
+                        </a:solidFill>
+                      </a:endParaRPr>
+                    </a:p>
+                  </a:txBody>
+                  <a:tcPr/>
+                </a:tc>
+                <a:tc>
+                  <a:txBody>
+                    <a:bodyPr/>
+                    <a:p>
+                      <a:pPr>
+                        <a:buNone/>
+                      </a:pPr>
+                      <a:r>
+                        <a:rPr lang="en-US">
+                          <a:solidFill>
+                            <a:schemeClr val="tx1"/>
+                          </a:solidFill>
+                        </a:rPr>
+                        <a:t>0.577273</a:t>
+                      </a:r>
+                      <a:endParaRPr lang="en-US">
+                        <a:solidFill>
+                          <a:schemeClr val="tx1"/>
+                        </a:solidFill>
+                      </a:endParaRPr>
+                    </a:p>
+                  </a:txBody>
+                  <a:tcPr/>
+                </a:tc>
+                <a:tc>
+                  <a:txBody>
+                    <a:bodyPr/>
+                    <a:p>
+                      <a:pPr>
+                        <a:buNone/>
+                      </a:pPr>
+                      <a:r>
+                        <a:rPr lang="en-US">
+                          <a:solidFill>
+                            <a:schemeClr val="tx1"/>
+                          </a:solidFill>
+                        </a:rPr>
+                        <a:t>0.396936</a:t>
+                      </a:r>
+                      <a:endParaRPr lang="en-US">
+                        <a:solidFill>
+                          <a:schemeClr val="tx1"/>
+                        </a:solidFill>
+                      </a:endParaRPr>
+                    </a:p>
+                  </a:txBody>
+                  <a:tcPr/>
+                </a:tc>
+                <a:tc>
+                  <a:txBody>
+                    <a:bodyPr/>
+                    <a:p>
+                      <a:pPr>
+                        <a:buNone/>
+                      </a:pPr>
+                      <a:r>
+                        <a:rPr lang="en-US">
+                          <a:solidFill>
+                            <a:schemeClr val="tx1"/>
+                          </a:solidFill>
+                        </a:rPr>
+                        <a:t>0.396936</a:t>
+                      </a:r>
+                      <a:endParaRPr lang="en-US">
+                        <a:solidFill>
+                          <a:schemeClr val="tx1"/>
+                        </a:solidFill>
+                      </a:endParaRPr>
+                    </a:p>
+                  </a:txBody>
+                  <a:tcPr/>
+                </a:tc>
+                <a:tc>
+                  <a:txBody>
+                    <a:bodyPr/>
+                    <a:p>
+                      <a:pPr>
+                        <a:buNone/>
+                      </a:pPr>
+                      <a:r>
+                        <a:rPr lang="en-US">
+                          <a:solidFill>
+                            <a:schemeClr val="tx1"/>
+                          </a:solidFill>
+                        </a:rPr>
+                        <a:t>0.717857</a:t>
+                      </a:r>
+                      <a:endParaRPr lang="en-US">
+                        <a:solidFill>
+                          <a:schemeClr val="tx1"/>
+                        </a:solidFill>
+                      </a:endParaRPr>
+                    </a:p>
+                  </a:txBody>
+                  <a:tcPr/>
+                </a:tc>
+                <a:tc>
+                  <a:txBody>
+                    <a:bodyPr/>
+                    <a:p>
+                      <a:pPr>
+                        <a:buNone/>
+                      </a:pPr>
+                      <a:r>
+                        <a:rPr lang="en-US">
+                          <a:solidFill>
+                            <a:schemeClr val="tx1"/>
+                          </a:solidFill>
+                        </a:rPr>
+                        <a:t>0.572849</a:t>
+                      </a:r>
+                      <a:endParaRPr lang="en-US">
+                        <a:solidFill>
+                          <a:schemeClr val="tx1"/>
+                        </a:solidFill>
+                      </a:endParaRPr>
+                    </a:p>
+                  </a:txBody>
+                  <a:tcPr/>
+                </a:tc>
+                <a:tc>
+                  <a:txBody>
+                    <a:bodyPr/>
+                    <a:p>
+                      <a:pPr>
+                        <a:buNone/>
+                      </a:pPr>
+                      <a:r>
+                        <a:rPr lang="en-US">
+                          <a:solidFill>
+                            <a:schemeClr val="tx1"/>
+                          </a:solidFill>
+                        </a:rPr>
+                        <a:t>0.578056</a:t>
+                      </a:r>
+                      <a:endParaRPr lang="en-US">
+                        <a:solidFill>
+                          <a:schemeClr val="tx1"/>
+                        </a:solidFill>
+                      </a:endParaRPr>
+                    </a:p>
+                  </a:txBody>
+                  <a:tcPr/>
+                </a:tc>
+                <a:tc>
+                  <a:txBody>
+                    <a:bodyPr/>
+                    <a:p>
+                      <a:pPr>
+                        <a:buNone/>
+                      </a:pPr>
+                      <a:r>
+                        <a:rPr lang="en-US">
+                          <a:solidFill>
+                            <a:schemeClr val="tx1"/>
+                          </a:solidFill>
+                        </a:rPr>
+                        <a:t>0.671958</a:t>
+                      </a:r>
+                      <a:endParaRPr lang="en-US">
+                        <a:solidFill>
+                          <a:schemeClr val="tx1"/>
+                        </a:solidFill>
+                      </a:endParaRPr>
+                    </a:p>
+                  </a:txBody>
+                  <a:tcPr/>
+                </a:tc>
+              </a:tr>
+              <a:tr h="737870">
+                <a:tc>
+                  <a:txBody>
+                    <a:bodyPr/>
+                    <a:p>
+                      <a:pPr>
+                        <a:buNone/>
+                      </a:pPr>
+                      <a:r>
+                        <a:rPr lang="en-US">
+                          <a:solidFill>
+                            <a:schemeClr val="tx1"/>
+                          </a:solidFill>
+                        </a:rPr>
+                        <a:t>Recall</a:t>
+                      </a:r>
+                      <a:endParaRPr lang="en-US">
+                        <a:solidFill>
+                          <a:schemeClr val="tx1"/>
+                        </a:solidFill>
+                      </a:endParaRPr>
+                    </a:p>
+                  </a:txBody>
+                  <a:tcPr/>
+                </a:tc>
+                <a:tc>
+                  <a:txBody>
+                    <a:bodyPr/>
+                    <a:p>
+                      <a:pPr>
+                        <a:buNone/>
+                      </a:pPr>
+                      <a:r>
+                        <a:rPr lang="en-US">
+                          <a:solidFill>
+                            <a:schemeClr val="tx1"/>
+                          </a:solidFill>
+                        </a:rPr>
+                        <a:t>0.300000</a:t>
+                      </a:r>
+                      <a:endParaRPr lang="en-US">
+                        <a:solidFill>
+                          <a:schemeClr val="tx1"/>
+                        </a:solidFill>
+                      </a:endParaRPr>
+                    </a:p>
+                  </a:txBody>
+                  <a:tcPr/>
+                </a:tc>
+                <a:tc>
+                  <a:txBody>
+                    <a:bodyPr/>
+                    <a:p>
+                      <a:pPr>
+                        <a:buNone/>
+                      </a:pPr>
+                      <a:r>
+                        <a:rPr lang="en-US">
+                          <a:solidFill>
+                            <a:schemeClr val="tx1"/>
+                          </a:solidFill>
+                        </a:rPr>
+                        <a:t>0.300000</a:t>
+                      </a:r>
+                      <a:endParaRPr lang="en-US">
+                        <a:solidFill>
+                          <a:schemeClr val="tx1"/>
+                        </a:solidFill>
+                      </a:endParaRPr>
+                    </a:p>
+                  </a:txBody>
+                  <a:tcPr/>
+                </a:tc>
+                <a:tc>
+                  <a:txBody>
+                    <a:bodyPr/>
+                    <a:p>
+                      <a:pPr>
+                        <a:buNone/>
+                      </a:pPr>
+                      <a:r>
+                        <a:rPr lang="en-US">
+                          <a:solidFill>
+                            <a:schemeClr val="tx1"/>
+                          </a:solidFill>
+                        </a:rPr>
+                        <a:t>0.383333</a:t>
+                      </a:r>
+                      <a:endParaRPr lang="en-US">
+                        <a:solidFill>
+                          <a:schemeClr val="tx1"/>
+                        </a:solidFill>
+                      </a:endParaRPr>
+                    </a:p>
+                  </a:txBody>
+                  <a:tcPr/>
+                </a:tc>
+                <a:tc>
+                  <a:txBody>
+                    <a:bodyPr/>
+                    <a:p>
+                      <a:pPr>
+                        <a:buNone/>
+                      </a:pPr>
+                      <a:r>
+                        <a:rPr lang="en-US">
+                          <a:solidFill>
+                            <a:schemeClr val="tx1"/>
+                          </a:solidFill>
+                        </a:rPr>
+                        <a:t>0.366667</a:t>
+                      </a:r>
+                      <a:endParaRPr lang="en-US">
+                        <a:solidFill>
+                          <a:schemeClr val="tx1"/>
+                        </a:solidFill>
+                      </a:endParaRPr>
+                    </a:p>
+                  </a:txBody>
+                  <a:tcPr/>
+                </a:tc>
+                <a:tc>
+                  <a:txBody>
+                    <a:bodyPr/>
+                    <a:p>
+                      <a:pPr>
+                        <a:buNone/>
+                      </a:pPr>
+                      <a:r>
+                        <a:rPr lang="en-US">
+                          <a:solidFill>
+                            <a:schemeClr val="tx1"/>
+                          </a:solidFill>
+                        </a:rPr>
+                        <a:t>0.366667</a:t>
+                      </a:r>
+                      <a:endParaRPr lang="en-US">
+                        <a:solidFill>
+                          <a:schemeClr val="tx1"/>
+                        </a:solidFill>
+                      </a:endParaRPr>
+                    </a:p>
+                  </a:txBody>
+                  <a:tcPr/>
+                </a:tc>
+                <a:tc>
+                  <a:txBody>
+                    <a:bodyPr/>
+                    <a:p>
+                      <a:pPr>
+                        <a:buNone/>
+                      </a:pPr>
+                      <a:r>
+                        <a:rPr lang="en-US">
+                          <a:solidFill>
+                            <a:schemeClr val="tx1"/>
+                          </a:solidFill>
+                        </a:rPr>
+                        <a:t>0.275000</a:t>
+                      </a:r>
+                      <a:endParaRPr lang="en-US">
+                        <a:solidFill>
+                          <a:schemeClr val="tx1"/>
+                        </a:solidFill>
+                      </a:endParaRPr>
+                    </a:p>
+                  </a:txBody>
+                  <a:tcPr/>
+                </a:tc>
+                <a:tc>
+                  <a:txBody>
+                    <a:bodyPr/>
+                    <a:p>
+                      <a:pPr>
+                        <a:buNone/>
+                      </a:pPr>
+                      <a:r>
+                        <a:rPr lang="en-US">
+                          <a:solidFill>
+                            <a:schemeClr val="tx1"/>
+                          </a:solidFill>
+                        </a:rPr>
+                        <a:t>0.483333</a:t>
+                      </a:r>
+                      <a:endParaRPr lang="en-US">
+                        <a:solidFill>
+                          <a:schemeClr val="tx1"/>
+                        </a:solidFill>
+                      </a:endParaRPr>
+                    </a:p>
+                  </a:txBody>
+                  <a:tcPr/>
+                </a:tc>
+                <a:tc>
+                  <a:txBody>
+                    <a:bodyPr/>
+                    <a:p>
+                      <a:pPr>
+                        <a:buNone/>
+                      </a:pPr>
+                      <a:r>
+                        <a:rPr lang="en-US">
+                          <a:solidFill>
+                            <a:schemeClr val="tx1"/>
+                          </a:solidFill>
+                        </a:rPr>
+                        <a:t>0.602778</a:t>
+                      </a:r>
+                      <a:endParaRPr lang="en-US">
+                        <a:solidFill>
+                          <a:schemeClr val="tx1"/>
+                        </a:solidFill>
+                      </a:endParaRPr>
+                    </a:p>
+                  </a:txBody>
+                  <a:tcPr/>
+                </a:tc>
+                <a:tc>
+                  <a:txBody>
+                    <a:bodyPr/>
+                    <a:p>
+                      <a:pPr>
+                        <a:buNone/>
+                      </a:pPr>
+                      <a:r>
+                        <a:rPr lang="en-US">
+                          <a:solidFill>
+                            <a:schemeClr val="tx1"/>
+                          </a:solidFill>
+                        </a:rPr>
+                        <a:t>0.350000</a:t>
+                      </a:r>
+                      <a:endParaRPr lang="en-US">
+                        <a:solidFill>
+                          <a:schemeClr val="tx1"/>
+                        </a:solidFill>
+                      </a:endParaRPr>
+                    </a:p>
+                  </a:txBody>
+                  <a:tcPr/>
+                </a:tc>
+              </a:tr>
+              <a:tr h="738505">
+                <a:tc>
+                  <a:txBody>
+                    <a:bodyPr/>
+                    <a:p>
+                      <a:pPr>
+                        <a:buNone/>
+                      </a:pPr>
+                      <a:r>
+                        <a:rPr lang="en-US">
+                          <a:solidFill>
+                            <a:schemeClr val="tx1"/>
+                          </a:solidFill>
+                        </a:rPr>
+                        <a:t>F1</a:t>
+                      </a:r>
+                      <a:endParaRPr lang="en-US">
+                        <a:solidFill>
+                          <a:schemeClr val="tx1"/>
+                        </a:solidFill>
+                      </a:endParaRPr>
+                    </a:p>
+                  </a:txBody>
+                  <a:tcPr/>
+                </a:tc>
+                <a:tc>
+                  <a:txBody>
+                    <a:bodyPr/>
+                    <a:p>
+                      <a:pPr>
+                        <a:buNone/>
+                      </a:pPr>
+                      <a:r>
+                        <a:rPr lang="en-US">
+                          <a:solidFill>
+                            <a:schemeClr val="tx1"/>
+                          </a:solidFill>
+                        </a:rPr>
+                        <a:t>0.392481</a:t>
+                      </a:r>
+                      <a:endParaRPr lang="en-US">
+                        <a:solidFill>
+                          <a:schemeClr val="tx1"/>
+                        </a:solidFill>
+                      </a:endParaRPr>
+                    </a:p>
+                  </a:txBody>
+                  <a:tcPr/>
+                </a:tc>
+                <a:tc>
+                  <a:txBody>
+                    <a:bodyPr/>
+                    <a:p>
+                      <a:pPr>
+                        <a:buNone/>
+                      </a:pPr>
+                      <a:r>
+                        <a:rPr lang="en-US">
+                          <a:solidFill>
+                            <a:schemeClr val="tx1"/>
+                          </a:solidFill>
+                        </a:rPr>
+                        <a:t>0.390592</a:t>
+                      </a:r>
+                      <a:endParaRPr lang="en-US">
+                        <a:solidFill>
+                          <a:schemeClr val="tx1"/>
+                        </a:solidFill>
+                      </a:endParaRPr>
+                    </a:p>
+                  </a:txBody>
+                  <a:tcPr/>
+                </a:tc>
+                <a:tc>
+                  <a:txBody>
+                    <a:bodyPr/>
+                    <a:p>
+                      <a:pPr>
+                        <a:buNone/>
+                      </a:pPr>
+                      <a:r>
+                        <a:rPr lang="en-US">
+                          <a:solidFill>
+                            <a:schemeClr val="tx1"/>
+                          </a:solidFill>
+                        </a:rPr>
+                        <a:t>0.456364</a:t>
+                      </a:r>
+                      <a:endParaRPr lang="en-US">
+                        <a:solidFill>
+                          <a:schemeClr val="tx1"/>
+                        </a:solidFill>
+                      </a:endParaRPr>
+                    </a:p>
+                  </a:txBody>
+                  <a:tcPr/>
+                </a:tc>
+                <a:tc>
+                  <a:txBody>
+                    <a:bodyPr/>
+                    <a:p>
+                      <a:pPr>
+                        <a:buNone/>
+                      </a:pPr>
+                      <a:r>
+                        <a:rPr lang="en-US">
+                          <a:solidFill>
+                            <a:schemeClr val="tx1"/>
+                          </a:solidFill>
+                        </a:rPr>
+                        <a:t>0.376343</a:t>
+                      </a:r>
+                      <a:endParaRPr lang="en-US">
+                        <a:solidFill>
+                          <a:schemeClr val="tx1"/>
+                        </a:solidFill>
+                      </a:endParaRPr>
+                    </a:p>
+                  </a:txBody>
+                  <a:tcPr/>
+                </a:tc>
+                <a:tc>
+                  <a:txBody>
+                    <a:bodyPr/>
+                    <a:p>
+                      <a:pPr>
+                        <a:buNone/>
+                      </a:pPr>
+                      <a:r>
+                        <a:rPr lang="en-US">
+                          <a:solidFill>
+                            <a:schemeClr val="tx1"/>
+                          </a:solidFill>
+                        </a:rPr>
+                        <a:t>0.376343</a:t>
+                      </a:r>
+                      <a:endParaRPr lang="en-US">
+                        <a:solidFill>
+                          <a:schemeClr val="tx1"/>
+                        </a:solidFill>
+                      </a:endParaRPr>
+                    </a:p>
+                  </a:txBody>
+                  <a:tcPr/>
+                </a:tc>
+                <a:tc>
+                  <a:txBody>
+                    <a:bodyPr/>
+                    <a:p>
+                      <a:pPr>
+                        <a:buNone/>
+                      </a:pPr>
+                      <a:r>
+                        <a:rPr lang="en-US">
+                          <a:solidFill>
+                            <a:schemeClr val="tx1"/>
+                          </a:solidFill>
+                        </a:rPr>
+                        <a:t>0.382776</a:t>
+                      </a:r>
+                      <a:endParaRPr lang="en-US">
+                        <a:solidFill>
+                          <a:schemeClr val="tx1"/>
+                        </a:solidFill>
+                      </a:endParaRPr>
+                    </a:p>
+                  </a:txBody>
+                  <a:tcPr/>
+                </a:tc>
+                <a:tc>
+                  <a:txBody>
+                    <a:bodyPr/>
+                    <a:p>
+                      <a:pPr>
+                        <a:buNone/>
+                      </a:pPr>
+                      <a:r>
+                        <a:rPr lang="en-US">
+                          <a:solidFill>
+                            <a:schemeClr val="tx1"/>
+                          </a:solidFill>
+                        </a:rPr>
+                        <a:t>0.505170</a:t>
+                      </a:r>
+                      <a:endParaRPr lang="en-US">
+                        <a:solidFill>
+                          <a:schemeClr val="tx1"/>
+                        </a:solidFill>
+                      </a:endParaRPr>
+                    </a:p>
+                  </a:txBody>
+                  <a:tcPr/>
+                </a:tc>
+                <a:tc>
+                  <a:txBody>
+                    <a:bodyPr/>
+                    <a:p>
+                      <a:pPr>
+                        <a:buNone/>
+                      </a:pPr>
+                      <a:r>
+                        <a:rPr lang="en-US">
+                          <a:solidFill>
+                            <a:schemeClr val="tx1"/>
+                          </a:solidFill>
+                        </a:rPr>
+                        <a:t>0.567156</a:t>
+                      </a:r>
+                      <a:endParaRPr lang="en-US">
+                        <a:solidFill>
+                          <a:schemeClr val="tx1"/>
+                        </a:solidFill>
+                      </a:endParaRPr>
+                    </a:p>
+                  </a:txBody>
+                  <a:tcPr/>
+                </a:tc>
+                <a:tc>
+                  <a:txBody>
+                    <a:bodyPr/>
+                    <a:p>
+                      <a:pPr>
+                        <a:buNone/>
+                      </a:pPr>
+                      <a:r>
+                        <a:rPr lang="en-US">
+                          <a:solidFill>
+                            <a:schemeClr val="tx1"/>
+                          </a:solidFill>
+                        </a:rPr>
+                        <a:t>0.451475</a:t>
+                      </a:r>
+                      <a:endParaRPr lang="en-US">
+                        <a:solidFill>
+                          <a:schemeClr val="tx1"/>
+                        </a:solidFill>
+                      </a:endParaRPr>
+                    </a:p>
+                  </a:txBody>
+                  <a:tcPr/>
+                </a:tc>
+              </a:tr>
+              <a:tr h="737870">
+                <a:tc>
+                  <a:txBody>
+                    <a:bodyPr/>
+                    <a:p>
+                      <a:pPr>
+                        <a:buNone/>
+                      </a:pPr>
+                      <a:r>
+                        <a:rPr lang="en-US">
+                          <a:solidFill>
+                            <a:schemeClr val="tx1"/>
+                          </a:solidFill>
+                        </a:rPr>
+                        <a:t>AUC</a:t>
+                      </a:r>
+                      <a:endParaRPr lang="en-US">
+                        <a:solidFill>
+                          <a:schemeClr val="tx1"/>
+                        </a:solidFill>
+                      </a:endParaRPr>
+                    </a:p>
+                  </a:txBody>
+                  <a:tcPr/>
+                </a:tc>
+                <a:tc>
+                  <a:txBody>
+                    <a:bodyPr/>
+                    <a:p>
+                      <a:pPr>
+                        <a:buNone/>
+                      </a:pPr>
+                      <a:r>
+                        <a:rPr lang="en-US">
+                          <a:solidFill>
+                            <a:schemeClr val="tx1"/>
+                          </a:solidFill>
+                        </a:rPr>
+                        <a:t>0.644101</a:t>
+                      </a:r>
+                      <a:endParaRPr lang="en-US">
+                        <a:solidFill>
+                          <a:schemeClr val="tx1"/>
+                        </a:solidFill>
+                      </a:endParaRPr>
+                    </a:p>
+                  </a:txBody>
+                  <a:tcPr/>
+                </a:tc>
+                <a:tc>
+                  <a:txBody>
+                    <a:bodyPr/>
+                    <a:p>
+                      <a:pPr>
+                        <a:buNone/>
+                      </a:pPr>
+                      <a:r>
+                        <a:rPr lang="en-US">
+                          <a:solidFill>
+                            <a:schemeClr val="tx1"/>
+                          </a:solidFill>
+                        </a:rPr>
+                        <a:t>0.643820</a:t>
+                      </a:r>
+                      <a:endParaRPr lang="en-US">
+                        <a:solidFill>
+                          <a:schemeClr val="tx1"/>
+                        </a:solidFill>
+                      </a:endParaRPr>
+                    </a:p>
+                  </a:txBody>
+                  <a:tcPr/>
+                </a:tc>
+                <a:tc>
+                  <a:txBody>
+                    <a:bodyPr/>
+                    <a:p>
+                      <a:pPr>
+                        <a:buNone/>
+                      </a:pPr>
+                      <a:r>
+                        <a:rPr lang="en-US">
+                          <a:solidFill>
+                            <a:schemeClr val="tx1"/>
+                          </a:solidFill>
+                        </a:rPr>
+                        <a:t>0.682397</a:t>
+                      </a:r>
+                      <a:endParaRPr lang="en-US">
+                        <a:solidFill>
+                          <a:schemeClr val="tx1"/>
+                        </a:solidFill>
+                      </a:endParaRPr>
+                    </a:p>
+                  </a:txBody>
+                  <a:tcPr/>
+                </a:tc>
+                <a:tc>
+                  <a:txBody>
+                    <a:bodyPr/>
+                    <a:p>
+                      <a:pPr>
+                        <a:buNone/>
+                      </a:pPr>
+                      <a:r>
+                        <a:rPr lang="en-US">
+                          <a:solidFill>
+                            <a:schemeClr val="tx1"/>
+                          </a:solidFill>
+                        </a:rPr>
+                        <a:t>0.663670</a:t>
+                      </a:r>
+                      <a:endParaRPr lang="en-US">
+                        <a:solidFill>
+                          <a:schemeClr val="tx1"/>
+                        </a:solidFill>
+                      </a:endParaRPr>
+                    </a:p>
+                  </a:txBody>
+                  <a:tcPr/>
+                </a:tc>
+                <a:tc>
+                  <a:txBody>
+                    <a:bodyPr/>
+                    <a:p>
+                      <a:pPr>
+                        <a:buNone/>
+                      </a:pPr>
+                      <a:r>
+                        <a:rPr lang="en-US">
+                          <a:solidFill>
+                            <a:schemeClr val="tx1"/>
+                          </a:solidFill>
+                        </a:rPr>
+                        <a:t>0.663670</a:t>
+                      </a:r>
+                      <a:endParaRPr lang="en-US">
+                        <a:solidFill>
+                          <a:schemeClr val="tx1"/>
+                        </a:solidFill>
+                      </a:endParaRPr>
+                    </a:p>
+                  </a:txBody>
+                  <a:tcPr/>
+                </a:tc>
+                <a:tc>
+                  <a:txBody>
+                    <a:bodyPr/>
+                    <a:p>
+                      <a:pPr>
+                        <a:buNone/>
+                      </a:pPr>
+                      <a:r>
+                        <a:rPr lang="en-US">
+                          <a:solidFill>
+                            <a:schemeClr val="tx1"/>
+                          </a:solidFill>
+                        </a:rPr>
+                        <a:t>0.633567</a:t>
+                      </a:r>
+                      <a:endParaRPr lang="en-US">
+                        <a:solidFill>
+                          <a:schemeClr val="tx1"/>
+                        </a:solidFill>
+                      </a:endParaRPr>
+                    </a:p>
+                  </a:txBody>
+                  <a:tcPr/>
+                </a:tc>
+                <a:tc>
+                  <a:txBody>
+                    <a:bodyPr/>
+                    <a:p>
+                      <a:pPr>
+                        <a:buNone/>
+                      </a:pPr>
+                      <a:r>
+                        <a:rPr lang="en-US">
+                          <a:solidFill>
+                            <a:schemeClr val="tx1"/>
+                          </a:solidFill>
+                        </a:rPr>
+                        <a:t>0.728184</a:t>
+                      </a:r>
+                      <a:endParaRPr lang="en-US">
+                        <a:solidFill>
+                          <a:schemeClr val="tx1"/>
+                        </a:solidFill>
+                      </a:endParaRPr>
+                    </a:p>
+                  </a:txBody>
+                  <a:tcPr/>
+                </a:tc>
+                <a:tc>
+                  <a:txBody>
+                    <a:bodyPr/>
+                    <a:p>
+                      <a:pPr>
+                        <a:buNone/>
+                      </a:pPr>
+                      <a:r>
+                        <a:rPr lang="en-US">
+                          <a:solidFill>
+                            <a:schemeClr val="tx1"/>
+                          </a:solidFill>
+                        </a:rPr>
+                        <a:t>0.000000</a:t>
+                      </a:r>
+                      <a:endParaRPr lang="en-US">
+                        <a:solidFill>
+                          <a:schemeClr val="tx1"/>
+                        </a:solidFill>
+                      </a:endParaRPr>
+                    </a:p>
+                  </a:txBody>
+                  <a:tcPr/>
+                </a:tc>
+                <a:tc>
+                  <a:txBody>
+                    <a:bodyPr/>
+                    <a:p>
+                      <a:pPr>
+                        <a:buNone/>
+                      </a:pPr>
+                      <a:r>
+                        <a:rPr lang="en-US">
+                          <a:solidFill>
+                            <a:schemeClr val="tx1"/>
+                          </a:solidFill>
+                        </a:rPr>
+                        <a:t>0.669101</a:t>
+                      </a:r>
+                      <a:endParaRPr lang="en-US">
+                        <a:solidFill>
+                          <a:schemeClr val="tx1"/>
+                        </a:solidFill>
+                      </a:endParaRPr>
+                    </a:p>
+                  </a:txBody>
+                  <a:tcPr/>
+                </a:tc>
+              </a:tr>
+            </a:tbl>
+          </a:graphicData>
+        </a:graphic>
+      </p:graphicFrame>
+    </p:spTree>
+  </p:cSld>
+  <p:clrMapOvr>
+    <a:masterClrMapping/>
+  </p:clrMapOvr>
+</p:sld>
+</file>
+
+<file path=ppt/slides/slide9.xml><?xml version="1.0" encoding="utf-8"?>
+<p:sld xmlns:a="http://schemas.openxmlformats.org/drawingml/2006/main" xmlns:r="http://schemas.openxmlformats.org/officeDocument/2006/relationships" xmlns:p="http://schemas.openxmlformats.org/presentationml/2006/main">
+  <p:cSld>
+    <p:spTree>
+      <p:nvGrpSpPr>
+        <p:cNvPr id="1" name=""/>
+        <p:cNvGrpSpPr/>
+        <p:nvPr/>
+      </p:nvGrpSpPr>
+      <p:grpSpPr/>
+      <p:sp>
+        <p:nvSpPr>
+          <p:cNvPr id="2" name="Title 1"/>
           <p:cNvSpPr>
             <a:spLocks noGrp="1"/>
           </p:cNvSpPr>
@@ -14013,563 +15607,495 @@
         </p:nvSpPr>
         <p:spPr/>
         <p:txBody>
-          <a:bodyPr/>
-          <a:lstStyle/>
+          <a:bodyPr>
+            <a:normAutofit/>
+          </a:bodyPr>
           <a:p>
             <a:r>
-              <a:rPr lang="en-US" dirty="0"/>
-              <a:t>Modelling</a:t>
+              <a:rPr lang="en-CA" altLang="en-US"/>
+              <a:t>PREDICTION</a:t>
             </a:r>
+            <a:endParaRPr lang="en-CA" altLang="en-US"/>
           </a:p>
         </p:txBody>
       </p:sp>
-      <p:pic>
-        <p:nvPicPr>
-          <p:cNvPr id="4" name="Content Placeholder 3">
-            <a:extLst>
-              <a:ext uri="{FF2B5EF4-FFF2-40B4-BE49-F238E27FC236}">
-                <a16:creationId xmlns:a16="http://schemas.microsoft.com/office/drawing/2014/main" id="{BE19CC99-9980-4EBD-A316-2FCEFB4C2765}"/>
-              </a:ext>
-            </a:extLst>
-          </p:cNvPr>
-          <p:cNvPicPr>
-            <a:picLocks noGrp="1" noChangeAspect="1"/>
-          </p:cNvPicPr>
+      <p:graphicFrame>
+        <p:nvGraphicFramePr>
+          <p:cNvPr id="5" name="Content Placeholder 4"/>
+          <p:cNvGraphicFramePr/>
           <p:nvPr>
             <p:ph idx="1"/>
           </p:nvPr>
-        </p:nvPicPr>
-        <p:blipFill>
-          <a:blip r:embed="rId3"/>
-          <a:stretch>
-            <a:fillRect/>
-          </a:stretch>
-        </p:blipFill>
-        <p:spPr>
-          <a:xfrm>
-            <a:off x="1030287" y="2915073"/>
-            <a:ext cx="10131425" cy="1472738"/>
-          </a:xfrm>
-          <a:prstGeom prst="rect">
-            <a:avLst/>
-          </a:prstGeom>
-        </p:spPr>
-      </p:pic>
-      <p:sp>
-        <p:nvSpPr>
-          <p:cNvPr id="5" name="TextBox 4">
-            <a:extLst>
-              <a:ext uri="{FF2B5EF4-FFF2-40B4-BE49-F238E27FC236}">
-                <a16:creationId xmlns:a16="http://schemas.microsoft.com/office/drawing/2014/main" id="{FCD5D56E-D76C-4C76-8340-1C7509120750}"/>
-              </a:ext>
-            </a:extLst>
-          </p:cNvPr>
-          <p:cNvSpPr txBox="1"/>
-          <p:nvPr/>
-        </p:nvSpPr>
-        <p:spPr>
-          <a:xfrm>
-            <a:off x="2391640" y="5237017"/>
-            <a:ext cx="7408717" cy="646331"/>
-          </a:xfrm>
-          <a:prstGeom prst="rect">
-            <a:avLst/>
-          </a:prstGeom>
-          <a:noFill/>
-        </p:spPr>
-        <p:txBody>
-          <a:bodyPr wrap="square" rtlCol="0">
-            <a:spAutoFit/>
-          </a:bodyPr>
-          <a:lstStyle/>
-          <a:p>
-            <a:pPr marL="285750" indent="-285750">
-              <a:buFont typeface="Arial" panose="020B0604020202020204" pitchFamily="34" charset="0"/>
-              <a:buChar char="•"/>
-            </a:pPr>
-            <a:r>
-              <a:rPr lang="en-US" dirty="0"/>
-              <a:t>Voting Classifier is ensemble of all other classifiers except Neural Network</a:t>
-            </a:r>
-          </a:p>
-          <a:p>
-            <a:pPr marL="285750" indent="-285750">
-              <a:buFont typeface="Arial" panose="020B0604020202020204" pitchFamily="34" charset="0"/>
-              <a:buChar char="•"/>
-            </a:pPr>
-            <a:r>
-              <a:rPr lang="en-US" dirty="0"/>
-              <a:t>Of the models we trained, we picked the Neural Network</a:t>
-            </a:r>
-          </a:p>
-        </p:txBody>
-      </p:sp>
-    </p:spTree>
-    <p:extLst>
-      <p:ext uri="{BB962C8B-B14F-4D97-AF65-F5344CB8AC3E}">
-        <p14:creationId xmlns:p14="http://schemas.microsoft.com/office/powerpoint/2010/main" val="1138928446"/>
-      </p:ext>
-    </p:extLst>
-  </p:cSld>
-  <p:clrMapOvr>
-    <a:masterClrMapping/>
-  </p:clrMapOvr>
-</p:sld>
-</file>
-
-<file path=ppt/slides/slide7.xml><?xml version="1.0" encoding="utf-8"?>
-<p:sld xmlns:a="http://schemas.openxmlformats.org/drawingml/2006/main" xmlns:r="http://schemas.openxmlformats.org/officeDocument/2006/relationships" xmlns:p="http://schemas.openxmlformats.org/presentationml/2006/main">
-  <p:cSld>
-    <p:bg>
-      <p:bgPr>
-        <a:blipFill>
-          <a:blip r:embed="rId3"/>
-          <a:stretch/>
-        </a:blipFill>
-        <a:effectLst/>
-      </p:bgPr>
-    </p:bg>
-    <p:spTree>
-      <p:nvGrpSpPr>
-        <p:cNvPr id="1" name="Shape 106"/>
-        <p:cNvGrpSpPr/>
-        <p:nvPr/>
-      </p:nvGrpSpPr>
-      <p:grpSpPr>
-        <a:xfrm>
-          <a:off x="0" y="0"/>
-          <a:ext cx="0" cy="0"/>
-          <a:chOff x="0" y="0"/>
-          <a:chExt cx="0" cy="0"/>
-        </a:xfrm>
-      </p:grpSpPr>
-      <p:sp useBgFill="1">
-        <p:nvSpPr>
-          <p:cNvPr id="135" name="Rectangle 134">
-            <a:extLst>
-              <a:ext uri="{FF2B5EF4-FFF2-40B4-BE49-F238E27FC236}">
-                <a16:creationId xmlns:a16="http://schemas.microsoft.com/office/drawing/2014/main" id="{CBD94887-6A10-4F62-8EE1-B2BCFA1F380F}"/>
-              </a:ext>
-              <a:ext uri="{C183D7F6-B498-43B3-948B-1728B52AA6E4}">
-                <adec:decorative xmlns:adec="http://schemas.microsoft.com/office/drawing/2017/decorative" val="1"/>
-              </a:ext>
-            </a:extLst>
-          </p:cNvPr>
-          <p:cNvSpPr>
-            <a:spLocks noGrp="1" noRot="1" noChangeAspect="1" noMove="1" noResize="1" noEditPoints="1" noAdjustHandles="1" noChangeArrowheads="1" noChangeShapeType="1" noTextEdit="1"/>
-          </p:cNvSpPr>
-          <p:nvPr>
-            <p:extLst>
-              <p:ext uri="{386F3935-93C4-4BCD-93E2-E3B085C9AB24}">
-                <p16:designElem xmlns:p16="http://schemas.microsoft.com/office/powerpoint/2015/main" val="1"/>
-              </p:ext>
-            </p:extLst>
-          </p:nvPr>
-        </p:nvSpPr>
-        <p:spPr>
-          <a:xfrm>
-            <a:off x="-3175" y="-1786"/>
-            <a:ext cx="12188825" cy="6856214"/>
-          </a:xfrm>
-          <a:prstGeom prst="rect">
-            <a:avLst/>
-          </a:prstGeom>
-          <a:ln>
-            <a:noFill/>
-          </a:ln>
-        </p:spPr>
-        <p:style>
-          <a:lnRef idx="2">
-            <a:schemeClr val="accent1">
-              <a:shade val="50000"/>
-            </a:schemeClr>
-          </a:lnRef>
-          <a:fillRef idx="1">
-            <a:schemeClr val="accent1"/>
-          </a:fillRef>
-          <a:effectRef idx="0">
-            <a:schemeClr val="accent1"/>
-          </a:effectRef>
-          <a:fontRef idx="minor">
-            <a:schemeClr val="lt1"/>
-          </a:fontRef>
-        </p:style>
-        <p:txBody>
-          <a:bodyPr rtlCol="0" anchor="ctr"/>
-          <a:lstStyle/>
-          <a:p>
-            <a:pPr algn="ctr"/>
-            <a:endParaRPr lang="en-US"/>
-          </a:p>
-        </p:txBody>
-      </p:sp>
-      <p:pic>
-        <p:nvPicPr>
-          <p:cNvPr id="5122" name="Picture 2" descr="Image result for Neural Network">
-            <a:extLst>
-              <a:ext uri="{FF2B5EF4-FFF2-40B4-BE49-F238E27FC236}">
-                <a16:creationId xmlns:a16="http://schemas.microsoft.com/office/drawing/2014/main" id="{CC66210A-863A-4FFD-973B-5EBA97D4F4EC}"/>
-              </a:ext>
-            </a:extLst>
-          </p:cNvPr>
-          <p:cNvPicPr>
-            <a:picLocks noChangeAspect="1" noChangeArrowheads="1"/>
-          </p:cNvPicPr>
-          <p:nvPr/>
-        </p:nvPicPr>
-        <p:blipFill rotWithShape="1">
-          <a:blip r:embed="rId4">
-            <a:alphaModFix amt="20000"/>
-            <a:extLst>
-              <a:ext uri="{28A0092B-C50C-407E-A947-70E740481C1C}">
-                <a14:useLocalDpi xmlns:a14="http://schemas.microsoft.com/office/drawing/2010/main" val="0"/>
-              </a:ext>
-            </a:extLst>
-          </a:blip>
-          <a:srcRect t="1681" b="4569"/>
-          <a:stretch/>
-        </p:blipFill>
-        <p:spPr bwMode="auto">
-          <a:xfrm>
-            <a:off x="20" y="10"/>
-            <a:ext cx="12191980" cy="6857990"/>
-          </a:xfrm>
-          <a:prstGeom prst="rect">
-            <a:avLst/>
-          </a:prstGeom>
-          <a:noFill/>
-          <a:extLst>
-            <a:ext uri="{909E8E84-426E-40DD-AFC4-6F175D3DCCD1}">
-              <a14:hiddenFill xmlns:a14="http://schemas.microsoft.com/office/drawing/2010/main">
-                <a:solidFill>
-                  <a:srgbClr val="FFFFFF"/>
-                </a:solidFill>
-              </a14:hiddenFill>
-            </a:ext>
-          </a:extLst>
-        </p:spPr>
-      </p:pic>
-      <p:pic>
-        <p:nvPicPr>
-          <p:cNvPr id="137" name="Picture 136">
-            <a:extLst>
-              <a:ext uri="{FF2B5EF4-FFF2-40B4-BE49-F238E27FC236}">
-                <a16:creationId xmlns:a16="http://schemas.microsoft.com/office/drawing/2014/main" id="{A3D512BA-228A-4979-9312-ACD246E1099D}"/>
-              </a:ext>
-              <a:ext uri="{C183D7F6-B498-43B3-948B-1728B52AA6E4}">
-                <adec:decorative xmlns:adec="http://schemas.microsoft.com/office/drawing/2017/decorative" val="1"/>
-              </a:ext>
-            </a:extLst>
-          </p:cNvPr>
-          <p:cNvPicPr>
-            <a:picLocks noGrp="1" noRot="1" noChangeAspect="1" noMove="1" noResize="1" noEditPoints="1" noAdjustHandles="1" noChangeArrowheads="1" noChangeShapeType="1" noCrop="1"/>
-          </p:cNvPicPr>
-          <p:nvPr>
-            <p:extLst>
-              <p:ext uri="{386F3935-93C4-4BCD-93E2-E3B085C9AB24}">
-                <p16:designElem xmlns:p16="http://schemas.microsoft.com/office/powerpoint/2015/main" val="1"/>
-              </p:ext>
-            </p:extLst>
-          </p:nvPr>
-        </p:nvPicPr>
-        <p:blipFill>
-          <a:blip r:embed="rId5">
-            <a:alphaModFix amt="39000"/>
-            <a:extLst>
-              <a:ext uri="{28A0092B-C50C-407E-A947-70E740481C1C}">
-                <a14:useLocalDpi xmlns:a14="http://schemas.microsoft.com/office/drawing/2010/main" val="0"/>
-              </a:ext>
-            </a:extLst>
-          </a:blip>
-          <a:stretch>
-            <a:fillRect/>
-          </a:stretch>
-        </p:blipFill>
-        <p:spPr>
-          <a:xfrm>
-            <a:off x="0" y="0"/>
-            <a:ext cx="12188825" cy="6856214"/>
-          </a:xfrm>
-          <a:prstGeom prst="rect">
-            <a:avLst/>
-          </a:prstGeom>
-        </p:spPr>
-      </p:pic>
-      <p:sp>
-        <p:nvSpPr>
-          <p:cNvPr id="107" name="Google Shape;107;p16"/>
-          <p:cNvSpPr txBox="1">
-            <a:spLocks noGrp="1"/>
-          </p:cNvSpPr>
-          <p:nvPr>
-            <p:ph type="title"/>
-          </p:nvPr>
-        </p:nvSpPr>
-        <p:spPr>
-          <a:xfrm>
-            <a:off x="685801" y="609600"/>
-            <a:ext cx="10131425" cy="1456267"/>
-          </a:xfrm>
-          <a:prstGeom prst="rect">
-            <a:avLst/>
-          </a:prstGeom>
-        </p:spPr>
-        <p:txBody>
-          <a:bodyPr spcFirstLastPara="1" lIns="91425" tIns="45700" rIns="91425" bIns="45700" anchorCtr="0">
-            <a:normAutofit/>
-          </a:bodyPr>
-          <a:lstStyle/>
-          <a:p>
-            <a:pPr marL="0" lvl="0" indent="0" rtl="0">
-              <a:spcBef>
-                <a:spcPts val="0"/>
-              </a:spcBef>
-              <a:spcAft>
-                <a:spcPts val="0"/>
-              </a:spcAft>
-              <a:buClr>
-                <a:schemeClr val="dk1"/>
-              </a:buClr>
-              <a:buSzPts val="4400"/>
-              <a:buFont typeface="Calibri"/>
-              <a:buNone/>
-            </a:pPr>
-            <a:r>
-              <a:rPr lang="en-CA" b="1" dirty="0"/>
-              <a:t>Conclusion</a:t>
-            </a:r>
-            <a:endParaRPr lang="en-US" b="1"/>
-          </a:p>
-        </p:txBody>
-      </p:sp>
-      <p:sp>
-        <p:nvSpPr>
-          <p:cNvPr id="108" name="Google Shape;108;p16"/>
-          <p:cNvSpPr txBox="1">
-            <a:spLocks noGrp="1"/>
-          </p:cNvSpPr>
-          <p:nvPr>
-            <p:ph idx="1"/>
-          </p:nvPr>
-        </p:nvSpPr>
-        <p:spPr>
-          <a:xfrm>
-            <a:off x="685801" y="2142067"/>
-            <a:ext cx="10131425" cy="3649133"/>
-          </a:xfrm>
-          <a:prstGeom prst="rect">
-            <a:avLst/>
-          </a:prstGeom>
-        </p:spPr>
-        <p:txBody>
-          <a:bodyPr spcFirstLastPara="1" lIns="91425" tIns="45700" rIns="91425" bIns="45700" anchorCtr="0">
-            <a:normAutofit/>
-          </a:bodyPr>
-          <a:lstStyle/>
-          <a:p>
-            <a:r>
-              <a:rPr lang="en-US"/>
-              <a:t>It is important for use to make sure we can predict as many Ozone Days as possible. </a:t>
-            </a:r>
-          </a:p>
-          <a:p>
-            <a:pPr lvl="1"/>
-            <a:r>
-              <a:rPr lang="en-US"/>
-              <a:t>This is because of the health effects due to the Ozone. </a:t>
-            </a:r>
-          </a:p>
-          <a:p>
-            <a:r>
-              <a:rPr lang="en-US"/>
-              <a:t>Hence, we have chosen to use the Neural Network even though we have a lower precision compared to some of the other</a:t>
-            </a:r>
-          </a:p>
-        </p:txBody>
-      </p:sp>
-    </p:spTree>
-  </p:cSld>
-  <p:clrMapOvr>
-    <a:masterClrMapping/>
-  </p:clrMapOvr>
-</p:sld>
-</file>
-
-<file path=ppt/slides/slide8.xml><?xml version="1.0" encoding="utf-8"?>
-<p:sld xmlns:a="http://schemas.openxmlformats.org/drawingml/2006/main" xmlns:r="http://schemas.openxmlformats.org/officeDocument/2006/relationships" xmlns:p="http://schemas.openxmlformats.org/presentationml/2006/main">
-  <p:cSld>
-    <p:spTree>
-      <p:nvGrpSpPr>
-        <p:cNvPr id="1" name="Shape 112"/>
-        <p:cNvGrpSpPr/>
-        <p:nvPr/>
-      </p:nvGrpSpPr>
-      <p:grpSpPr>
-        <a:xfrm>
-          <a:off x="0" y="0"/>
-          <a:ext cx="0" cy="0"/>
-          <a:chOff x="0" y="0"/>
-          <a:chExt cx="0" cy="0"/>
-        </a:xfrm>
-      </p:grpSpPr>
-      <p:sp>
-        <p:nvSpPr>
-          <p:cNvPr id="113" name="Google Shape;113;p17"/>
-          <p:cNvSpPr txBox="1">
-            <a:spLocks noGrp="1"/>
-          </p:cNvSpPr>
-          <p:nvPr>
-            <p:ph type="title"/>
-          </p:nvPr>
-        </p:nvSpPr>
-        <p:spPr>
-          <a:xfrm>
-            <a:off x="838200" y="365126"/>
-            <a:ext cx="10515600" cy="1117446"/>
-          </a:xfrm>
-          <a:prstGeom prst="rect">
-            <a:avLst/>
-          </a:prstGeom>
-          <a:noFill/>
-          <a:ln>
-            <a:noFill/>
-          </a:ln>
-        </p:spPr>
-        <p:txBody>
-          <a:bodyPr spcFirstLastPara="1" wrap="square" lIns="91425" tIns="45700" rIns="91425" bIns="45700" anchor="ctr" anchorCtr="0">
-            <a:noAutofit/>
-          </a:bodyPr>
-          <a:lstStyle/>
-          <a:p>
-            <a:pPr marL="0" lvl="0" indent="0" algn="l" rtl="0">
-              <a:lnSpc>
-                <a:spcPct val="90000"/>
-              </a:lnSpc>
-              <a:spcBef>
-                <a:spcPts val="0"/>
-              </a:spcBef>
-              <a:spcAft>
-                <a:spcPts val="0"/>
-              </a:spcAft>
-              <a:buClr>
-                <a:schemeClr val="dk1"/>
-              </a:buClr>
-              <a:buSzPts val="4400"/>
-              <a:buFont typeface="Calibri"/>
-              <a:buNone/>
-            </a:pPr>
-            <a:r>
-              <a:rPr lang="en-CA" b="1"/>
-              <a:t>Reference</a:t>
-            </a:r>
-            <a:endParaRPr b="1"/>
-          </a:p>
-        </p:txBody>
-      </p:sp>
-      <p:sp>
-        <p:nvSpPr>
-          <p:cNvPr id="114" name="Google Shape;114;p17"/>
-          <p:cNvSpPr txBox="1">
-            <a:spLocks noGrp="1"/>
-          </p:cNvSpPr>
-          <p:nvPr>
-            <p:ph idx="1"/>
-          </p:nvPr>
-        </p:nvSpPr>
-        <p:spPr>
-          <a:xfrm>
-            <a:off x="838200" y="1482572"/>
-            <a:ext cx="10515600" cy="4694391"/>
-          </a:xfrm>
-          <a:prstGeom prst="rect">
-            <a:avLst/>
-          </a:prstGeom>
-          <a:noFill/>
-          <a:ln>
-            <a:noFill/>
-          </a:ln>
-        </p:spPr>
-        <p:txBody>
-          <a:bodyPr spcFirstLastPara="1" wrap="square" lIns="91425" tIns="45700" rIns="91425" bIns="45700" anchor="t" anchorCtr="0">
-            <a:noAutofit/>
-          </a:bodyPr>
-          <a:lstStyle/>
-          <a:p>
-            <a:pPr marL="228600" lvl="0" indent="-228600" algn="l" rtl="0">
-              <a:lnSpc>
-                <a:spcPct val="90000"/>
-              </a:lnSpc>
-              <a:spcBef>
-                <a:spcPts val="0"/>
-              </a:spcBef>
-              <a:spcAft>
-                <a:spcPts val="0"/>
-              </a:spcAft>
-              <a:buClr>
-                <a:schemeClr val="dk1"/>
-              </a:buClr>
-              <a:buSzPts val="2800"/>
-              <a:buChar char="•"/>
-            </a:pPr>
-            <a:r>
-              <a:rPr lang="en-CA"/>
-              <a:t>Zhang K, Fan W, Yuan X (2008). </a:t>
-            </a:r>
-            <a:r>
-              <a:rPr lang="en-CA" i="1"/>
-              <a:t>Forecasting skewed biased stochastic ozone days: analyses, solutions and beyond, Knowledge and Information Systems. </a:t>
-            </a:r>
-            <a:r>
-              <a:rPr lang="en-CA"/>
-              <a:t>Department of Computer Science, Xavier University. Retrieved from </a:t>
-            </a:r>
-            <a:r>
-              <a:rPr lang="en-CA" sz="2400" u="sng">
-                <a:solidFill>
-                  <a:schemeClr val="hlink"/>
-                </a:solidFill>
-                <a:hlinkClick r:id="rId3"/>
-              </a:rPr>
-              <a:t>http://citeseerx.ist.psu.edu/viewdoc/download?doi=10.1.1.435.8329&amp;rep=rep1&amp;type=pdf</a:t>
-            </a:r>
-            <a:endParaRPr sz="2300"/>
-          </a:p>
-          <a:p>
-            <a:pPr marL="228600" lvl="0" indent="0" algn="l" rtl="0">
-              <a:lnSpc>
-                <a:spcPct val="90000"/>
-              </a:lnSpc>
-              <a:spcBef>
-                <a:spcPts val="0"/>
-              </a:spcBef>
-              <a:spcAft>
-                <a:spcPts val="0"/>
-              </a:spcAft>
-              <a:buNone/>
-            </a:pPr>
-            <a:endParaRPr sz="2300"/>
-          </a:p>
-          <a:p>
-            <a:pPr marL="228600" lvl="0" indent="-50800" algn="l" rtl="0">
-              <a:lnSpc>
-                <a:spcPct val="90000"/>
-              </a:lnSpc>
-              <a:spcBef>
-                <a:spcPts val="1000"/>
-              </a:spcBef>
-              <a:spcAft>
-                <a:spcPts val="0"/>
-              </a:spcAft>
-              <a:buClr>
-                <a:schemeClr val="dk1"/>
-              </a:buClr>
-              <a:buSzPts val="2800"/>
-              <a:buNone/>
-            </a:pPr>
-            <a:endParaRPr/>
-          </a:p>
-        </p:txBody>
-      </p:sp>
+        </p:nvGraphicFramePr>
+        <p:xfrm>
+          <a:off x="685801" y="1973157"/>
+          <a:ext cx="10131425" cy="1676400"/>
+        </p:xfrm>
+        <a:graphic>
+          <a:graphicData uri="http://schemas.openxmlformats.org/drawingml/2006/table">
+            <a:tbl>
+              <a:tblPr firstRow="1" bandRow="1">
+                <a:tableStyleId>{5C22544A-7EE6-4342-B048-85BDC9FD1C3A}</a:tableStyleId>
+              </a:tblPr>
+              <a:tblGrid>
+                <a:gridCol w="2026285"/>
+                <a:gridCol w="2026285"/>
+                <a:gridCol w="2026285"/>
+                <a:gridCol w="2026285"/>
+                <a:gridCol w="2026285"/>
+              </a:tblGrid>
+              <a:tr h="914400">
+                <a:tc>
+                  <a:txBody>
+                    <a:bodyPr/>
+                    <a:p>
+                      <a:pPr>
+                        <a:buNone/>
+                      </a:pPr>
+                      <a:endParaRPr lang="en-US">
+                        <a:solidFill>
+                          <a:schemeClr val="tx1"/>
+                        </a:solidFill>
+                      </a:endParaRPr>
+                    </a:p>
+                  </a:txBody>
+                  <a:tcPr/>
+                </a:tc>
+                <a:tc>
+                  <a:txBody>
+                    <a:bodyPr/>
+                    <a:p>
+                      <a:pPr>
+                        <a:buNone/>
+                      </a:pPr>
+                      <a:r>
+                        <a:rPr lang="en-CA" altLang="en-US">
+                          <a:solidFill>
+                            <a:schemeClr val="tx1"/>
+                          </a:solidFill>
+                        </a:rPr>
+                        <a:t>Gaussian NB</a:t>
+                      </a:r>
+                      <a:endParaRPr lang="en-CA" altLang="en-US">
+                        <a:solidFill>
+                          <a:schemeClr val="tx1"/>
+                        </a:solidFill>
+                      </a:endParaRPr>
+                    </a:p>
+                  </a:txBody>
+                  <a:tcPr/>
+                </a:tc>
+                <a:tc>
+                  <a:txBody>
+                    <a:bodyPr/>
+                    <a:p>
+                      <a:pPr>
+                        <a:buNone/>
+                      </a:pPr>
+                      <a:r>
+                        <a:rPr lang="en-CA" altLang="en-US">
+                          <a:solidFill>
+                            <a:schemeClr val="tx1"/>
+                          </a:solidFill>
+                        </a:rPr>
+                        <a:t>Logistic </a:t>
+                      </a:r>
+                      <a:endParaRPr lang="en-CA" altLang="en-US">
+                        <a:solidFill>
+                          <a:schemeClr val="tx1"/>
+                        </a:solidFill>
+                      </a:endParaRPr>
+                    </a:p>
+                    <a:p>
+                      <a:pPr>
+                        <a:buNone/>
+                      </a:pPr>
+                      <a:r>
+                        <a:rPr lang="en-CA" altLang="en-US">
+                          <a:solidFill>
+                            <a:schemeClr val="tx1"/>
+                          </a:solidFill>
+                        </a:rPr>
+                        <a:t>Regression </a:t>
+                      </a:r>
+                      <a:endParaRPr lang="en-CA" altLang="en-US">
+                        <a:solidFill>
+                          <a:schemeClr val="tx1"/>
+                        </a:solidFill>
+                      </a:endParaRPr>
+                    </a:p>
+                    <a:p>
+                      <a:pPr>
+                        <a:buNone/>
+                      </a:pPr>
+                      <a:r>
+                        <a:rPr lang="en-CA" altLang="en-US">
+                          <a:solidFill>
+                            <a:schemeClr val="tx1"/>
+                          </a:solidFill>
+                        </a:rPr>
+                        <a:t>Classifier</a:t>
+                      </a:r>
+                      <a:endParaRPr lang="en-CA" altLang="en-US">
+                        <a:solidFill>
+                          <a:schemeClr val="tx1"/>
+                        </a:solidFill>
+                      </a:endParaRPr>
+                    </a:p>
+                  </a:txBody>
+                  <a:tcPr/>
+                </a:tc>
+                <a:tc>
+                  <a:txBody>
+                    <a:bodyPr/>
+                    <a:p>
+                      <a:pPr>
+                        <a:buNone/>
+                      </a:pPr>
+                      <a:r>
+                        <a:rPr lang="en-CA" altLang="en-US">
+                          <a:solidFill>
+                            <a:schemeClr val="tx1"/>
+                          </a:solidFill>
+                        </a:rPr>
+                        <a:t>Neural</a:t>
+                      </a:r>
+                      <a:endParaRPr lang="en-CA" altLang="en-US">
+                        <a:solidFill>
+                          <a:schemeClr val="tx1"/>
+                        </a:solidFill>
+                      </a:endParaRPr>
+                    </a:p>
+                    <a:p>
+                      <a:pPr>
+                        <a:buNone/>
+                      </a:pPr>
+                      <a:r>
+                        <a:rPr lang="en-CA" altLang="en-US">
+                          <a:solidFill>
+                            <a:schemeClr val="tx1"/>
+                          </a:solidFill>
+                        </a:rPr>
+                        <a:t>Network</a:t>
+                      </a:r>
+                      <a:endParaRPr lang="en-CA" altLang="en-US">
+                        <a:solidFill>
+                          <a:schemeClr val="tx1"/>
+                        </a:solidFill>
+                      </a:endParaRPr>
+                    </a:p>
+                    <a:p>
+                      <a:pPr>
+                        <a:buNone/>
+                      </a:pPr>
+                      <a:r>
+                        <a:rPr lang="en-CA" altLang="en-US">
+                          <a:solidFill>
+                            <a:schemeClr val="tx1"/>
+                          </a:solidFill>
+                        </a:rPr>
+                        <a:t>Classifier</a:t>
+                      </a:r>
+                      <a:endParaRPr lang="en-CA" altLang="en-US">
+                        <a:solidFill>
+                          <a:schemeClr val="tx1"/>
+                        </a:solidFill>
+                      </a:endParaRPr>
+                    </a:p>
+                  </a:txBody>
+                  <a:tcPr/>
+                </a:tc>
+                <a:tc>
+                  <a:txBody>
+                    <a:bodyPr/>
+                    <a:p>
+                      <a:pPr>
+                        <a:buNone/>
+                      </a:pPr>
+                      <a:r>
+                        <a:rPr lang="en-CA" altLang="en-US">
+                          <a:solidFill>
+                            <a:schemeClr val="tx1"/>
+                          </a:solidFill>
+                        </a:rPr>
+                        <a:t>Voting </a:t>
+                      </a:r>
+                      <a:endParaRPr lang="en-CA" altLang="en-US">
+                        <a:solidFill>
+                          <a:schemeClr val="tx1"/>
+                        </a:solidFill>
+                      </a:endParaRPr>
+                    </a:p>
+                    <a:p>
+                      <a:pPr>
+                        <a:buNone/>
+                      </a:pPr>
+                      <a:r>
+                        <a:rPr lang="en-CA" altLang="en-US">
+                          <a:solidFill>
+                            <a:schemeClr val="tx1"/>
+                          </a:solidFill>
+                        </a:rPr>
+                        <a:t>Classifier</a:t>
+                      </a:r>
+                      <a:endParaRPr lang="en-CA" altLang="en-US">
+                        <a:solidFill>
+                          <a:schemeClr val="tx1"/>
+                        </a:solidFill>
+                      </a:endParaRPr>
+                    </a:p>
+                  </a:txBody>
+                  <a:tcPr/>
+                </a:tc>
+              </a:tr>
+              <a:tr h="381000">
+                <a:tc>
+                  <a:txBody>
+                    <a:bodyPr/>
+                    <a:p>
+                      <a:pPr>
+                        <a:buNone/>
+                      </a:pPr>
+                      <a:r>
+                        <a:rPr lang="en-CA" altLang="en-US">
+                          <a:solidFill>
+                            <a:schemeClr val="tx1"/>
+                          </a:solidFill>
+                        </a:rPr>
+                        <a:t>Precision</a:t>
+                      </a:r>
+                      <a:endParaRPr lang="en-CA" altLang="en-US">
+                        <a:solidFill>
+                          <a:schemeClr val="tx1"/>
+                        </a:solidFill>
+                      </a:endParaRPr>
+                    </a:p>
+                  </a:txBody>
+                  <a:tcPr/>
+                </a:tc>
+                <a:tc>
+                  <a:txBody>
+                    <a:bodyPr/>
+                    <a:p>
+                      <a:pPr>
+                        <a:buNone/>
+                      </a:pPr>
+                      <a:r>
+                        <a:rPr lang="en-US">
+                          <a:solidFill>
+                            <a:schemeClr val="tx1"/>
+                          </a:solidFill>
+                        </a:rPr>
+                        <a:t>0.613547</a:t>
+                      </a:r>
+                      <a:endParaRPr lang="en-US">
+                        <a:solidFill>
+                          <a:schemeClr val="tx1"/>
+                        </a:solidFill>
+                      </a:endParaRPr>
+                    </a:p>
+                  </a:txBody>
+                  <a:tcPr/>
+                </a:tc>
+                <a:tc>
+                  <a:txBody>
+                    <a:bodyPr/>
+                    <a:p>
+                      <a:pPr>
+                        <a:buNone/>
+                      </a:pPr>
+                      <a:r>
+                        <a:rPr lang="en-US">
+                          <a:solidFill>
+                            <a:schemeClr val="tx1"/>
+                          </a:solidFill>
+                        </a:rPr>
+                        <a:t>0.620214</a:t>
+                      </a:r>
+                      <a:endParaRPr lang="en-US">
+                        <a:solidFill>
+                          <a:schemeClr val="tx1"/>
+                        </a:solidFill>
+                      </a:endParaRPr>
+                    </a:p>
+                  </a:txBody>
+                  <a:tcPr/>
+                </a:tc>
+                <a:tc>
+                  <a:txBody>
+                    <a:bodyPr/>
+                    <a:p>
+                      <a:pPr>
+                        <a:buNone/>
+                      </a:pPr>
+                      <a:r>
+                        <a:rPr lang="en-US">
+                          <a:solidFill>
+                            <a:schemeClr val="tx1"/>
+                          </a:solidFill>
+                        </a:rPr>
+                        <a:t>0.578056</a:t>
+                      </a:r>
+                      <a:endParaRPr lang="en-US">
+                        <a:solidFill>
+                          <a:schemeClr val="tx1"/>
+                        </a:solidFill>
+                      </a:endParaRPr>
+                    </a:p>
+                  </a:txBody>
+                  <a:tcPr/>
+                </a:tc>
+                <a:tc>
+                  <a:txBody>
+                    <a:bodyPr/>
+                    <a:p>
+                      <a:pPr>
+                        <a:buNone/>
+                      </a:pPr>
+                      <a:r>
+                        <a:rPr lang="en-US">
+                          <a:solidFill>
+                            <a:schemeClr val="tx1"/>
+                          </a:solidFill>
+                        </a:rPr>
+                        <a:t>0.671958</a:t>
+                      </a:r>
+                      <a:endParaRPr lang="en-US">
+                        <a:solidFill>
+                          <a:schemeClr val="tx1"/>
+                        </a:solidFill>
+                      </a:endParaRPr>
+                    </a:p>
+                  </a:txBody>
+                  <a:tcPr/>
+                </a:tc>
+              </a:tr>
+              <a:tr h="381000">
+                <a:tc>
+                  <a:txBody>
+                    <a:bodyPr/>
+                    <a:p>
+                      <a:pPr>
+                        <a:buNone/>
+                      </a:pPr>
+                      <a:r>
+                        <a:rPr lang="en-CA" altLang="en-US">
+                          <a:solidFill>
+                            <a:schemeClr val="tx1"/>
+                          </a:solidFill>
+                        </a:rPr>
+                        <a:t>Recall</a:t>
+                      </a:r>
+                      <a:endParaRPr lang="en-CA" altLang="en-US">
+                        <a:solidFill>
+                          <a:schemeClr val="tx1"/>
+                        </a:solidFill>
+                      </a:endParaRPr>
+                    </a:p>
+                  </a:txBody>
+                  <a:tcPr/>
+                </a:tc>
+                <a:tc>
+                  <a:txBody>
+                    <a:bodyPr/>
+                    <a:p>
+                      <a:pPr>
+                        <a:buNone/>
+                      </a:pPr>
+                      <a:r>
+                        <a:rPr lang="en-US">
+                          <a:solidFill>
+                            <a:schemeClr val="tx1"/>
+                          </a:solidFill>
+                        </a:rPr>
+                        <a:t>0.300000</a:t>
+                      </a:r>
+                      <a:endParaRPr lang="en-US">
+                        <a:solidFill>
+                          <a:schemeClr val="tx1"/>
+                        </a:solidFill>
+                      </a:endParaRPr>
+                    </a:p>
+                  </a:txBody>
+                  <a:tcPr/>
+                </a:tc>
+                <a:tc>
+                  <a:txBody>
+                    <a:bodyPr/>
+                    <a:p>
+                      <a:pPr>
+                        <a:buNone/>
+                      </a:pPr>
+                      <a:r>
+                        <a:rPr lang="en-US">
+                          <a:solidFill>
+                            <a:schemeClr val="tx1"/>
+                          </a:solidFill>
+                        </a:rPr>
+                        <a:t>0.300000</a:t>
+                      </a:r>
+                      <a:endParaRPr lang="en-US">
+                        <a:solidFill>
+                          <a:schemeClr val="tx1"/>
+                        </a:solidFill>
+                      </a:endParaRPr>
+                    </a:p>
+                  </a:txBody>
+                  <a:tcPr/>
+                </a:tc>
+                <a:tc>
+                  <a:txBody>
+                    <a:bodyPr/>
+                    <a:p>
+                      <a:pPr>
+                        <a:buNone/>
+                      </a:pPr>
+                      <a:r>
+                        <a:rPr lang="en-US">
+                          <a:solidFill>
+                            <a:schemeClr val="tx1"/>
+                          </a:solidFill>
+                        </a:rPr>
+                        <a:t>0.602778</a:t>
+                      </a:r>
+                      <a:endParaRPr lang="en-US">
+                        <a:solidFill>
+                          <a:schemeClr val="tx1"/>
+                        </a:solidFill>
+                      </a:endParaRPr>
+                    </a:p>
+                  </a:txBody>
+                  <a:tcPr/>
+                </a:tc>
+                <a:tc>
+                  <a:txBody>
+                    <a:bodyPr/>
+                    <a:p>
+                      <a:pPr>
+                        <a:buNone/>
+                      </a:pPr>
+                      <a:r>
+                        <a:rPr lang="en-US">
+                          <a:solidFill>
+                            <a:schemeClr val="tx1"/>
+                          </a:solidFill>
+                        </a:rPr>
+                        <a:t>0.350000</a:t>
+                      </a:r>
+                      <a:endParaRPr lang="en-US">
+                        <a:solidFill>
+                          <a:schemeClr val="tx1"/>
+                        </a:solidFill>
+                      </a:endParaRPr>
+                    </a:p>
+                  </a:txBody>
+                  <a:tcPr/>
+                </a:tc>
+              </a:tr>
+            </a:tbl>
+          </a:graphicData>
+        </a:graphic>
+      </p:graphicFrame>
     </p:spTree>
   </p:cSld>
   <p:clrMapOvr>
@@ -14621,7 +16147,7 @@
     </a:clrScheme>
     <a:fontScheme name="Celestial">
       <a:majorFont>
-        <a:latin typeface="Calibri Light" panose="020F0302020204030204"/>
+        <a:latin typeface="Calibri Light"/>
         <a:ea typeface=""/>
         <a:cs typeface=""/>
         <a:font script="Jpan" typeface="ＭＳ Ｐゴシック"/>
@@ -14656,7 +16182,7 @@
         <a:font script="Geor" typeface="Sylfaen"/>
       </a:majorFont>
       <a:minorFont>
-        <a:latin typeface="Calibri" panose="020F0502020204030204"/>
+        <a:latin typeface="Calibri"/>
         <a:ea typeface=""/>
         <a:cs typeface=""/>
         <a:font script="Jpan" typeface="ＭＳ Ｐゴシック"/>
@@ -14812,16 +16338,16 @@
         </a:gradFill>
         <a:blipFill>
           <a:blip xmlns:r="http://schemas.openxmlformats.org/officeDocument/2006/relationships" r:embed="rId1"/>
-          <a:stretch/>
+          <a:stretch>
+            <a:fillRect/>
+          </a:stretch>
         </a:blipFill>
       </a:bgFillStyleLst>
     </a:fmtScheme>
   </a:themeElements>
-  <a:objectDefaults/>
-  <a:extraClrSchemeLst/>
   <a:extLst>
     <a:ext uri="{05A4C25C-085E-4340-85A3-A5531E510DB2}">
-      <thm15:themeFamily xmlns:thm15="http://schemas.microsoft.com/office/thememl/2012/main" name="Celestial" id="{C4BB2A3D-0E93-4C5F-B0D2-9D3FCE089CC5}" vid="{42E5908D-19A2-46FD-89FA-638B126129EF}"/>
+      <thm15:themeFamily xmlns:thm15="http://schemas.microsoft.com/office/thememl/2012/main" name="Office Theme" id="{62F939B6-93AF-4DB8-9C6B-D6C7DFDC589F}" vid="{4A3C46E8-61CC-4603-A589-7422A47A8E4A}"/>
     </a:ext>
   </a:extLst>
 </a:theme>
@@ -15103,7 +16629,10 @@
       </a:bgFillStyleLst>
     </a:fmtScheme>
   </a:themeElements>
-  <a:objectDefaults/>
-  <a:extraClrSchemeLst/>
+  <a:extLst>
+    <a:ext uri="{05A4C25C-085E-4340-85A3-A5531E510DB2}">
+      <thm15:themeFamily xmlns:thm15="http://schemas.microsoft.com/office/thememl/2012/main" name="Office Theme" id="{62F939B6-93AF-4DB8-9C6B-D6C7DFDC589F}" vid="{4A3C46E8-61CC-4603-A589-7422A47A8E4A}"/>
+    </a:ext>
+  </a:extLst>
 </a:theme>
 </file>